--- a/slide_présentation.pptx
+++ b/slide_présentation.pptx
@@ -7,8 +7,13 @@
   <p:sldIdLst>
     <p:sldId id="256" r:id="rId2"/>
     <p:sldId id="257" r:id="rId3"/>
-    <p:sldId id="259" r:id="rId4"/>
-    <p:sldId id="258" r:id="rId5"/>
+    <p:sldId id="258" r:id="rId4"/>
+    <p:sldId id="259" r:id="rId5"/>
+    <p:sldId id="263" r:id="rId6"/>
+    <p:sldId id="264" r:id="rId7"/>
+    <p:sldId id="265" r:id="rId8"/>
+    <p:sldId id="260" r:id="rId9"/>
+    <p:sldId id="261" r:id="rId10"/>
   </p:sldIdLst>
   <p:sldSz cx="12192000" cy="6858000"/>
   <p:notesSz cx="6858000" cy="9144000"/>
@@ -107,6 +112,11 @@
       </a:defRPr>
     </a:lvl9pPr>
   </p:defaultTextStyle>
+  <p:extLst>
+    <p:ext uri="{EFAFB233-063F-42B5-8137-9DF3F51BA10A}">
+      <p15:sldGuideLst xmlns:p15="http://schemas.microsoft.com/office/powerpoint/2012/main"/>
+    </p:ext>
+  </p:extLst>
 </p:presentation>
 </file>
 
@@ -114,6 +124,7 @@
 <p1510:revInfo xmlns:a="http://schemas.openxmlformats.org/drawingml/2006/main" xmlns:r="http://schemas.openxmlformats.org/officeDocument/2006/relationships" xmlns:p1510="http://schemas.microsoft.com/office/powerpoint/2015/10/main">
   <p1510:revLst>
     <p1510:client id="{7BD5FFF9-23D2-491D-B336-C34D45D192CF}" v="14" dt="2019-11-21T16:26:42.226"/>
+    <p1510:client id="{739B3BA1-6B13-4CF6-93FD-C963F94EEED7}" v="22" dt="2019-11-22T09:27:44.201"/>
   </p1510:revLst>
 </p1510:revInfo>
 </file>
@@ -387,6 +398,878 @@
           <pc:docMk/>
           <pc:sldMk cId="1790091734" sldId="259"/>
         </pc:sldMkLst>
+      </pc:sldChg>
+    </pc:docChg>
+  </pc:docChgLst>
+  <pc:docChgLst>
+    <pc:chgData name="thomas carril" userId="a85f748144a020fa" providerId="LiveId" clId="{739B3BA1-6B13-4CF6-93FD-C963F94EEED7}"/>
+    <pc:docChg chg="undo custSel mod addSld delSld modSld sldOrd">
+      <pc:chgData name="thomas carril" userId="a85f748144a020fa" providerId="LiveId" clId="{739B3BA1-6B13-4CF6-93FD-C963F94EEED7}" dt="2019-11-22T10:03:10.152" v="1222" actId="26606"/>
+      <pc:docMkLst>
+        <pc:docMk/>
+      </pc:docMkLst>
+      <pc:sldChg chg="modSp">
+        <pc:chgData name="thomas carril" userId="a85f748144a020fa" providerId="LiveId" clId="{739B3BA1-6B13-4CF6-93FD-C963F94EEED7}" dt="2019-11-22T09:13:35.381" v="197" actId="20577"/>
+        <pc:sldMkLst>
+          <pc:docMk/>
+          <pc:sldMk cId="4250306025" sldId="257"/>
+        </pc:sldMkLst>
+        <pc:spChg chg="mod">
+          <ac:chgData name="thomas carril" userId="a85f748144a020fa" providerId="LiveId" clId="{739B3BA1-6B13-4CF6-93FD-C963F94EEED7}" dt="2019-11-22T09:13:35.381" v="197" actId="20577"/>
+          <ac:spMkLst>
+            <pc:docMk/>
+            <pc:sldMk cId="4250306025" sldId="257"/>
+            <ac:spMk id="3" creationId="{BF5B2046-4A8A-459D-AA54-65A4DA4227D4}"/>
+          </ac:spMkLst>
+        </pc:spChg>
+      </pc:sldChg>
+      <pc:sldChg chg="addSp modSp">
+        <pc:chgData name="thomas carril" userId="a85f748144a020fa" providerId="LiveId" clId="{739B3BA1-6B13-4CF6-93FD-C963F94EEED7}" dt="2019-11-22T09:37:58.041" v="1027" actId="20577"/>
+        <pc:sldMkLst>
+          <pc:docMk/>
+          <pc:sldMk cId="3049107083" sldId="258"/>
+        </pc:sldMkLst>
+        <pc:spChg chg="mod">
+          <ac:chgData name="thomas carril" userId="a85f748144a020fa" providerId="LiveId" clId="{739B3BA1-6B13-4CF6-93FD-C963F94EEED7}" dt="2019-11-22T09:37:58.041" v="1027" actId="20577"/>
+          <ac:spMkLst>
+            <pc:docMk/>
+            <pc:sldMk cId="3049107083" sldId="258"/>
+            <ac:spMk id="3" creationId="{3858C1CF-1159-45F6-B291-429EF5CC78AC}"/>
+          </ac:spMkLst>
+        </pc:spChg>
+        <pc:spChg chg="mod">
+          <ac:chgData name="thomas carril" userId="a85f748144a020fa" providerId="LiveId" clId="{739B3BA1-6B13-4CF6-93FD-C963F94EEED7}" dt="2019-11-22T08:53:35.419" v="0" actId="207"/>
+          <ac:spMkLst>
+            <pc:docMk/>
+            <pc:sldMk cId="3049107083" sldId="258"/>
+            <ac:spMk id="6" creationId="{F4F914AF-6DC2-4833-B0BC-3CFD98455461}"/>
+          </ac:spMkLst>
+        </pc:spChg>
+        <pc:spChg chg="mod">
+          <ac:chgData name="thomas carril" userId="a85f748144a020fa" providerId="LiveId" clId="{739B3BA1-6B13-4CF6-93FD-C963F94EEED7}" dt="2019-11-22T08:53:35.419" v="0" actId="207"/>
+          <ac:spMkLst>
+            <pc:docMk/>
+            <pc:sldMk cId="3049107083" sldId="258"/>
+            <ac:spMk id="24" creationId="{A0EEE94D-E026-4941-9103-3DC2F68C2132}"/>
+          </ac:spMkLst>
+        </pc:spChg>
+        <pc:spChg chg="mod">
+          <ac:chgData name="thomas carril" userId="a85f748144a020fa" providerId="LiveId" clId="{739B3BA1-6B13-4CF6-93FD-C963F94EEED7}" dt="2019-11-22T08:53:35.419" v="0" actId="207"/>
+          <ac:spMkLst>
+            <pc:docMk/>
+            <pc:sldMk cId="3049107083" sldId="258"/>
+            <ac:spMk id="28" creationId="{59296922-42B8-4D5A-9375-194916CD8DC9}"/>
+          </ac:spMkLst>
+        </pc:spChg>
+        <pc:spChg chg="mod">
+          <ac:chgData name="thomas carril" userId="a85f748144a020fa" providerId="LiveId" clId="{739B3BA1-6B13-4CF6-93FD-C963F94EEED7}" dt="2019-11-22T08:53:35.419" v="0" actId="207"/>
+          <ac:spMkLst>
+            <pc:docMk/>
+            <pc:sldMk cId="3049107083" sldId="258"/>
+            <ac:spMk id="30" creationId="{414C2E9A-053D-43A5-BE1C-86B1F5DA8A98}"/>
+          </ac:spMkLst>
+        </pc:spChg>
+        <pc:spChg chg="mod">
+          <ac:chgData name="thomas carril" userId="a85f748144a020fa" providerId="LiveId" clId="{739B3BA1-6B13-4CF6-93FD-C963F94EEED7}" dt="2019-11-22T09:01:13.743" v="111" actId="1076"/>
+          <ac:spMkLst>
+            <pc:docMk/>
+            <pc:sldMk cId="3049107083" sldId="258"/>
+            <ac:spMk id="34" creationId="{9262E4B2-6BE2-4871-B661-D0F0E8606F66}"/>
+          </ac:spMkLst>
+        </pc:spChg>
+        <pc:picChg chg="add mod modCrop">
+          <ac:chgData name="thomas carril" userId="a85f748144a020fa" providerId="LiveId" clId="{739B3BA1-6B13-4CF6-93FD-C963F94EEED7}" dt="2019-11-22T09:01:16.857" v="112" actId="1076"/>
+          <ac:picMkLst>
+            <pc:docMk/>
+            <pc:sldMk cId="3049107083" sldId="258"/>
+            <ac:picMk id="7" creationId="{CDB199EF-C9FB-4C79-AAF1-60A2AF8621FE}"/>
+          </ac:picMkLst>
+        </pc:picChg>
+        <pc:picChg chg="mod">
+          <ac:chgData name="thomas carril" userId="a85f748144a020fa" providerId="LiveId" clId="{739B3BA1-6B13-4CF6-93FD-C963F94EEED7}" dt="2019-11-22T09:22:23.369" v="451" actId="1076"/>
+          <ac:picMkLst>
+            <pc:docMk/>
+            <pc:sldMk cId="3049107083" sldId="258"/>
+            <ac:picMk id="13" creationId="{AA4214F3-F1F8-49AB-B353-19A0C473FE43}"/>
+          </ac:picMkLst>
+        </pc:picChg>
+      </pc:sldChg>
+      <pc:sldChg chg="addSp delSp modSp mod ord setBg">
+        <pc:chgData name="thomas carril" userId="a85f748144a020fa" providerId="LiveId" clId="{739B3BA1-6B13-4CF6-93FD-C963F94EEED7}" dt="2019-11-22T10:00:22.201" v="1181" actId="27614"/>
+        <pc:sldMkLst>
+          <pc:docMk/>
+          <pc:sldMk cId="1790091734" sldId="259"/>
+        </pc:sldMkLst>
+        <pc:spChg chg="mod">
+          <ac:chgData name="thomas carril" userId="a85f748144a020fa" providerId="LiveId" clId="{739B3BA1-6B13-4CF6-93FD-C963F94EEED7}" dt="2019-11-22T10:00:19.132" v="1180" actId="26606"/>
+          <ac:spMkLst>
+            <pc:docMk/>
+            <pc:sldMk cId="1790091734" sldId="259"/>
+            <ac:spMk id="2" creationId="{4F87D976-5E65-4390-B009-44D320A09A11}"/>
+          </ac:spMkLst>
+        </pc:spChg>
+        <pc:spChg chg="mod">
+          <ac:chgData name="thomas carril" userId="a85f748144a020fa" providerId="LiveId" clId="{739B3BA1-6B13-4CF6-93FD-C963F94EEED7}" dt="2019-11-22T10:00:19.132" v="1180" actId="26606"/>
+          <ac:spMkLst>
+            <pc:docMk/>
+            <pc:sldMk cId="1790091734" sldId="259"/>
+            <ac:spMk id="3" creationId="{D43E1115-69FB-4D84-931C-D565B888BAAA}"/>
+          </ac:spMkLst>
+        </pc:spChg>
+        <pc:spChg chg="add">
+          <ac:chgData name="thomas carril" userId="a85f748144a020fa" providerId="LiveId" clId="{739B3BA1-6B13-4CF6-93FD-C963F94EEED7}" dt="2019-11-22T10:00:19.132" v="1180" actId="26606"/>
+          <ac:spMkLst>
+            <pc:docMk/>
+            <pc:sldMk cId="1790091734" sldId="259"/>
+            <ac:spMk id="6" creationId="{9F4444CE-BC8D-4D61-B303-4C05614E62AB}"/>
+          </ac:spMkLst>
+        </pc:spChg>
+        <pc:spChg chg="add">
+          <ac:chgData name="thomas carril" userId="a85f748144a020fa" providerId="LiveId" clId="{739B3BA1-6B13-4CF6-93FD-C963F94EEED7}" dt="2019-11-22T10:00:19.132" v="1180" actId="26606"/>
+          <ac:spMkLst>
+            <pc:docMk/>
+            <pc:sldMk cId="1790091734" sldId="259"/>
+            <ac:spMk id="7" creationId="{62423CA5-E2E1-4789-B759-9906C1C94063}"/>
+          </ac:spMkLst>
+        </pc:spChg>
+        <pc:spChg chg="add">
+          <ac:chgData name="thomas carril" userId="a85f748144a020fa" providerId="LiveId" clId="{739B3BA1-6B13-4CF6-93FD-C963F94EEED7}" dt="2019-11-22T10:00:19.132" v="1180" actId="26606"/>
+          <ac:spMkLst>
+            <pc:docMk/>
+            <pc:sldMk cId="1790091734" sldId="259"/>
+            <ac:spMk id="8" creationId="{73772B81-181F-48B7-8826-4D9686D15DF5}"/>
+          </ac:spMkLst>
+        </pc:spChg>
+        <pc:spChg chg="add del">
+          <ac:chgData name="thomas carril" userId="a85f748144a020fa" providerId="LiveId" clId="{739B3BA1-6B13-4CF6-93FD-C963F94EEED7}" dt="2019-11-22T09:52:27.930" v="1093" actId="26606"/>
+          <ac:spMkLst>
+            <pc:docMk/>
+            <pc:sldMk cId="1790091734" sldId="259"/>
+            <ac:spMk id="9" creationId="{9F4444CE-BC8D-4D61-B303-4C05614E62AB}"/>
+          </ac:spMkLst>
+        </pc:spChg>
+        <pc:spChg chg="add">
+          <ac:chgData name="thomas carril" userId="a85f748144a020fa" providerId="LiveId" clId="{739B3BA1-6B13-4CF6-93FD-C963F94EEED7}" dt="2019-11-22T10:00:19.132" v="1180" actId="26606"/>
+          <ac:spMkLst>
+            <pc:docMk/>
+            <pc:sldMk cId="1790091734" sldId="259"/>
+            <ac:spMk id="10" creationId="{B2205F6E-03C6-4E92-877C-E2482F6599AA}"/>
+          </ac:spMkLst>
+        </pc:spChg>
+        <pc:spChg chg="add del">
+          <ac:chgData name="thomas carril" userId="a85f748144a020fa" providerId="LiveId" clId="{739B3BA1-6B13-4CF6-93FD-C963F94EEED7}" dt="2019-11-22T09:52:27.930" v="1093" actId="26606"/>
+          <ac:spMkLst>
+            <pc:docMk/>
+            <pc:sldMk cId="1790091734" sldId="259"/>
+            <ac:spMk id="11" creationId="{62423CA5-E2E1-4789-B759-9906C1C94063}"/>
+          </ac:spMkLst>
+        </pc:spChg>
+        <pc:spChg chg="add del">
+          <ac:chgData name="thomas carril" userId="a85f748144a020fa" providerId="LiveId" clId="{739B3BA1-6B13-4CF6-93FD-C963F94EEED7}" dt="2019-11-22T09:52:27.930" v="1093" actId="26606"/>
+          <ac:spMkLst>
+            <pc:docMk/>
+            <pc:sldMk cId="1790091734" sldId="259"/>
+            <ac:spMk id="13" creationId="{73772B81-181F-48B7-8826-4D9686D15DF5}"/>
+          </ac:spMkLst>
+        </pc:spChg>
+        <pc:spChg chg="add del">
+          <ac:chgData name="thomas carril" userId="a85f748144a020fa" providerId="LiveId" clId="{739B3BA1-6B13-4CF6-93FD-C963F94EEED7}" dt="2019-11-22T09:52:27.930" v="1093" actId="26606"/>
+          <ac:spMkLst>
+            <pc:docMk/>
+            <pc:sldMk cId="1790091734" sldId="259"/>
+            <ac:spMk id="15" creationId="{B2205F6E-03C6-4E92-877C-E2482F6599AA}"/>
+          </ac:spMkLst>
+        </pc:spChg>
+        <pc:picChg chg="add mod modCrop">
+          <ac:chgData name="thomas carril" userId="a85f748144a020fa" providerId="LiveId" clId="{739B3BA1-6B13-4CF6-93FD-C963F94EEED7}" dt="2019-11-22T10:00:22.201" v="1181" actId="27614"/>
+          <ac:picMkLst>
+            <pc:docMk/>
+            <pc:sldMk cId="1790091734" sldId="259"/>
+            <ac:picMk id="4" creationId="{772E5579-CA5F-4562-B5A5-22DBADCE958C}"/>
+          </ac:picMkLst>
+        </pc:picChg>
+      </pc:sldChg>
+      <pc:sldChg chg="addSp delSp modSp add mod setBg">
+        <pc:chgData name="thomas carril" userId="a85f748144a020fa" providerId="LiveId" clId="{739B3BA1-6B13-4CF6-93FD-C963F94EEED7}" dt="2019-11-22T10:02:46.792" v="1219" actId="1076"/>
+        <pc:sldMkLst>
+          <pc:docMk/>
+          <pc:sldMk cId="4232747669" sldId="260"/>
+        </pc:sldMkLst>
+        <pc:spChg chg="mod">
+          <ac:chgData name="thomas carril" userId="a85f748144a020fa" providerId="LiveId" clId="{739B3BA1-6B13-4CF6-93FD-C963F94EEED7}" dt="2019-11-22T09:58:15.322" v="1151" actId="26606"/>
+          <ac:spMkLst>
+            <pc:docMk/>
+            <pc:sldMk cId="4232747669" sldId="260"/>
+            <ac:spMk id="2" creationId="{4C235DB3-6D86-406B-99E0-7150B2305091}"/>
+          </ac:spMkLst>
+        </pc:spChg>
+        <pc:spChg chg="del">
+          <ac:chgData name="thomas carril" userId="a85f748144a020fa" providerId="LiveId" clId="{739B3BA1-6B13-4CF6-93FD-C963F94EEED7}" dt="2019-11-22T09:31:42.496" v="666" actId="478"/>
+          <ac:spMkLst>
+            <pc:docMk/>
+            <pc:sldMk cId="4232747669" sldId="260"/>
+            <ac:spMk id="3" creationId="{554700BD-F876-4E1F-9433-877B387FC1AD}"/>
+          </ac:spMkLst>
+        </pc:spChg>
+        <pc:spChg chg="add mod">
+          <ac:chgData name="thomas carril" userId="a85f748144a020fa" providerId="LiveId" clId="{739B3BA1-6B13-4CF6-93FD-C963F94EEED7}" dt="2019-11-22T09:58:15.322" v="1151" actId="26606"/>
+          <ac:spMkLst>
+            <pc:docMk/>
+            <pc:sldMk cId="4232747669" sldId="260"/>
+            <ac:spMk id="14" creationId="{84311324-73D4-45E8-A66A-0726C0CA562A}"/>
+          </ac:spMkLst>
+        </pc:spChg>
+        <pc:spChg chg="add">
+          <ac:chgData name="thomas carril" userId="a85f748144a020fa" providerId="LiveId" clId="{739B3BA1-6B13-4CF6-93FD-C963F94EEED7}" dt="2019-11-22T09:58:15.322" v="1151" actId="26606"/>
+          <ac:spMkLst>
+            <pc:docMk/>
+            <pc:sldMk cId="4232747669" sldId="260"/>
+            <ac:spMk id="71" creationId="{9F4444CE-BC8D-4D61-B303-4C05614E62AB}"/>
+          </ac:spMkLst>
+        </pc:spChg>
+        <pc:spChg chg="add">
+          <ac:chgData name="thomas carril" userId="a85f748144a020fa" providerId="LiveId" clId="{739B3BA1-6B13-4CF6-93FD-C963F94EEED7}" dt="2019-11-22T09:58:15.322" v="1151" actId="26606"/>
+          <ac:spMkLst>
+            <pc:docMk/>
+            <pc:sldMk cId="4232747669" sldId="260"/>
+            <ac:spMk id="73" creationId="{62423CA5-E2E1-4789-B759-9906C1C94063}"/>
+          </ac:spMkLst>
+        </pc:spChg>
+        <pc:spChg chg="add">
+          <ac:chgData name="thomas carril" userId="a85f748144a020fa" providerId="LiveId" clId="{739B3BA1-6B13-4CF6-93FD-C963F94EEED7}" dt="2019-11-22T09:58:15.322" v="1151" actId="26606"/>
+          <ac:spMkLst>
+            <pc:docMk/>
+            <pc:sldMk cId="4232747669" sldId="260"/>
+            <ac:spMk id="75" creationId="{73772B81-181F-48B7-8826-4D9686D15DF5}"/>
+          </ac:spMkLst>
+        </pc:spChg>
+        <pc:spChg chg="add">
+          <ac:chgData name="thomas carril" userId="a85f748144a020fa" providerId="LiveId" clId="{739B3BA1-6B13-4CF6-93FD-C963F94EEED7}" dt="2019-11-22T09:58:15.322" v="1151" actId="26606"/>
+          <ac:spMkLst>
+            <pc:docMk/>
+            <pc:sldMk cId="4232747669" sldId="260"/>
+            <ac:spMk id="77" creationId="{B2205F6E-03C6-4E92-877C-E2482F6599AA}"/>
+          </ac:spMkLst>
+        </pc:spChg>
+        <pc:picChg chg="add del mod">
+          <ac:chgData name="thomas carril" userId="a85f748144a020fa" providerId="LiveId" clId="{739B3BA1-6B13-4CF6-93FD-C963F94EEED7}" dt="2019-11-22T09:33:22.168" v="866" actId="478"/>
+          <ac:picMkLst>
+            <pc:docMk/>
+            <pc:sldMk cId="4232747669" sldId="260"/>
+            <ac:picMk id="4" creationId="{2A729FE6-EA24-4C74-BD66-78E76EF78A6D}"/>
+          </ac:picMkLst>
+        </pc:picChg>
+        <pc:picChg chg="add mod">
+          <ac:chgData name="thomas carril" userId="a85f748144a020fa" providerId="LiveId" clId="{739B3BA1-6B13-4CF6-93FD-C963F94EEED7}" dt="2019-11-22T10:02:46.792" v="1219" actId="1076"/>
+          <ac:picMkLst>
+            <pc:docMk/>
+            <pc:sldMk cId="4232747669" sldId="260"/>
+            <ac:picMk id="1026" creationId="{DBDB9EDA-E8A0-4464-8597-ADA27761112C}"/>
+          </ac:picMkLst>
+        </pc:picChg>
+        <pc:cxnChg chg="add del mod">
+          <ac:chgData name="thomas carril" userId="a85f748144a020fa" providerId="LiveId" clId="{739B3BA1-6B13-4CF6-93FD-C963F94EEED7}" dt="2019-11-22T09:33:25.167" v="870" actId="478"/>
+          <ac:cxnSpMkLst>
+            <pc:docMk/>
+            <pc:sldMk cId="4232747669" sldId="260"/>
+            <ac:cxnSpMk id="6" creationId="{85234018-24E1-4AED-9AB0-A86CAD7D6289}"/>
+          </ac:cxnSpMkLst>
+        </pc:cxnChg>
+        <pc:cxnChg chg="add del mod">
+          <ac:chgData name="thomas carril" userId="a85f748144a020fa" providerId="LiveId" clId="{739B3BA1-6B13-4CF6-93FD-C963F94EEED7}" dt="2019-11-22T09:33:24.683" v="869" actId="478"/>
+          <ac:cxnSpMkLst>
+            <pc:docMk/>
+            <pc:sldMk cId="4232747669" sldId="260"/>
+            <ac:cxnSpMk id="7" creationId="{745F9C0B-1858-448B-BDE9-571EC8B089AE}"/>
+          </ac:cxnSpMkLst>
+        </pc:cxnChg>
+        <pc:cxnChg chg="add del mod">
+          <ac:chgData name="thomas carril" userId="a85f748144a020fa" providerId="LiveId" clId="{739B3BA1-6B13-4CF6-93FD-C963F94EEED7}" dt="2019-11-22T09:33:20.231" v="865" actId="478"/>
+          <ac:cxnSpMkLst>
+            <pc:docMk/>
+            <pc:sldMk cId="4232747669" sldId="260"/>
+            <ac:cxnSpMk id="11" creationId="{A839F141-8F47-4241-A942-93C9073C7FA2}"/>
+          </ac:cxnSpMkLst>
+        </pc:cxnChg>
+        <pc:cxnChg chg="add del mod">
+          <ac:chgData name="thomas carril" userId="a85f748144a020fa" providerId="LiveId" clId="{739B3BA1-6B13-4CF6-93FD-C963F94EEED7}" dt="2019-11-22T09:33:23.855" v="868" actId="478"/>
+          <ac:cxnSpMkLst>
+            <pc:docMk/>
+            <pc:sldMk cId="4232747669" sldId="260"/>
+            <ac:cxnSpMk id="12" creationId="{5DFEDF77-D558-47A2-A3B8-F50D4A69B6C0}"/>
+          </ac:cxnSpMkLst>
+        </pc:cxnChg>
+        <pc:cxnChg chg="add del mod">
+          <ac:chgData name="thomas carril" userId="a85f748144a020fa" providerId="LiveId" clId="{739B3BA1-6B13-4CF6-93FD-C963F94EEED7}" dt="2019-11-22T09:33:23.307" v="867" actId="478"/>
+          <ac:cxnSpMkLst>
+            <pc:docMk/>
+            <pc:sldMk cId="4232747669" sldId="260"/>
+            <ac:cxnSpMk id="13" creationId="{E683FC85-A521-4A2D-9819-F13661219B7E}"/>
+          </ac:cxnSpMkLst>
+        </pc:cxnChg>
+      </pc:sldChg>
+      <pc:sldChg chg="addSp delSp modSp add mod setBg">
+        <pc:chgData name="thomas carril" userId="a85f748144a020fa" providerId="LiveId" clId="{739B3BA1-6B13-4CF6-93FD-C963F94EEED7}" dt="2019-11-22T10:02:32.183" v="1215" actId="732"/>
+        <pc:sldMkLst>
+          <pc:docMk/>
+          <pc:sldMk cId="2081831426" sldId="261"/>
+        </pc:sldMkLst>
+        <pc:spChg chg="mod">
+          <ac:chgData name="thomas carril" userId="a85f748144a020fa" providerId="LiveId" clId="{739B3BA1-6B13-4CF6-93FD-C963F94EEED7}" dt="2019-11-22T10:01:50.746" v="1205" actId="26606"/>
+          <ac:spMkLst>
+            <pc:docMk/>
+            <pc:sldMk cId="2081831426" sldId="261"/>
+            <ac:spMk id="2" creationId="{13FACD13-5C83-490A-84E3-BB1E835DF621}"/>
+          </ac:spMkLst>
+        </pc:spChg>
+        <pc:spChg chg="mod">
+          <ac:chgData name="thomas carril" userId="a85f748144a020fa" providerId="LiveId" clId="{739B3BA1-6B13-4CF6-93FD-C963F94EEED7}" dt="2019-11-22T10:01:50.746" v="1205" actId="26606"/>
+          <ac:spMkLst>
+            <pc:docMk/>
+            <pc:sldMk cId="2081831426" sldId="261"/>
+            <ac:spMk id="3" creationId="{7344185D-9E4D-4C30-9E2A-4B9ED3974235}"/>
+          </ac:spMkLst>
+        </pc:spChg>
+        <pc:spChg chg="add del">
+          <ac:chgData name="thomas carril" userId="a85f748144a020fa" providerId="LiveId" clId="{739B3BA1-6B13-4CF6-93FD-C963F94EEED7}" dt="2019-11-22T10:01:50.746" v="1205" actId="26606"/>
+          <ac:spMkLst>
+            <pc:docMk/>
+            <pc:sldMk cId="2081831426" sldId="261"/>
+            <ac:spMk id="25" creationId="{66D61E08-70C3-48D8-BEA0-787111DC30DA}"/>
+          </ac:spMkLst>
+        </pc:spChg>
+        <pc:spChg chg="add del">
+          <ac:chgData name="thomas carril" userId="a85f748144a020fa" providerId="LiveId" clId="{739B3BA1-6B13-4CF6-93FD-C963F94EEED7}" dt="2019-11-22T10:01:50.746" v="1205" actId="26606"/>
+          <ac:spMkLst>
+            <pc:docMk/>
+            <pc:sldMk cId="2081831426" sldId="261"/>
+            <ac:spMk id="27" creationId="{FC55298F-0AE5-478E-AD2B-03C2614C5833}"/>
+          </ac:spMkLst>
+        </pc:spChg>
+        <pc:spChg chg="add del">
+          <ac:chgData name="thomas carril" userId="a85f748144a020fa" providerId="LiveId" clId="{739B3BA1-6B13-4CF6-93FD-C963F94EEED7}" dt="2019-11-22T10:01:50.746" v="1205" actId="26606"/>
+          <ac:spMkLst>
+            <pc:docMk/>
+            <pc:sldMk cId="2081831426" sldId="261"/>
+            <ac:spMk id="29" creationId="{C180E4EA-0B63-4779-A895-7E90E71088F3}"/>
+          </ac:spMkLst>
+        </pc:spChg>
+        <pc:spChg chg="add del">
+          <ac:chgData name="thomas carril" userId="a85f748144a020fa" providerId="LiveId" clId="{739B3BA1-6B13-4CF6-93FD-C963F94EEED7}" dt="2019-11-22T10:01:50.746" v="1205" actId="26606"/>
+          <ac:spMkLst>
+            <pc:docMk/>
+            <pc:sldMk cId="2081831426" sldId="261"/>
+            <ac:spMk id="31" creationId="{CEE01D9D-3DE8-4EED-B0D3-8F3C79CC7673}"/>
+          </ac:spMkLst>
+        </pc:spChg>
+        <pc:spChg chg="add del">
+          <ac:chgData name="thomas carril" userId="a85f748144a020fa" providerId="LiveId" clId="{739B3BA1-6B13-4CF6-93FD-C963F94EEED7}" dt="2019-11-22T10:01:50.746" v="1205" actId="26606"/>
+          <ac:spMkLst>
+            <pc:docMk/>
+            <pc:sldMk cId="2081831426" sldId="261"/>
+            <ac:spMk id="33" creationId="{89AF5CE9-607F-43F4-8983-DCD6DA4051FD}"/>
+          </ac:spMkLst>
+        </pc:spChg>
+        <pc:spChg chg="add del">
+          <ac:chgData name="thomas carril" userId="a85f748144a020fa" providerId="LiveId" clId="{739B3BA1-6B13-4CF6-93FD-C963F94EEED7}" dt="2019-11-22T10:01:50.746" v="1205" actId="26606"/>
+          <ac:spMkLst>
+            <pc:docMk/>
+            <pc:sldMk cId="2081831426" sldId="261"/>
+            <ac:spMk id="35" creationId="{6EEA2DBD-9E1E-4521-8C01-F32AD18A89E3}"/>
+          </ac:spMkLst>
+        </pc:spChg>
+        <pc:spChg chg="add del">
+          <ac:chgData name="thomas carril" userId="a85f748144a020fa" providerId="LiveId" clId="{739B3BA1-6B13-4CF6-93FD-C963F94EEED7}" dt="2019-11-22T10:01:50.746" v="1205" actId="26606"/>
+          <ac:spMkLst>
+            <pc:docMk/>
+            <pc:sldMk cId="2081831426" sldId="261"/>
+            <ac:spMk id="37" creationId="{15BBD2C1-BA9B-46A9-A27A-33498B169272}"/>
+          </ac:spMkLst>
+        </pc:spChg>
+        <pc:spChg chg="add">
+          <ac:chgData name="thomas carril" userId="a85f748144a020fa" providerId="LiveId" clId="{739B3BA1-6B13-4CF6-93FD-C963F94EEED7}" dt="2019-11-22T10:01:50.746" v="1205" actId="26606"/>
+          <ac:spMkLst>
+            <pc:docMk/>
+            <pc:sldMk cId="2081831426" sldId="261"/>
+            <ac:spMk id="42" creationId="{9F4444CE-BC8D-4D61-B303-4C05614E62AB}"/>
+          </ac:spMkLst>
+        </pc:spChg>
+        <pc:spChg chg="add">
+          <ac:chgData name="thomas carril" userId="a85f748144a020fa" providerId="LiveId" clId="{739B3BA1-6B13-4CF6-93FD-C963F94EEED7}" dt="2019-11-22T10:01:50.746" v="1205" actId="26606"/>
+          <ac:spMkLst>
+            <pc:docMk/>
+            <pc:sldMk cId="2081831426" sldId="261"/>
+            <ac:spMk id="44" creationId="{62423CA5-E2E1-4789-B759-9906C1C94063}"/>
+          </ac:spMkLst>
+        </pc:spChg>
+        <pc:spChg chg="add">
+          <ac:chgData name="thomas carril" userId="a85f748144a020fa" providerId="LiveId" clId="{739B3BA1-6B13-4CF6-93FD-C963F94EEED7}" dt="2019-11-22T10:01:50.746" v="1205" actId="26606"/>
+          <ac:spMkLst>
+            <pc:docMk/>
+            <pc:sldMk cId="2081831426" sldId="261"/>
+            <ac:spMk id="46" creationId="{73772B81-181F-48B7-8826-4D9686D15DF5}"/>
+          </ac:spMkLst>
+        </pc:spChg>
+        <pc:spChg chg="add">
+          <ac:chgData name="thomas carril" userId="a85f748144a020fa" providerId="LiveId" clId="{739B3BA1-6B13-4CF6-93FD-C963F94EEED7}" dt="2019-11-22T10:01:50.746" v="1205" actId="26606"/>
+          <ac:spMkLst>
+            <pc:docMk/>
+            <pc:sldMk cId="2081831426" sldId="261"/>
+            <ac:spMk id="48" creationId="{B2205F6E-03C6-4E92-877C-E2482F6599AA}"/>
+          </ac:spMkLst>
+        </pc:spChg>
+        <pc:grpChg chg="add del">
+          <ac:chgData name="thomas carril" userId="a85f748144a020fa" providerId="LiveId" clId="{739B3BA1-6B13-4CF6-93FD-C963F94EEED7}" dt="2019-11-22T10:01:50.746" v="1205" actId="26606"/>
+          <ac:grpSpMkLst>
+            <pc:docMk/>
+            <pc:sldMk cId="2081831426" sldId="261"/>
+            <ac:grpSpMk id="9" creationId="{A5AFB369-4673-4727-A7CD-D86AFE0AE069}"/>
+          </ac:grpSpMkLst>
+        </pc:grpChg>
+        <pc:picChg chg="add mod ord modCrop">
+          <ac:chgData name="thomas carril" userId="a85f748144a020fa" providerId="LiveId" clId="{739B3BA1-6B13-4CF6-93FD-C963F94EEED7}" dt="2019-11-22T10:02:32.183" v="1215" actId="732"/>
+          <ac:picMkLst>
+            <pc:docMk/>
+            <pc:sldMk cId="2081831426" sldId="261"/>
+            <ac:picMk id="4" creationId="{086EA87A-1CA5-4D06-97E3-64B32C99A8F2}"/>
+          </ac:picMkLst>
+        </pc:picChg>
+        <pc:cxnChg chg="add del">
+          <ac:chgData name="thomas carril" userId="a85f748144a020fa" providerId="LiveId" clId="{739B3BA1-6B13-4CF6-93FD-C963F94EEED7}" dt="2019-11-22T10:01:50.746" v="1205" actId="26606"/>
+          <ac:cxnSpMkLst>
+            <pc:docMk/>
+            <pc:sldMk cId="2081831426" sldId="261"/>
+            <ac:cxnSpMk id="21" creationId="{A57C1A16-B8AB-4D99-A195-A38F556A6486}"/>
+          </ac:cxnSpMkLst>
+        </pc:cxnChg>
+        <pc:cxnChg chg="add del">
+          <ac:chgData name="thomas carril" userId="a85f748144a020fa" providerId="LiveId" clId="{739B3BA1-6B13-4CF6-93FD-C963F94EEED7}" dt="2019-11-22T10:01:50.746" v="1205" actId="26606"/>
+          <ac:cxnSpMkLst>
+            <pc:docMk/>
+            <pc:sldMk cId="2081831426" sldId="261"/>
+            <ac:cxnSpMk id="23" creationId="{F8A9B20B-D1DD-4573-B5EC-558029519236}"/>
+          </ac:cxnSpMkLst>
+        </pc:cxnChg>
+      </pc:sldChg>
+      <pc:sldChg chg="add del">
+        <pc:chgData name="thomas carril" userId="a85f748144a020fa" providerId="LiveId" clId="{739B3BA1-6B13-4CF6-93FD-C963F94EEED7}" dt="2019-11-22T09:38:26.986" v="1063" actId="2696"/>
+        <pc:sldMkLst>
+          <pc:docMk/>
+          <pc:sldMk cId="2115978643" sldId="262"/>
+        </pc:sldMkLst>
+      </pc:sldChg>
+      <pc:sldChg chg="addSp delSp modSp add mod setBg">
+        <pc:chgData name="thomas carril" userId="a85f748144a020fa" providerId="LiveId" clId="{739B3BA1-6B13-4CF6-93FD-C963F94EEED7}" dt="2019-11-22T10:01:12.810" v="1196"/>
+        <pc:sldMkLst>
+          <pc:docMk/>
+          <pc:sldMk cId="1973673637" sldId="263"/>
+        </pc:sldMkLst>
+        <pc:spChg chg="mod">
+          <ac:chgData name="thomas carril" userId="a85f748144a020fa" providerId="LiveId" clId="{739B3BA1-6B13-4CF6-93FD-C963F94EEED7}" dt="2019-11-22T09:58:39.015" v="1157" actId="26606"/>
+          <ac:spMkLst>
+            <pc:docMk/>
+            <pc:sldMk cId="1973673637" sldId="263"/>
+            <ac:spMk id="2" creationId="{BEECDD27-7FD4-4CA2-8F50-D834E1FE3639}"/>
+          </ac:spMkLst>
+        </pc:spChg>
+        <pc:spChg chg="mod">
+          <ac:chgData name="thomas carril" userId="a85f748144a020fa" providerId="LiveId" clId="{739B3BA1-6B13-4CF6-93FD-C963F94EEED7}" dt="2019-11-22T09:58:39.015" v="1157" actId="26606"/>
+          <ac:spMkLst>
+            <pc:docMk/>
+            <pc:sldMk cId="1973673637" sldId="263"/>
+            <ac:spMk id="3" creationId="{9A5DD69D-59C8-42F4-BA39-81076830DB46}"/>
+          </ac:spMkLst>
+        </pc:spChg>
+        <pc:spChg chg="add del mod ord">
+          <ac:chgData name="thomas carril" userId="a85f748144a020fa" providerId="LiveId" clId="{739B3BA1-6B13-4CF6-93FD-C963F94EEED7}" dt="2019-11-22T09:58:37.513" v="1156" actId="478"/>
+          <ac:spMkLst>
+            <pc:docMk/>
+            <pc:sldMk cId="1973673637" sldId="263"/>
+            <ac:spMk id="5" creationId="{08E35213-EB0E-4BD5-87F0-A3FB63337FDD}"/>
+          </ac:spMkLst>
+        </pc:spChg>
+        <pc:spChg chg="add del mod ord">
+          <ac:chgData name="thomas carril" userId="a85f748144a020fa" providerId="LiveId" clId="{739B3BA1-6B13-4CF6-93FD-C963F94EEED7}" dt="2019-11-22T09:58:36.809" v="1155" actId="478"/>
+          <ac:spMkLst>
+            <pc:docMk/>
+            <pc:sldMk cId="1973673637" sldId="263"/>
+            <ac:spMk id="6" creationId="{59691F7D-44FD-4C2F-9353-7D645F09010D}"/>
+          </ac:spMkLst>
+        </pc:spChg>
+        <pc:spChg chg="add del mod">
+          <ac:chgData name="thomas carril" userId="a85f748144a020fa" providerId="LiveId" clId="{739B3BA1-6B13-4CF6-93FD-C963F94EEED7}" dt="2019-11-22T09:59:44.824" v="1173" actId="478"/>
+          <ac:spMkLst>
+            <pc:docMk/>
+            <pc:sldMk cId="1973673637" sldId="263"/>
+            <ac:spMk id="9" creationId="{AC4423A4-DE05-45DC-B144-20C7F9298A0D}"/>
+          </ac:spMkLst>
+        </pc:spChg>
+        <pc:spChg chg="add">
+          <ac:chgData name="thomas carril" userId="a85f748144a020fa" providerId="LiveId" clId="{739B3BA1-6B13-4CF6-93FD-C963F94EEED7}" dt="2019-11-22T09:58:39.015" v="1157" actId="26606"/>
+          <ac:spMkLst>
+            <pc:docMk/>
+            <pc:sldMk cId="1973673637" sldId="263"/>
+            <ac:spMk id="10" creationId="{9F4444CE-BC8D-4D61-B303-4C05614E62AB}"/>
+          </ac:spMkLst>
+        </pc:spChg>
+        <pc:spChg chg="add del mod">
+          <ac:chgData name="thomas carril" userId="a85f748144a020fa" providerId="LiveId" clId="{739B3BA1-6B13-4CF6-93FD-C963F94EEED7}" dt="2019-11-22T10:00:04.528" v="1177" actId="478"/>
+          <ac:spMkLst>
+            <pc:docMk/>
+            <pc:sldMk cId="1973673637" sldId="263"/>
+            <ac:spMk id="11" creationId="{0C367179-75E7-4863-B6C7-7E3C43EE933B}"/>
+          </ac:spMkLst>
+        </pc:spChg>
+        <pc:spChg chg="add">
+          <ac:chgData name="thomas carril" userId="a85f748144a020fa" providerId="LiveId" clId="{739B3BA1-6B13-4CF6-93FD-C963F94EEED7}" dt="2019-11-22T09:58:39.015" v="1157" actId="26606"/>
+          <ac:spMkLst>
+            <pc:docMk/>
+            <pc:sldMk cId="1973673637" sldId="263"/>
+            <ac:spMk id="15" creationId="{62423CA5-E2E1-4789-B759-9906C1C94063}"/>
+          </ac:spMkLst>
+        </pc:spChg>
+        <pc:spChg chg="add">
+          <ac:chgData name="thomas carril" userId="a85f748144a020fa" providerId="LiveId" clId="{739B3BA1-6B13-4CF6-93FD-C963F94EEED7}" dt="2019-11-22T09:58:39.015" v="1157" actId="26606"/>
+          <ac:spMkLst>
+            <pc:docMk/>
+            <pc:sldMk cId="1973673637" sldId="263"/>
+            <ac:spMk id="17" creationId="{73772B81-181F-48B7-8826-4D9686D15DF5}"/>
+          </ac:spMkLst>
+        </pc:spChg>
+        <pc:spChg chg="add">
+          <ac:chgData name="thomas carril" userId="a85f748144a020fa" providerId="LiveId" clId="{739B3BA1-6B13-4CF6-93FD-C963F94EEED7}" dt="2019-11-22T09:58:39.015" v="1157" actId="26606"/>
+          <ac:spMkLst>
+            <pc:docMk/>
+            <pc:sldMk cId="1973673637" sldId="263"/>
+            <ac:spMk id="19" creationId="{B2205F6E-03C6-4E92-877C-E2482F6599AA}"/>
+          </ac:spMkLst>
+        </pc:spChg>
+        <pc:spChg chg="add del mod">
+          <ac:chgData name="thomas carril" userId="a85f748144a020fa" providerId="LiveId" clId="{739B3BA1-6B13-4CF6-93FD-C963F94EEED7}" dt="2019-11-22T09:59:23.607" v="1171" actId="478"/>
+          <ac:spMkLst>
+            <pc:docMk/>
+            <pc:sldMk cId="1973673637" sldId="263"/>
+            <ac:spMk id="27" creationId="{7E40889B-E68B-41AE-B284-4435AA696309}"/>
+          </ac:spMkLst>
+        </pc:spChg>
+        <pc:grpChg chg="add del">
+          <ac:chgData name="thomas carril" userId="a85f748144a020fa" providerId="LiveId" clId="{739B3BA1-6B13-4CF6-93FD-C963F94EEED7}" dt="2019-11-22T09:23:51.840" v="489" actId="26606"/>
+          <ac:grpSpMkLst>
+            <pc:docMk/>
+            <pc:sldMk cId="1973673637" sldId="263"/>
+            <ac:grpSpMk id="13" creationId="{ABA25A55-2C70-4BF4-84B3-DAB0B6A0F9DE}"/>
+          </ac:grpSpMkLst>
+        </pc:grpChg>
+        <pc:picChg chg="add del mod">
+          <ac:chgData name="thomas carril" userId="a85f748144a020fa" providerId="LiveId" clId="{739B3BA1-6B13-4CF6-93FD-C963F94EEED7}" dt="2019-11-22T09:58:35.606" v="1153" actId="478"/>
+          <ac:picMkLst>
+            <pc:docMk/>
+            <pc:sldMk cId="1973673637" sldId="263"/>
+            <ac:picMk id="4" creationId="{B52A70BE-9402-4F61-864A-8CE94F75E832}"/>
+          </ac:picMkLst>
+        </pc:picChg>
+        <pc:picChg chg="add del mod">
+          <ac:chgData name="thomas carril" userId="a85f748144a020fa" providerId="LiveId" clId="{739B3BA1-6B13-4CF6-93FD-C963F94EEED7}" dt="2019-11-22T09:58:36.091" v="1154" actId="478"/>
+          <ac:picMkLst>
+            <pc:docMk/>
+            <pc:sldMk cId="1973673637" sldId="263"/>
+            <ac:picMk id="7" creationId="{82BAB8AC-0C11-47E7-989D-D7B308F3490C}"/>
+          </ac:picMkLst>
+        </pc:picChg>
+        <pc:picChg chg="add del mod">
+          <ac:chgData name="thomas carril" userId="a85f748144a020fa" providerId="LiveId" clId="{739B3BA1-6B13-4CF6-93FD-C963F94EEED7}" dt="2019-11-22T09:58:40.651" v="1158" actId="478"/>
+          <ac:picMkLst>
+            <pc:docMk/>
+            <pc:sldMk cId="1973673637" sldId="263"/>
+            <ac:picMk id="8" creationId="{78C07CB6-2382-42AF-BB04-F834D24D237D}"/>
+          </ac:picMkLst>
+        </pc:picChg>
+        <pc:picChg chg="add del">
+          <ac:chgData name="thomas carril" userId="a85f748144a020fa" providerId="LiveId" clId="{739B3BA1-6B13-4CF6-93FD-C963F94EEED7}" dt="2019-11-22T10:01:12.810" v="1196"/>
+          <ac:picMkLst>
+            <pc:docMk/>
+            <pc:sldMk cId="1973673637" sldId="263"/>
+            <ac:picMk id="12" creationId="{6EDA028F-99E0-499C-8423-6BDE41068B06}"/>
+          </ac:picMkLst>
+        </pc:picChg>
+        <pc:picChg chg="add mod">
+          <ac:chgData name="thomas carril" userId="a85f748144a020fa" providerId="LiveId" clId="{739B3BA1-6B13-4CF6-93FD-C963F94EEED7}" dt="2019-11-22T10:00:09.698" v="1179" actId="14100"/>
+          <ac:picMkLst>
+            <pc:docMk/>
+            <pc:sldMk cId="1973673637" sldId="263"/>
+            <ac:picMk id="24" creationId="{BE31BE43-305D-401D-AC7C-7F7688CE0926}"/>
+          </ac:picMkLst>
+        </pc:picChg>
+        <pc:picChg chg="add mod">
+          <ac:chgData name="thomas carril" userId="a85f748144a020fa" providerId="LiveId" clId="{739B3BA1-6B13-4CF6-93FD-C963F94EEED7}" dt="2019-11-22T09:59:01.315" v="1165" actId="14100"/>
+          <ac:picMkLst>
+            <pc:docMk/>
+            <pc:sldMk cId="1973673637" sldId="263"/>
+            <ac:picMk id="25" creationId="{F497AC1C-252E-4ECF-B615-E3DEAFBA7312}"/>
+          </ac:picMkLst>
+        </pc:picChg>
+        <pc:picChg chg="add mod">
+          <ac:chgData name="thomas carril" userId="a85f748144a020fa" providerId="LiveId" clId="{739B3BA1-6B13-4CF6-93FD-C963F94EEED7}" dt="2019-11-22T10:00:06.825" v="1178" actId="14100"/>
+          <ac:picMkLst>
+            <pc:docMk/>
+            <pc:sldMk cId="1973673637" sldId="263"/>
+            <ac:picMk id="26" creationId="{2BBB0C19-AF96-49C0-936D-E5E6CE3D85E7}"/>
+          </ac:picMkLst>
+        </pc:picChg>
+      </pc:sldChg>
+      <pc:sldChg chg="addSp delSp modSp add mod setBg">
+        <pc:chgData name="thomas carril" userId="a85f748144a020fa" providerId="LiveId" clId="{739B3BA1-6B13-4CF6-93FD-C963F94EEED7}" dt="2019-11-22T10:01:36.840" v="1204" actId="1076"/>
+        <pc:sldMkLst>
+          <pc:docMk/>
+          <pc:sldMk cId="2497031422" sldId="264"/>
+        </pc:sldMkLst>
+        <pc:spChg chg="del">
+          <ac:chgData name="thomas carril" userId="a85f748144a020fa" providerId="LiveId" clId="{739B3BA1-6B13-4CF6-93FD-C963F94EEED7}" dt="2019-11-22T09:25:12.291" v="504"/>
+          <ac:spMkLst>
+            <pc:docMk/>
+            <pc:sldMk cId="2497031422" sldId="264"/>
+            <ac:spMk id="2" creationId="{22035D7C-7E50-4B40-9407-DF465F3C5163}"/>
+          </ac:spMkLst>
+        </pc:spChg>
+        <pc:spChg chg="mod ord">
+          <ac:chgData name="thomas carril" userId="a85f748144a020fa" providerId="LiveId" clId="{739B3BA1-6B13-4CF6-93FD-C963F94EEED7}" dt="2019-11-22T10:01:02.573" v="1191" actId="26606"/>
+          <ac:spMkLst>
+            <pc:docMk/>
+            <pc:sldMk cId="2497031422" sldId="264"/>
+            <ac:spMk id="3" creationId="{8F9F1B74-FC58-4489-BB60-A2C51D0686FB}"/>
+          </ac:spMkLst>
+        </pc:spChg>
+        <pc:spChg chg="add del">
+          <ac:chgData name="thomas carril" userId="a85f748144a020fa" providerId="LiveId" clId="{739B3BA1-6B13-4CF6-93FD-C963F94EEED7}" dt="2019-11-22T09:25:10.809" v="503"/>
+          <ac:spMkLst>
+            <pc:docMk/>
+            <pc:sldMk cId="2497031422" sldId="264"/>
+            <ac:spMk id="4" creationId="{5616C9F6-66C9-4524-856D-B344B99B3CA2}"/>
+          </ac:spMkLst>
+        </pc:spChg>
+        <pc:spChg chg="add mod">
+          <ac:chgData name="thomas carril" userId="a85f748144a020fa" providerId="LiveId" clId="{739B3BA1-6B13-4CF6-93FD-C963F94EEED7}" dt="2019-11-22T10:01:02.573" v="1191" actId="26606"/>
+          <ac:spMkLst>
+            <pc:docMk/>
+            <pc:sldMk cId="2497031422" sldId="264"/>
+            <ac:spMk id="5" creationId="{1B652E8B-50A0-429F-AC11-CE0F63919C4F}"/>
+          </ac:spMkLst>
+        </pc:spChg>
+        <pc:spChg chg="add del mod">
+          <ac:chgData name="thomas carril" userId="a85f748144a020fa" providerId="LiveId" clId="{739B3BA1-6B13-4CF6-93FD-C963F94EEED7}" dt="2019-11-22T10:00:53.575" v="1184" actId="478"/>
+          <ac:spMkLst>
+            <pc:docMk/>
+            <pc:sldMk cId="2497031422" sldId="264"/>
+            <ac:spMk id="9" creationId="{F7114D9A-E544-4C4C-A24B-CEA08B7692F9}"/>
+          </ac:spMkLst>
+        </pc:spChg>
+        <pc:spChg chg="add del mod">
+          <ac:chgData name="thomas carril" userId="a85f748144a020fa" providerId="LiveId" clId="{739B3BA1-6B13-4CF6-93FD-C963F94EEED7}" dt="2019-11-22T10:00:54.289" v="1185" actId="478"/>
+          <ac:spMkLst>
+            <pc:docMk/>
+            <pc:sldMk cId="2497031422" sldId="264"/>
+            <ac:spMk id="10" creationId="{FA5FFE55-2D9A-4017-A185-318A4FDC45DD}"/>
+          </ac:spMkLst>
+        </pc:spChg>
+        <pc:spChg chg="add">
+          <ac:chgData name="thomas carril" userId="a85f748144a020fa" providerId="LiveId" clId="{739B3BA1-6B13-4CF6-93FD-C963F94EEED7}" dt="2019-11-22T10:01:02.573" v="1191" actId="26606"/>
+          <ac:spMkLst>
+            <pc:docMk/>
+            <pc:sldMk cId="2497031422" sldId="264"/>
+            <ac:spMk id="11" creationId="{9F4444CE-BC8D-4D61-B303-4C05614E62AB}"/>
+          </ac:spMkLst>
+        </pc:spChg>
+        <pc:spChg chg="add">
+          <ac:chgData name="thomas carril" userId="a85f748144a020fa" providerId="LiveId" clId="{739B3BA1-6B13-4CF6-93FD-C963F94EEED7}" dt="2019-11-22T10:01:02.573" v="1191" actId="26606"/>
+          <ac:spMkLst>
+            <pc:docMk/>
+            <pc:sldMk cId="2497031422" sldId="264"/>
+            <ac:spMk id="14" creationId="{62423CA5-E2E1-4789-B759-9906C1C94063}"/>
+          </ac:spMkLst>
+        </pc:spChg>
+        <pc:spChg chg="add">
+          <ac:chgData name="thomas carril" userId="a85f748144a020fa" providerId="LiveId" clId="{739B3BA1-6B13-4CF6-93FD-C963F94EEED7}" dt="2019-11-22T10:01:02.573" v="1191" actId="26606"/>
+          <ac:spMkLst>
+            <pc:docMk/>
+            <pc:sldMk cId="2497031422" sldId="264"/>
+            <ac:spMk id="16" creationId="{73772B81-181F-48B7-8826-4D9686D15DF5}"/>
+          </ac:spMkLst>
+        </pc:spChg>
+        <pc:spChg chg="add">
+          <ac:chgData name="thomas carril" userId="a85f748144a020fa" providerId="LiveId" clId="{739B3BA1-6B13-4CF6-93FD-C963F94EEED7}" dt="2019-11-22T10:01:02.573" v="1191" actId="26606"/>
+          <ac:spMkLst>
+            <pc:docMk/>
+            <pc:sldMk cId="2497031422" sldId="264"/>
+            <ac:spMk id="17" creationId="{B2205F6E-03C6-4E92-877C-E2482F6599AA}"/>
+          </ac:spMkLst>
+        </pc:spChg>
+        <pc:picChg chg="add del mod">
+          <ac:chgData name="thomas carril" userId="a85f748144a020fa" providerId="LiveId" clId="{739B3BA1-6B13-4CF6-93FD-C963F94EEED7}" dt="2019-11-22T10:00:55.153" v="1186" actId="478"/>
+          <ac:picMkLst>
+            <pc:docMk/>
+            <pc:sldMk cId="2497031422" sldId="264"/>
+            <ac:picMk id="6" creationId="{5730D082-759E-4D7F-9195-112989CFAC49}"/>
+          </ac:picMkLst>
+        </pc:picChg>
+        <pc:picChg chg="add del mod">
+          <ac:chgData name="thomas carril" userId="a85f748144a020fa" providerId="LiveId" clId="{739B3BA1-6B13-4CF6-93FD-C963F94EEED7}" dt="2019-11-22T10:00:25.026" v="1182" actId="478"/>
+          <ac:picMkLst>
+            <pc:docMk/>
+            <pc:sldMk cId="2497031422" sldId="264"/>
+            <ac:picMk id="7" creationId="{3BEAB828-96BD-4604-805B-771077199A78}"/>
+          </ac:picMkLst>
+        </pc:picChg>
+        <pc:picChg chg="add del mod">
+          <ac:chgData name="thomas carril" userId="a85f748144a020fa" providerId="LiveId" clId="{739B3BA1-6B13-4CF6-93FD-C963F94EEED7}" dt="2019-11-22T10:00:52.809" v="1183" actId="478"/>
+          <ac:picMkLst>
+            <pc:docMk/>
+            <pc:sldMk cId="2497031422" sldId="264"/>
+            <ac:picMk id="8" creationId="{8ADC9D92-0A43-4187-9EC1-A65F92E0CA0E}"/>
+          </ac:picMkLst>
+        </pc:picChg>
+        <pc:picChg chg="add del">
+          <ac:chgData name="thomas carril" userId="a85f748144a020fa" providerId="LiveId" clId="{739B3BA1-6B13-4CF6-93FD-C963F94EEED7}" dt="2019-11-22T10:01:05.870" v="1193" actId="478"/>
+          <ac:picMkLst>
+            <pc:docMk/>
+            <pc:sldMk cId="2497031422" sldId="264"/>
+            <ac:picMk id="13" creationId="{33BE2EE2-C8E0-4CAA-8539-D12437B147CE}"/>
+          </ac:picMkLst>
+        </pc:picChg>
+        <pc:picChg chg="add mod">
+          <ac:chgData name="thomas carril" userId="a85f748144a020fa" providerId="LiveId" clId="{739B3BA1-6B13-4CF6-93FD-C963F94EEED7}" dt="2019-11-22T10:01:23.940" v="1200" actId="1076"/>
+          <ac:picMkLst>
+            <pc:docMk/>
+            <pc:sldMk cId="2497031422" sldId="264"/>
+            <ac:picMk id="29" creationId="{CD497FA0-BBD1-4842-A4EC-723B7BA68253}"/>
+          </ac:picMkLst>
+        </pc:picChg>
+        <pc:picChg chg="add mod">
+          <ac:chgData name="thomas carril" userId="a85f748144a020fa" providerId="LiveId" clId="{739B3BA1-6B13-4CF6-93FD-C963F94EEED7}" dt="2019-11-22T10:01:18.899" v="1198" actId="1076"/>
+          <ac:picMkLst>
+            <pc:docMk/>
+            <pc:sldMk cId="2497031422" sldId="264"/>
+            <ac:picMk id="30" creationId="{C647F96E-C0FA-479D-8D50-E952C346196E}"/>
+          </ac:picMkLst>
+        </pc:picChg>
+        <pc:picChg chg="add mod">
+          <ac:chgData name="thomas carril" userId="a85f748144a020fa" providerId="LiveId" clId="{739B3BA1-6B13-4CF6-93FD-C963F94EEED7}" dt="2019-11-22T10:01:36.840" v="1204" actId="1076"/>
+          <ac:picMkLst>
+            <pc:docMk/>
+            <pc:sldMk cId="2497031422" sldId="264"/>
+            <ac:picMk id="31" creationId="{D889C11D-6AE3-4909-8EA4-188836D66E09}"/>
+          </ac:picMkLst>
+        </pc:picChg>
+        <pc:cxnChg chg="add del mod">
+          <ac:chgData name="thomas carril" userId="a85f748144a020fa" providerId="LiveId" clId="{739B3BA1-6B13-4CF6-93FD-C963F94EEED7}" dt="2019-11-22T10:00:59.063" v="1190" actId="478"/>
+          <ac:cxnSpMkLst>
+            <pc:docMk/>
+            <pc:sldMk cId="2497031422" sldId="264"/>
+            <ac:cxnSpMk id="12" creationId="{76CF8646-1AEE-4537-AB4E-83953F7731D1}"/>
+          </ac:cxnSpMkLst>
+        </pc:cxnChg>
+        <pc:cxnChg chg="add del mod">
+          <ac:chgData name="thomas carril" userId="a85f748144a020fa" providerId="LiveId" clId="{739B3BA1-6B13-4CF6-93FD-C963F94EEED7}" dt="2019-11-22T10:00:57.607" v="1189" actId="478"/>
+          <ac:cxnSpMkLst>
+            <pc:docMk/>
+            <pc:sldMk cId="2497031422" sldId="264"/>
+            <ac:cxnSpMk id="15" creationId="{77A2F734-79FC-494A-B2D7-2464847710A2}"/>
+          </ac:cxnSpMkLst>
+        </pc:cxnChg>
+        <pc:cxnChg chg="add del mod">
+          <ac:chgData name="thomas carril" userId="a85f748144a020fa" providerId="LiveId" clId="{739B3BA1-6B13-4CF6-93FD-C963F94EEED7}" dt="2019-11-22T10:00:56.466" v="1188" actId="478"/>
+          <ac:cxnSpMkLst>
+            <pc:docMk/>
+            <pc:sldMk cId="2497031422" sldId="264"/>
+            <ac:cxnSpMk id="18" creationId="{F83DE750-E2C3-45DA-8E27-5F94DA7B3B2F}"/>
+          </ac:cxnSpMkLst>
+        </pc:cxnChg>
+        <pc:cxnChg chg="add del mod">
+          <ac:chgData name="thomas carril" userId="a85f748144a020fa" providerId="LiveId" clId="{739B3BA1-6B13-4CF6-93FD-C963F94EEED7}" dt="2019-11-22T10:00:55.809" v="1187" actId="478"/>
+          <ac:cxnSpMkLst>
+            <pc:docMk/>
+            <pc:sldMk cId="2497031422" sldId="264"/>
+            <ac:cxnSpMk id="22" creationId="{45813138-D15D-4ABB-9BB2-1ED963F96C2E}"/>
+          </ac:cxnSpMkLst>
+        </pc:cxnChg>
+      </pc:sldChg>
+      <pc:sldChg chg="addSp delSp modSp add mod setBg">
+        <pc:chgData name="thomas carril" userId="a85f748144a020fa" providerId="LiveId" clId="{739B3BA1-6B13-4CF6-93FD-C963F94EEED7}" dt="2019-11-22T10:03:10.152" v="1222" actId="26606"/>
+        <pc:sldMkLst>
+          <pc:docMk/>
+          <pc:sldMk cId="547328288" sldId="265"/>
+        </pc:sldMkLst>
+        <pc:spChg chg="del">
+          <ac:chgData name="thomas carril" userId="a85f748144a020fa" providerId="LiveId" clId="{739B3BA1-6B13-4CF6-93FD-C963F94EEED7}" dt="2019-11-22T09:37:19.490" v="1003"/>
+          <ac:spMkLst>
+            <pc:docMk/>
+            <pc:sldMk cId="547328288" sldId="265"/>
+            <ac:spMk id="2" creationId="{AF89D966-06B8-49F2-96A5-69837BF35346}"/>
+          </ac:spMkLst>
+        </pc:spChg>
+        <pc:spChg chg="mod ord">
+          <ac:chgData name="thomas carril" userId="a85f748144a020fa" providerId="LiveId" clId="{739B3BA1-6B13-4CF6-93FD-C963F94EEED7}" dt="2019-11-22T10:03:10.152" v="1222" actId="26606"/>
+          <ac:spMkLst>
+            <pc:docMk/>
+            <pc:sldMk cId="547328288" sldId="265"/>
+            <ac:spMk id="3" creationId="{442181A1-6CDD-4D52-BF21-98DBBDE08B7F}"/>
+          </ac:spMkLst>
+        </pc:spChg>
+        <pc:spChg chg="add mod">
+          <ac:chgData name="thomas carril" userId="a85f748144a020fa" providerId="LiveId" clId="{739B3BA1-6B13-4CF6-93FD-C963F94EEED7}" dt="2019-11-22T10:03:10.152" v="1222" actId="26606"/>
+          <ac:spMkLst>
+            <pc:docMk/>
+            <pc:sldMk cId="547328288" sldId="265"/>
+            <ac:spMk id="4" creationId="{A3AFACB3-BA3C-4B7D-90E8-9A9F99990D72}"/>
+          </ac:spMkLst>
+        </pc:spChg>
+        <pc:spChg chg="add">
+          <ac:chgData name="thomas carril" userId="a85f748144a020fa" providerId="LiveId" clId="{739B3BA1-6B13-4CF6-93FD-C963F94EEED7}" dt="2019-11-22T10:03:10.152" v="1222" actId="26606"/>
+          <ac:spMkLst>
+            <pc:docMk/>
+            <pc:sldMk cId="547328288" sldId="265"/>
+            <ac:spMk id="11" creationId="{9F4444CE-BC8D-4D61-B303-4C05614E62AB}"/>
+          </ac:spMkLst>
+        </pc:spChg>
+        <pc:spChg chg="add">
+          <ac:chgData name="thomas carril" userId="a85f748144a020fa" providerId="LiveId" clId="{739B3BA1-6B13-4CF6-93FD-C963F94EEED7}" dt="2019-11-22T10:03:10.152" v="1222" actId="26606"/>
+          <ac:spMkLst>
+            <pc:docMk/>
+            <pc:sldMk cId="547328288" sldId="265"/>
+            <ac:spMk id="13" creationId="{62423CA5-E2E1-4789-B759-9906C1C94063}"/>
+          </ac:spMkLst>
+        </pc:spChg>
+        <pc:spChg chg="add">
+          <ac:chgData name="thomas carril" userId="a85f748144a020fa" providerId="LiveId" clId="{739B3BA1-6B13-4CF6-93FD-C963F94EEED7}" dt="2019-11-22T10:03:10.152" v="1222" actId="26606"/>
+          <ac:spMkLst>
+            <pc:docMk/>
+            <pc:sldMk cId="547328288" sldId="265"/>
+            <ac:spMk id="15" creationId="{73772B81-181F-48B7-8826-4D9686D15DF5}"/>
+          </ac:spMkLst>
+        </pc:spChg>
+        <pc:spChg chg="add">
+          <ac:chgData name="thomas carril" userId="a85f748144a020fa" providerId="LiveId" clId="{739B3BA1-6B13-4CF6-93FD-C963F94EEED7}" dt="2019-11-22T10:03:10.152" v="1222" actId="26606"/>
+          <ac:spMkLst>
+            <pc:docMk/>
+            <pc:sldMk cId="547328288" sldId="265"/>
+            <ac:spMk id="17" creationId="{B2205F6E-03C6-4E92-877C-E2482F6599AA}"/>
+          </ac:spMkLst>
+        </pc:spChg>
+        <pc:picChg chg="add del mod">
+          <ac:chgData name="thomas carril" userId="a85f748144a020fa" providerId="LiveId" clId="{739B3BA1-6B13-4CF6-93FD-C963F94EEED7}" dt="2019-11-22T09:57:59.093" v="1141"/>
+          <ac:picMkLst>
+            <pc:docMk/>
+            <pc:sldMk cId="547328288" sldId="265"/>
+            <ac:picMk id="5" creationId="{458A687E-3731-428B-8F1E-8D2CBDE1CA33}"/>
+          </ac:picMkLst>
+        </pc:picChg>
+        <pc:picChg chg="add">
+          <ac:chgData name="thomas carril" userId="a85f748144a020fa" providerId="LiveId" clId="{739B3BA1-6B13-4CF6-93FD-C963F94EEED7}" dt="2019-11-22T10:03:10.152" v="1222" actId="26606"/>
+          <ac:picMkLst>
+            <pc:docMk/>
+            <pc:sldMk cId="547328288" sldId="265"/>
+            <ac:picMk id="8" creationId="{5D2D86DE-B3E7-4394-85B8-3115ADDEBEBA}"/>
+          </ac:picMkLst>
+        </pc:picChg>
       </pc:sldChg>
     </pc:docChg>
   </pc:docChgLst>
@@ -1138,7 +2021,7 @@
           <a:p>
             <a:fld id="{1BD5CE23-0B91-4841-BEC2-1854D37C77FB}" type="datetimeFigureOut">
               <a:rPr lang="fr-FR" smtClean="0"/>
-              <a:t>21/11/2019</a:t>
+              <a:t>22/11/2019</a:t>
             </a:fld>
             <a:endParaRPr lang="fr-FR"/>
           </a:p>
@@ -1389,7 +2272,7 @@
           <a:p>
             <a:fld id="{1BD5CE23-0B91-4841-BEC2-1854D37C77FB}" type="datetimeFigureOut">
               <a:rPr lang="fr-FR" smtClean="0"/>
-              <a:t>21/11/2019</a:t>
+              <a:t>22/11/2019</a:t>
             </a:fld>
             <a:endParaRPr lang="fr-FR"/>
           </a:p>
@@ -1703,7 +2586,7 @@
           <a:p>
             <a:fld id="{1BD5CE23-0B91-4841-BEC2-1854D37C77FB}" type="datetimeFigureOut">
               <a:rPr lang="fr-FR" smtClean="0"/>
-              <a:t>21/11/2019</a:t>
+              <a:t>22/11/2019</a:t>
             </a:fld>
             <a:endParaRPr lang="fr-FR"/>
           </a:p>
@@ -2036,7 +2919,7 @@
           <a:p>
             <a:fld id="{1BD5CE23-0B91-4841-BEC2-1854D37C77FB}" type="datetimeFigureOut">
               <a:rPr lang="fr-FR" smtClean="0"/>
-              <a:t>21/11/2019</a:t>
+              <a:t>22/11/2019</a:t>
             </a:fld>
             <a:endParaRPr lang="fr-FR"/>
           </a:p>
@@ -2350,7 +3233,7 @@
           <a:p>
             <a:fld id="{1BD5CE23-0B91-4841-BEC2-1854D37C77FB}" type="datetimeFigureOut">
               <a:rPr lang="fr-FR" smtClean="0"/>
-              <a:t>21/11/2019</a:t>
+              <a:t>22/11/2019</a:t>
             </a:fld>
             <a:endParaRPr lang="fr-FR"/>
           </a:p>
@@ -2743,7 +3626,7 @@
           <a:p>
             <a:fld id="{1BD5CE23-0B91-4841-BEC2-1854D37C77FB}" type="datetimeFigureOut">
               <a:rPr lang="fr-FR" smtClean="0"/>
-              <a:t>21/11/2019</a:t>
+              <a:t>22/11/2019</a:t>
             </a:fld>
             <a:endParaRPr lang="fr-FR"/>
           </a:p>
@@ -2913,7 +3796,7 @@
           <a:p>
             <a:fld id="{1BD5CE23-0B91-4841-BEC2-1854D37C77FB}" type="datetimeFigureOut">
               <a:rPr lang="fr-FR" smtClean="0"/>
-              <a:t>21/11/2019</a:t>
+              <a:t>22/11/2019</a:t>
             </a:fld>
             <a:endParaRPr lang="fr-FR"/>
           </a:p>
@@ -3093,7 +3976,7 @@
           <a:p>
             <a:fld id="{1BD5CE23-0B91-4841-BEC2-1854D37C77FB}" type="datetimeFigureOut">
               <a:rPr lang="fr-FR" smtClean="0"/>
-              <a:t>21/11/2019</a:t>
+              <a:t>22/11/2019</a:t>
             </a:fld>
             <a:endParaRPr lang="fr-FR"/>
           </a:p>
@@ -3263,7 +4146,7 @@
           <a:p>
             <a:fld id="{1BD5CE23-0B91-4841-BEC2-1854D37C77FB}" type="datetimeFigureOut">
               <a:rPr lang="fr-FR" smtClean="0"/>
-              <a:t>21/11/2019</a:t>
+              <a:t>22/11/2019</a:t>
             </a:fld>
             <a:endParaRPr lang="fr-FR"/>
           </a:p>
@@ -3510,7 +4393,7 @@
           <a:p>
             <a:fld id="{1BD5CE23-0B91-4841-BEC2-1854D37C77FB}" type="datetimeFigureOut">
               <a:rPr lang="fr-FR" smtClean="0"/>
-              <a:t>21/11/2019</a:t>
+              <a:t>22/11/2019</a:t>
             </a:fld>
             <a:endParaRPr lang="fr-FR"/>
           </a:p>
@@ -3742,7 +4625,7 @@
           <a:p>
             <a:fld id="{1BD5CE23-0B91-4841-BEC2-1854D37C77FB}" type="datetimeFigureOut">
               <a:rPr lang="fr-FR" smtClean="0"/>
-              <a:t>21/11/2019</a:t>
+              <a:t>22/11/2019</a:t>
             </a:fld>
             <a:endParaRPr lang="fr-FR"/>
           </a:p>
@@ -4116,7 +4999,7 @@
           <a:p>
             <a:fld id="{1BD5CE23-0B91-4841-BEC2-1854D37C77FB}" type="datetimeFigureOut">
               <a:rPr lang="fr-FR" smtClean="0"/>
-              <a:t>21/11/2019</a:t>
+              <a:t>22/11/2019</a:t>
             </a:fld>
             <a:endParaRPr lang="fr-FR"/>
           </a:p>
@@ -4239,7 +5122,7 @@
           <a:p>
             <a:fld id="{1BD5CE23-0B91-4841-BEC2-1854D37C77FB}" type="datetimeFigureOut">
               <a:rPr lang="fr-FR" smtClean="0"/>
-              <a:t>21/11/2019</a:t>
+              <a:t>22/11/2019</a:t>
             </a:fld>
             <a:endParaRPr lang="fr-FR"/>
           </a:p>
@@ -4334,7 +5217,7 @@
           <a:p>
             <a:fld id="{1BD5CE23-0B91-4841-BEC2-1854D37C77FB}" type="datetimeFigureOut">
               <a:rPr lang="fr-FR" smtClean="0"/>
-              <a:t>21/11/2019</a:t>
+              <a:t>22/11/2019</a:t>
             </a:fld>
             <a:endParaRPr lang="fr-FR"/>
           </a:p>
@@ -4589,7 +5472,7 @@
           <a:p>
             <a:fld id="{1BD5CE23-0B91-4841-BEC2-1854D37C77FB}" type="datetimeFigureOut">
               <a:rPr lang="fr-FR" smtClean="0"/>
-              <a:t>21/11/2019</a:t>
+              <a:t>22/11/2019</a:t>
             </a:fld>
             <a:endParaRPr lang="fr-FR"/>
           </a:p>
@@ -4894,7 +5777,7 @@
           <a:p>
             <a:fld id="{1BD5CE23-0B91-4841-BEC2-1854D37C77FB}" type="datetimeFigureOut">
               <a:rPr lang="fr-FR" smtClean="0"/>
-              <a:t>21/11/2019</a:t>
+              <a:t>22/11/2019</a:t>
             </a:fld>
             <a:endParaRPr lang="fr-FR"/>
           </a:p>
@@ -5596,7 +6479,7 @@
           <a:p>
             <a:fld id="{1BD5CE23-0B91-4841-BEC2-1854D37C77FB}" type="datetimeFigureOut">
               <a:rPr lang="fr-FR" smtClean="0"/>
-              <a:t>21/11/2019</a:t>
+              <a:t>22/11/2019</a:t>
             </a:fld>
             <a:endParaRPr lang="fr-FR"/>
           </a:p>
@@ -7392,14 +8275,17 @@
           <a:p>
             <a:r>
               <a:rPr lang="fr-FR" dirty="0"/>
-              <a:t>Le programme possède deux modes : résolution totale du sudoku et indice.</a:t>
+              <a:t>Le programme affiche la solution à l’utilisateur sous forme d’un tableau.</a:t>
             </a:r>
           </a:p>
           <a:p>
             <a:r>
               <a:rPr lang="fr-FR" dirty="0"/>
-              <a:t>Indice ne donne qu’un chiffre pour débloquer un utilisateur.</a:t>
+              <a:t>Le sudoku peut être scanné, pris en photo ou remplit manuellement.</a:t>
             </a:r>
+          </a:p>
+          <a:p>
+            <a:endParaRPr lang="fr-FR" dirty="0"/>
           </a:p>
         </p:txBody>
       </p:sp>
@@ -7417,86 +8303,6 @@
 </file>
 
 <file path=ppt/slides/slide3.xml><?xml version="1.0" encoding="utf-8"?>
-<p:sld xmlns:a="http://schemas.openxmlformats.org/drawingml/2006/main" xmlns:r="http://schemas.openxmlformats.org/officeDocument/2006/relationships" xmlns:p="http://schemas.openxmlformats.org/presentationml/2006/main">
-  <p:cSld>
-    <p:spTree>
-      <p:nvGrpSpPr>
-        <p:cNvPr id="1" name=""/>
-        <p:cNvGrpSpPr/>
-        <p:nvPr/>
-      </p:nvGrpSpPr>
-      <p:grpSpPr>
-        <a:xfrm>
-          <a:off x="0" y="0"/>
-          <a:ext cx="0" cy="0"/>
-          <a:chOff x="0" y="0"/>
-          <a:chExt cx="0" cy="0"/>
-        </a:xfrm>
-      </p:grpSpPr>
-      <p:sp>
-        <p:nvSpPr>
-          <p:cNvPr id="2" name="Titre 1">
-            <a:extLst>
-              <a:ext uri="{FF2B5EF4-FFF2-40B4-BE49-F238E27FC236}">
-                <a16:creationId xmlns:a16="http://schemas.microsoft.com/office/drawing/2014/main" id="{4F87D976-5E65-4390-B009-44D320A09A11}"/>
-              </a:ext>
-            </a:extLst>
-          </p:cNvPr>
-          <p:cNvSpPr>
-            <a:spLocks noGrp="1"/>
-          </p:cNvSpPr>
-          <p:nvPr>
-            <p:ph type="title"/>
-          </p:nvPr>
-        </p:nvSpPr>
-        <p:spPr/>
-        <p:txBody>
-          <a:bodyPr/>
-          <a:lstStyle/>
-          <a:p>
-            <a:endParaRPr lang="fr-FR"/>
-          </a:p>
-        </p:txBody>
-      </p:sp>
-      <p:sp>
-        <p:nvSpPr>
-          <p:cNvPr id="3" name="Espace réservé du contenu 2">
-            <a:extLst>
-              <a:ext uri="{FF2B5EF4-FFF2-40B4-BE49-F238E27FC236}">
-                <a16:creationId xmlns:a16="http://schemas.microsoft.com/office/drawing/2014/main" id="{D43E1115-69FB-4D84-931C-D565B888BAAA}"/>
-              </a:ext>
-            </a:extLst>
-          </p:cNvPr>
-          <p:cNvSpPr>
-            <a:spLocks noGrp="1"/>
-          </p:cNvSpPr>
-          <p:nvPr>
-            <p:ph idx="1"/>
-          </p:nvPr>
-        </p:nvSpPr>
-        <p:spPr/>
-        <p:txBody>
-          <a:bodyPr/>
-          <a:lstStyle/>
-          <a:p>
-            <a:endParaRPr lang="fr-FR"/>
-          </a:p>
-        </p:txBody>
-      </p:sp>
-    </p:spTree>
-    <p:extLst>
-      <p:ext uri="{BB962C8B-B14F-4D97-AF65-F5344CB8AC3E}">
-        <p14:creationId xmlns:p14="http://schemas.microsoft.com/office/powerpoint/2010/main" val="1790091734"/>
-      </p:ext>
-    </p:extLst>
-  </p:cSld>
-  <p:clrMapOvr>
-    <a:masterClrMapping/>
-  </p:clrMapOvr>
-</p:sld>
-</file>
-
-<file path=ppt/slides/slide4.xml><?xml version="1.0" encoding="utf-8"?>
 <p:sld xmlns:a="http://schemas.openxmlformats.org/drawingml/2006/main" xmlns:r="http://schemas.openxmlformats.org/officeDocument/2006/relationships" xmlns:p="http://schemas.openxmlformats.org/presentationml/2006/main">
   <p:cSld>
     <p:bg>
@@ -8303,7 +9109,7 @@
         </p:spPr>
         <p:txBody>
           <a:bodyPr anchor="t">
-            <a:normAutofit fontScale="92500" lnSpcReduction="20000"/>
+            <a:normAutofit fontScale="92500" lnSpcReduction="10000"/>
           </a:bodyPr>
           <a:lstStyle/>
           <a:p>
@@ -8389,20 +9195,13 @@
               </a:rPr>
               <a:t>backtracking</a:t>
             </a:r>
-            <a:endParaRPr lang="fr-FR" dirty="0">
-              <a:solidFill>
-                <a:srgbClr val="FFFFFF"/>
-              </a:solidFill>
-            </a:endParaRPr>
-          </a:p>
-          <a:p>
             <a:r>
               <a:rPr lang="fr-FR" dirty="0">
                 <a:solidFill>
                   <a:srgbClr val="FFFFFF"/>
                 </a:solidFill>
               </a:rPr>
-              <a:t>7. présentation de la grille résolue ou de l’indice</a:t>
+              <a:t> et présentation de la grille résolue</a:t>
             </a:r>
           </a:p>
         </p:txBody>
@@ -8464,7 +9263,7 @@
             <a:avLst/>
           </a:prstGeom>
           <a:solidFill>
-            <a:srgbClr val="FF0000"/>
+            <a:srgbClr val="5FCBEF"/>
           </a:solidFill>
           <a:ln>
             <a:noFill/>
@@ -8551,7 +9350,7 @@
             <a:avLst/>
           </a:prstGeom>
           <a:solidFill>
-            <a:srgbClr val="FF0000"/>
+            <a:srgbClr val="5FCBEF"/>
           </a:solidFill>
           <a:ln>
             <a:noFill/>
@@ -8638,7 +9437,7 @@
             <a:avLst/>
           </a:prstGeom>
           <a:solidFill>
-            <a:srgbClr val="FF0000"/>
+            <a:srgbClr val="5FCBEF"/>
           </a:solidFill>
           <a:ln>
             <a:noFill/>
@@ -8725,7 +9524,7 @@
             <a:avLst/>
           </a:prstGeom>
           <a:solidFill>
-            <a:srgbClr val="FF0000"/>
+            <a:srgbClr val="5FCBEF"/>
           </a:solidFill>
           <a:ln>
             <a:noFill/>
@@ -8805,14 +9604,14 @@
         </p:nvSpPr>
         <p:spPr>
           <a:xfrm>
-            <a:off x="2263127" y="5750096"/>
+            <a:off x="2018519" y="5762414"/>
             <a:ext cx="495300" cy="357189"/>
           </a:xfrm>
           <a:prstGeom prst="rightArrow">
             <a:avLst/>
           </a:prstGeom>
           <a:solidFill>
-            <a:srgbClr val="FF0000"/>
+            <a:srgbClr val="5FCBEF"/>
           </a:solidFill>
           <a:ln>
             <a:noFill/>
@@ -8843,10 +9642,2714 @@
           </a:p>
         </p:txBody>
       </p:sp>
+      <p:pic>
+        <p:nvPicPr>
+          <p:cNvPr id="7" name="Image 6" descr="Une image contenant mur&#10;&#10;Description générée automatiquement">
+            <a:extLst>
+              <a:ext uri="{FF2B5EF4-FFF2-40B4-BE49-F238E27FC236}">
+                <a16:creationId xmlns:a16="http://schemas.microsoft.com/office/drawing/2014/main" id="{CDB199EF-C9FB-4C79-AAF1-60A2AF8621FE}"/>
+              </a:ext>
+            </a:extLst>
+          </p:cNvPr>
+          <p:cNvPicPr>
+            <a:picLocks noChangeAspect="1"/>
+          </p:cNvPicPr>
+          <p:nvPr/>
+        </p:nvPicPr>
+        <p:blipFill rotWithShape="1">
+          <a:blip r:embed="rId7">
+            <a:extLst>
+              <a:ext uri="{28A0092B-C50C-407E-A947-70E740481C1C}">
+                <a14:useLocalDpi xmlns:a14="http://schemas.microsoft.com/office/drawing/2010/main" val="0"/>
+              </a:ext>
+            </a:extLst>
+          </a:blip>
+          <a:srcRect l="2203" t="315" r="3792" b="5901"/>
+          <a:stretch/>
+        </p:blipFill>
+        <p:spPr>
+          <a:xfrm>
+            <a:off x="2688344" y="4868344"/>
+            <a:ext cx="1711917" cy="1788139"/>
+          </a:xfrm>
+          <a:prstGeom prst="rect">
+            <a:avLst/>
+          </a:prstGeom>
+        </p:spPr>
+      </p:pic>
     </p:spTree>
     <p:extLst>
       <p:ext uri="{BB962C8B-B14F-4D97-AF65-F5344CB8AC3E}">
         <p14:creationId xmlns:p14="http://schemas.microsoft.com/office/powerpoint/2010/main" val="3049107083"/>
+      </p:ext>
+    </p:extLst>
+  </p:cSld>
+  <p:clrMapOvr>
+    <a:masterClrMapping/>
+  </p:clrMapOvr>
+</p:sld>
+</file>
+
+<file path=ppt/slides/slide4.xml><?xml version="1.0" encoding="utf-8"?>
+<p:sld xmlns:a="http://schemas.openxmlformats.org/drawingml/2006/main" xmlns:r="http://schemas.openxmlformats.org/officeDocument/2006/relationships" xmlns:p="http://schemas.openxmlformats.org/presentationml/2006/main">
+  <p:cSld>
+    <p:bg>
+      <p:bgPr>
+        <a:solidFill>
+          <a:schemeClr val="bg1"/>
+        </a:solidFill>
+        <a:effectLst/>
+      </p:bgPr>
+    </p:bg>
+    <p:spTree>
+      <p:nvGrpSpPr>
+        <p:cNvPr id="1" name=""/>
+        <p:cNvGrpSpPr/>
+        <p:nvPr/>
+      </p:nvGrpSpPr>
+      <p:grpSpPr>
+        <a:xfrm>
+          <a:off x="0" y="0"/>
+          <a:ext cx="0" cy="0"/>
+          <a:chOff x="0" y="0"/>
+          <a:chExt cx="0" cy="0"/>
+        </a:xfrm>
+      </p:grpSpPr>
+      <p:sp useBgFill="1">
+        <p:nvSpPr>
+          <p:cNvPr id="6" name="Rectangle 8">
+            <a:extLst>
+              <a:ext uri="{FF2B5EF4-FFF2-40B4-BE49-F238E27FC236}">
+                <a16:creationId xmlns:a16="http://schemas.microsoft.com/office/drawing/2014/main" id="{9F4444CE-BC8D-4D61-B303-4C05614E62AB}"/>
+              </a:ext>
+              <a:ext uri="{C183D7F6-B498-43B3-948B-1728B52AA6E4}">
+                <adec:decorative xmlns:adec="http://schemas.microsoft.com/office/drawing/2017/decorative" val="1"/>
+              </a:ext>
+            </a:extLst>
+          </p:cNvPr>
+          <p:cNvSpPr>
+            <a:spLocks noGrp="1" noRot="1" noChangeAspect="1" noMove="1" noResize="1" noEditPoints="1" noAdjustHandles="1" noChangeArrowheads="1" noChangeShapeType="1" noTextEdit="1"/>
+          </p:cNvSpPr>
+          <p:nvPr>
+            <p:extLst>
+              <p:ext uri="{386F3935-93C4-4BCD-93E2-E3B085C9AB24}">
+                <p16:designElem xmlns:p16="http://schemas.microsoft.com/office/powerpoint/2015/main" val="1"/>
+              </p:ext>
+            </p:extLst>
+          </p:nvPr>
+        </p:nvSpPr>
+        <p:spPr>
+          <a:xfrm>
+            <a:off x="0" y="0"/>
+            <a:ext cx="12192000" cy="6858000"/>
+          </a:xfrm>
+          <a:prstGeom prst="rect">
+            <a:avLst/>
+          </a:prstGeom>
+          <a:ln>
+            <a:noFill/>
+          </a:ln>
+        </p:spPr>
+        <p:style>
+          <a:lnRef idx="2">
+            <a:schemeClr val="accent1">
+              <a:shade val="50000"/>
+            </a:schemeClr>
+          </a:lnRef>
+          <a:fillRef idx="1">
+            <a:schemeClr val="accent1"/>
+          </a:fillRef>
+          <a:effectRef idx="0">
+            <a:schemeClr val="accent1"/>
+          </a:effectRef>
+          <a:fontRef idx="minor">
+            <a:schemeClr val="lt1"/>
+          </a:fontRef>
+        </p:style>
+        <p:txBody>
+          <a:bodyPr rtlCol="0" anchor="ctr"/>
+          <a:lstStyle/>
+          <a:p>
+            <a:pPr algn="ctr"/>
+            <a:endParaRPr lang="en-US"/>
+          </a:p>
+        </p:txBody>
+      </p:sp>
+      <p:sp>
+        <p:nvSpPr>
+          <p:cNvPr id="7" name="Rectangle 10">
+            <a:extLst>
+              <a:ext uri="{FF2B5EF4-FFF2-40B4-BE49-F238E27FC236}">
+                <a16:creationId xmlns:a16="http://schemas.microsoft.com/office/drawing/2014/main" id="{62423CA5-E2E1-4789-B759-9906C1C94063}"/>
+              </a:ext>
+              <a:ext uri="{C183D7F6-B498-43B3-948B-1728B52AA6E4}">
+                <adec:decorative xmlns:adec="http://schemas.microsoft.com/office/drawing/2017/decorative" val="1"/>
+              </a:ext>
+            </a:extLst>
+          </p:cNvPr>
+          <p:cNvSpPr>
+            <a:spLocks noGrp="1" noRot="1" noChangeAspect="1" noMove="1" noResize="1" noEditPoints="1" noAdjustHandles="1" noChangeArrowheads="1" noChangeShapeType="1" noTextEdit="1"/>
+          </p:cNvSpPr>
+          <p:nvPr>
+            <p:extLst>
+              <p:ext uri="{386F3935-93C4-4BCD-93E2-E3B085C9AB24}">
+                <p16:designElem xmlns:p16="http://schemas.microsoft.com/office/powerpoint/2015/main" val="1"/>
+              </p:ext>
+            </p:extLst>
+          </p:nvPr>
+        </p:nvSpPr>
+        <p:spPr>
+          <a:xfrm>
+            <a:off x="0" y="-3"/>
+            <a:ext cx="4660126" cy="6858000"/>
+          </a:xfrm>
+          <a:prstGeom prst="rect">
+            <a:avLst/>
+          </a:prstGeom>
+          <a:solidFill>
+            <a:schemeClr val="tx2"/>
+          </a:solidFill>
+          <a:ln>
+            <a:noFill/>
+          </a:ln>
+          <a:effectLst/>
+        </p:spPr>
+        <p:style>
+          <a:lnRef idx="1">
+            <a:schemeClr val="accent1"/>
+          </a:lnRef>
+          <a:fillRef idx="3">
+            <a:schemeClr val="accent1"/>
+          </a:fillRef>
+          <a:effectRef idx="2">
+            <a:schemeClr val="accent1"/>
+          </a:effectRef>
+          <a:fontRef idx="minor">
+            <a:schemeClr val="lt1"/>
+          </a:fontRef>
+        </p:style>
+        <p:txBody>
+          <a:bodyPr/>
+          <a:lstStyle/>
+          <a:p>
+            <a:endParaRPr lang="en-US"/>
+          </a:p>
+        </p:txBody>
+      </p:sp>
+      <p:sp>
+        <p:nvSpPr>
+          <p:cNvPr id="8" name="Isosceles Triangle 12">
+            <a:extLst>
+              <a:ext uri="{FF2B5EF4-FFF2-40B4-BE49-F238E27FC236}">
+                <a16:creationId xmlns:a16="http://schemas.microsoft.com/office/drawing/2014/main" id="{73772B81-181F-48B7-8826-4D9686D15DF5}"/>
+              </a:ext>
+              <a:ext uri="{C183D7F6-B498-43B3-948B-1728B52AA6E4}">
+                <adec:decorative xmlns:adec="http://schemas.microsoft.com/office/drawing/2017/decorative" val="1"/>
+              </a:ext>
+            </a:extLst>
+          </p:cNvPr>
+          <p:cNvSpPr>
+            <a:spLocks noGrp="1" noRot="1" noChangeAspect="1" noMove="1" noResize="1" noEditPoints="1" noAdjustHandles="1" noChangeArrowheads="1" noChangeShapeType="1" noTextEdit="1"/>
+          </p:cNvSpPr>
+          <p:nvPr>
+            <p:extLst>
+              <p:ext uri="{386F3935-93C4-4BCD-93E2-E3B085C9AB24}">
+                <p16:designElem xmlns:p16="http://schemas.microsoft.com/office/powerpoint/2015/main" val="1"/>
+              </p:ext>
+            </p:extLst>
+          </p:nvPr>
+        </p:nvSpPr>
+        <p:spPr>
+          <a:xfrm rot="10800000">
+            <a:off x="4660127" y="-3"/>
+            <a:ext cx="1056745" cy="6858001"/>
+          </a:xfrm>
+          <a:prstGeom prst="triangle">
+            <a:avLst>
+              <a:gd name="adj" fmla="val 100000"/>
+            </a:avLst>
+          </a:prstGeom>
+          <a:solidFill>
+            <a:schemeClr val="tx2"/>
+          </a:solidFill>
+          <a:ln>
+            <a:noFill/>
+          </a:ln>
+          <a:effectLst/>
+        </p:spPr>
+        <p:style>
+          <a:lnRef idx="1">
+            <a:schemeClr val="accent1"/>
+          </a:lnRef>
+          <a:fillRef idx="3">
+            <a:schemeClr val="accent1"/>
+          </a:fillRef>
+          <a:effectRef idx="2">
+            <a:schemeClr val="accent1"/>
+          </a:effectRef>
+          <a:fontRef idx="minor">
+            <a:schemeClr val="lt1"/>
+          </a:fontRef>
+        </p:style>
+        <p:txBody>
+          <a:bodyPr/>
+          <a:lstStyle/>
+          <a:p>
+            <a:endParaRPr lang="en-US" dirty="0"/>
+          </a:p>
+        </p:txBody>
+      </p:sp>
+      <p:sp>
+        <p:nvSpPr>
+          <p:cNvPr id="2" name="Titre 1">
+            <a:extLst>
+              <a:ext uri="{FF2B5EF4-FFF2-40B4-BE49-F238E27FC236}">
+                <a16:creationId xmlns:a16="http://schemas.microsoft.com/office/drawing/2014/main" id="{4F87D976-5E65-4390-B009-44D320A09A11}"/>
+              </a:ext>
+            </a:extLst>
+          </p:cNvPr>
+          <p:cNvSpPr>
+            <a:spLocks noGrp="1"/>
+          </p:cNvSpPr>
+          <p:nvPr>
+            <p:ph type="title"/>
+          </p:nvPr>
+        </p:nvSpPr>
+        <p:spPr>
+          <a:xfrm>
+            <a:off x="673754" y="643467"/>
+            <a:ext cx="4203045" cy="1375608"/>
+          </a:xfrm>
+        </p:spPr>
+        <p:txBody>
+          <a:bodyPr anchor="ctr">
+            <a:normAutofit/>
+          </a:bodyPr>
+          <a:lstStyle/>
+          <a:p>
+            <a:r>
+              <a:rPr lang="fr-FR">
+                <a:solidFill>
+                  <a:schemeClr val="bg1"/>
+                </a:solidFill>
+              </a:rPr>
+              <a:t>Le code : étape 1</a:t>
+            </a:r>
+            <a:br>
+              <a:rPr lang="fr-FR">
+                <a:solidFill>
+                  <a:schemeClr val="bg1"/>
+                </a:solidFill>
+              </a:rPr>
+            </a:br>
+            <a:r>
+              <a:rPr lang="fr-FR">
+                <a:solidFill>
+                  <a:schemeClr val="bg1"/>
+                </a:solidFill>
+              </a:rPr>
+              <a:t>initialisation</a:t>
+            </a:r>
+          </a:p>
+        </p:txBody>
+      </p:sp>
+      <p:sp>
+        <p:nvSpPr>
+          <p:cNvPr id="3" name="Espace réservé du contenu 2">
+            <a:extLst>
+              <a:ext uri="{FF2B5EF4-FFF2-40B4-BE49-F238E27FC236}">
+                <a16:creationId xmlns:a16="http://schemas.microsoft.com/office/drawing/2014/main" id="{D43E1115-69FB-4D84-931C-D565B888BAAA}"/>
+              </a:ext>
+            </a:extLst>
+          </p:cNvPr>
+          <p:cNvSpPr>
+            <a:spLocks noGrp="1"/>
+          </p:cNvSpPr>
+          <p:nvPr>
+            <p:ph idx="1"/>
+          </p:nvPr>
+        </p:nvSpPr>
+        <p:spPr>
+          <a:xfrm>
+            <a:off x="673754" y="2160590"/>
+            <a:ext cx="3973943" cy="3440110"/>
+          </a:xfrm>
+        </p:spPr>
+        <p:txBody>
+          <a:bodyPr>
+            <a:normAutofit/>
+          </a:bodyPr>
+          <a:lstStyle/>
+          <a:p>
+            <a:r>
+              <a:rPr lang="fr-FR">
+                <a:solidFill>
+                  <a:schemeClr val="bg1"/>
+                </a:solidFill>
+              </a:rPr>
+              <a:t>Explorateur de fichier : Charlotte</a:t>
+            </a:r>
+          </a:p>
+          <a:p>
+            <a:r>
+              <a:rPr lang="fr-FR">
+                <a:solidFill>
+                  <a:schemeClr val="bg1"/>
+                </a:solidFill>
+              </a:rPr>
+              <a:t>Lancement de l’appareil photo Tristan</a:t>
+            </a:r>
+          </a:p>
+        </p:txBody>
+      </p:sp>
+      <p:pic>
+        <p:nvPicPr>
+          <p:cNvPr id="4" name="Image 3" descr="Une image contenant capture d’écran&#10;&#10;Description générée automatiquement">
+            <a:extLst>
+              <a:ext uri="{FF2B5EF4-FFF2-40B4-BE49-F238E27FC236}">
+                <a16:creationId xmlns:a16="http://schemas.microsoft.com/office/drawing/2014/main" id="{772E5579-CA5F-4562-B5A5-22DBADCE958C}"/>
+              </a:ext>
+            </a:extLst>
+          </p:cNvPr>
+          <p:cNvPicPr>
+            <a:picLocks noChangeAspect="1"/>
+          </p:cNvPicPr>
+          <p:nvPr/>
+        </p:nvPicPr>
+        <p:blipFill rotWithShape="1">
+          <a:blip r:embed="rId2"/>
+          <a:srcRect l="4603" t="14131" r="12222" b="13089"/>
+          <a:stretch/>
+        </p:blipFill>
+        <p:spPr>
+          <a:xfrm>
+            <a:off x="6096001" y="2108258"/>
+            <a:ext cx="5143500" cy="2628969"/>
+          </a:xfrm>
+          <a:prstGeom prst="rect">
+            <a:avLst/>
+          </a:prstGeom>
+        </p:spPr>
+      </p:pic>
+      <p:sp>
+        <p:nvSpPr>
+          <p:cNvPr id="10" name="Isosceles Triangle 14">
+            <a:extLst>
+              <a:ext uri="{FF2B5EF4-FFF2-40B4-BE49-F238E27FC236}">
+                <a16:creationId xmlns:a16="http://schemas.microsoft.com/office/drawing/2014/main" id="{B2205F6E-03C6-4E92-877C-E2482F6599AA}"/>
+              </a:ext>
+              <a:ext uri="{C183D7F6-B498-43B3-948B-1728B52AA6E4}">
+                <adec:decorative xmlns:adec="http://schemas.microsoft.com/office/drawing/2017/decorative" val="1"/>
+              </a:ext>
+            </a:extLst>
+          </p:cNvPr>
+          <p:cNvSpPr>
+            <a:spLocks noGrp="1" noRot="1" noChangeAspect="1" noMove="1" noResize="1" noEditPoints="1" noAdjustHandles="1" noChangeArrowheads="1" noChangeShapeType="1" noTextEdit="1"/>
+          </p:cNvSpPr>
+          <p:nvPr>
+            <p:extLst>
+              <p:ext uri="{386F3935-93C4-4BCD-93E2-E3B085C9AB24}">
+                <p16:designElem xmlns:p16="http://schemas.microsoft.com/office/powerpoint/2015/main" val="1"/>
+              </p:ext>
+            </p:extLst>
+          </p:nvPr>
+        </p:nvSpPr>
+        <p:spPr>
+          <a:xfrm flipH="1">
+            <a:off x="11755696" y="4013200"/>
+            <a:ext cx="448733" cy="2844800"/>
+          </a:xfrm>
+          <a:prstGeom prst="triangle">
+            <a:avLst>
+              <a:gd name="adj" fmla="val 0"/>
+            </a:avLst>
+          </a:prstGeom>
+          <a:solidFill>
+            <a:schemeClr val="accent1">
+              <a:alpha val="85000"/>
+            </a:schemeClr>
+          </a:solidFill>
+          <a:ln>
+            <a:noFill/>
+          </a:ln>
+          <a:effectLst/>
+        </p:spPr>
+        <p:style>
+          <a:lnRef idx="1">
+            <a:schemeClr val="accent1"/>
+          </a:lnRef>
+          <a:fillRef idx="3">
+            <a:schemeClr val="accent1"/>
+          </a:fillRef>
+          <a:effectRef idx="2">
+            <a:schemeClr val="accent1"/>
+          </a:effectRef>
+          <a:fontRef idx="minor">
+            <a:schemeClr val="lt1"/>
+          </a:fontRef>
+        </p:style>
+        <p:txBody>
+          <a:bodyPr/>
+          <a:lstStyle/>
+          <a:p>
+            <a:endParaRPr lang="en-US" dirty="0"/>
+          </a:p>
+        </p:txBody>
+      </p:sp>
+    </p:spTree>
+    <p:extLst>
+      <p:ext uri="{BB962C8B-B14F-4D97-AF65-F5344CB8AC3E}">
+        <p14:creationId xmlns:p14="http://schemas.microsoft.com/office/powerpoint/2010/main" val="1790091734"/>
+      </p:ext>
+    </p:extLst>
+  </p:cSld>
+  <p:clrMapOvr>
+    <a:masterClrMapping/>
+  </p:clrMapOvr>
+</p:sld>
+</file>
+
+<file path=ppt/slides/slide5.xml><?xml version="1.0" encoding="utf-8"?>
+<p:sld xmlns:a="http://schemas.openxmlformats.org/drawingml/2006/main" xmlns:r="http://schemas.openxmlformats.org/officeDocument/2006/relationships" xmlns:p="http://schemas.openxmlformats.org/presentationml/2006/main">
+  <p:cSld>
+    <p:bg>
+      <p:bgPr>
+        <a:solidFill>
+          <a:schemeClr val="bg1"/>
+        </a:solidFill>
+        <a:effectLst/>
+      </p:bgPr>
+    </p:bg>
+    <p:spTree>
+      <p:nvGrpSpPr>
+        <p:cNvPr id="1" name=""/>
+        <p:cNvGrpSpPr/>
+        <p:nvPr/>
+      </p:nvGrpSpPr>
+      <p:grpSpPr>
+        <a:xfrm>
+          <a:off x="0" y="0"/>
+          <a:ext cx="0" cy="0"/>
+          <a:chOff x="0" y="0"/>
+          <a:chExt cx="0" cy="0"/>
+        </a:xfrm>
+      </p:grpSpPr>
+      <p:sp useBgFill="1">
+        <p:nvSpPr>
+          <p:cNvPr id="10" name="Rectangle 12">
+            <a:extLst>
+              <a:ext uri="{FF2B5EF4-FFF2-40B4-BE49-F238E27FC236}">
+                <a16:creationId xmlns:a16="http://schemas.microsoft.com/office/drawing/2014/main" id="{9F4444CE-BC8D-4D61-B303-4C05614E62AB}"/>
+              </a:ext>
+              <a:ext uri="{C183D7F6-B498-43B3-948B-1728B52AA6E4}">
+                <adec:decorative xmlns:adec="http://schemas.microsoft.com/office/drawing/2017/decorative" val="1"/>
+              </a:ext>
+            </a:extLst>
+          </p:cNvPr>
+          <p:cNvSpPr>
+            <a:spLocks noGrp="1" noRot="1" noChangeAspect="1" noMove="1" noResize="1" noEditPoints="1" noAdjustHandles="1" noChangeArrowheads="1" noChangeShapeType="1" noTextEdit="1"/>
+          </p:cNvSpPr>
+          <p:nvPr>
+            <p:extLst>
+              <p:ext uri="{386F3935-93C4-4BCD-93E2-E3B085C9AB24}">
+                <p16:designElem xmlns:p16="http://schemas.microsoft.com/office/powerpoint/2015/main" val="1"/>
+              </p:ext>
+            </p:extLst>
+          </p:nvPr>
+        </p:nvSpPr>
+        <p:spPr>
+          <a:xfrm>
+            <a:off x="0" y="0"/>
+            <a:ext cx="12192000" cy="6858000"/>
+          </a:xfrm>
+          <a:prstGeom prst="rect">
+            <a:avLst/>
+          </a:prstGeom>
+          <a:ln>
+            <a:noFill/>
+          </a:ln>
+        </p:spPr>
+        <p:style>
+          <a:lnRef idx="2">
+            <a:schemeClr val="accent1">
+              <a:shade val="50000"/>
+            </a:schemeClr>
+          </a:lnRef>
+          <a:fillRef idx="1">
+            <a:schemeClr val="accent1"/>
+          </a:fillRef>
+          <a:effectRef idx="0">
+            <a:schemeClr val="accent1"/>
+          </a:effectRef>
+          <a:fontRef idx="minor">
+            <a:schemeClr val="lt1"/>
+          </a:fontRef>
+        </p:style>
+        <p:txBody>
+          <a:bodyPr rtlCol="0" anchor="ctr"/>
+          <a:lstStyle/>
+          <a:p>
+            <a:pPr algn="ctr"/>
+            <a:endParaRPr lang="en-US"/>
+          </a:p>
+        </p:txBody>
+      </p:sp>
+      <p:sp>
+        <p:nvSpPr>
+          <p:cNvPr id="15" name="Rectangle 14">
+            <a:extLst>
+              <a:ext uri="{FF2B5EF4-FFF2-40B4-BE49-F238E27FC236}">
+                <a16:creationId xmlns:a16="http://schemas.microsoft.com/office/drawing/2014/main" id="{62423CA5-E2E1-4789-B759-9906C1C94063}"/>
+              </a:ext>
+              <a:ext uri="{C183D7F6-B498-43B3-948B-1728B52AA6E4}">
+                <adec:decorative xmlns:adec="http://schemas.microsoft.com/office/drawing/2017/decorative" val="1"/>
+              </a:ext>
+            </a:extLst>
+          </p:cNvPr>
+          <p:cNvSpPr>
+            <a:spLocks noGrp="1" noRot="1" noChangeAspect="1" noMove="1" noResize="1" noEditPoints="1" noAdjustHandles="1" noChangeArrowheads="1" noChangeShapeType="1" noTextEdit="1"/>
+          </p:cNvSpPr>
+          <p:nvPr>
+            <p:extLst>
+              <p:ext uri="{386F3935-93C4-4BCD-93E2-E3B085C9AB24}">
+                <p16:designElem xmlns:p16="http://schemas.microsoft.com/office/powerpoint/2015/main" val="1"/>
+              </p:ext>
+            </p:extLst>
+          </p:nvPr>
+        </p:nvSpPr>
+        <p:spPr>
+          <a:xfrm>
+            <a:off x="0" y="-3"/>
+            <a:ext cx="4660126" cy="6858000"/>
+          </a:xfrm>
+          <a:prstGeom prst="rect">
+            <a:avLst/>
+          </a:prstGeom>
+          <a:solidFill>
+            <a:schemeClr val="tx2"/>
+          </a:solidFill>
+          <a:ln>
+            <a:noFill/>
+          </a:ln>
+          <a:effectLst/>
+        </p:spPr>
+        <p:style>
+          <a:lnRef idx="1">
+            <a:schemeClr val="accent1"/>
+          </a:lnRef>
+          <a:fillRef idx="3">
+            <a:schemeClr val="accent1"/>
+          </a:fillRef>
+          <a:effectRef idx="2">
+            <a:schemeClr val="accent1"/>
+          </a:effectRef>
+          <a:fontRef idx="minor">
+            <a:schemeClr val="lt1"/>
+          </a:fontRef>
+        </p:style>
+        <p:txBody>
+          <a:bodyPr/>
+          <a:lstStyle/>
+          <a:p>
+            <a:endParaRPr lang="en-US"/>
+          </a:p>
+        </p:txBody>
+      </p:sp>
+      <p:sp>
+        <p:nvSpPr>
+          <p:cNvPr id="17" name="Isosceles Triangle 16">
+            <a:extLst>
+              <a:ext uri="{FF2B5EF4-FFF2-40B4-BE49-F238E27FC236}">
+                <a16:creationId xmlns:a16="http://schemas.microsoft.com/office/drawing/2014/main" id="{73772B81-181F-48B7-8826-4D9686D15DF5}"/>
+              </a:ext>
+              <a:ext uri="{C183D7F6-B498-43B3-948B-1728B52AA6E4}">
+                <adec:decorative xmlns:adec="http://schemas.microsoft.com/office/drawing/2017/decorative" val="1"/>
+              </a:ext>
+            </a:extLst>
+          </p:cNvPr>
+          <p:cNvSpPr>
+            <a:spLocks noGrp="1" noRot="1" noChangeAspect="1" noMove="1" noResize="1" noEditPoints="1" noAdjustHandles="1" noChangeArrowheads="1" noChangeShapeType="1" noTextEdit="1"/>
+          </p:cNvSpPr>
+          <p:nvPr>
+            <p:extLst>
+              <p:ext uri="{386F3935-93C4-4BCD-93E2-E3B085C9AB24}">
+                <p16:designElem xmlns:p16="http://schemas.microsoft.com/office/powerpoint/2015/main" val="1"/>
+              </p:ext>
+            </p:extLst>
+          </p:nvPr>
+        </p:nvSpPr>
+        <p:spPr>
+          <a:xfrm rot="10800000">
+            <a:off x="4660127" y="-3"/>
+            <a:ext cx="1056745" cy="6858001"/>
+          </a:xfrm>
+          <a:prstGeom prst="triangle">
+            <a:avLst>
+              <a:gd name="adj" fmla="val 100000"/>
+            </a:avLst>
+          </a:prstGeom>
+          <a:solidFill>
+            <a:schemeClr val="tx2"/>
+          </a:solidFill>
+          <a:ln>
+            <a:noFill/>
+          </a:ln>
+          <a:effectLst/>
+        </p:spPr>
+        <p:style>
+          <a:lnRef idx="1">
+            <a:schemeClr val="accent1"/>
+          </a:lnRef>
+          <a:fillRef idx="3">
+            <a:schemeClr val="accent1"/>
+          </a:fillRef>
+          <a:effectRef idx="2">
+            <a:schemeClr val="accent1"/>
+          </a:effectRef>
+          <a:fontRef idx="minor">
+            <a:schemeClr val="lt1"/>
+          </a:fontRef>
+        </p:style>
+        <p:txBody>
+          <a:bodyPr/>
+          <a:lstStyle/>
+          <a:p>
+            <a:endParaRPr lang="en-US" dirty="0"/>
+          </a:p>
+        </p:txBody>
+      </p:sp>
+      <p:sp>
+        <p:nvSpPr>
+          <p:cNvPr id="2" name="Titre 1">
+            <a:extLst>
+              <a:ext uri="{FF2B5EF4-FFF2-40B4-BE49-F238E27FC236}">
+                <a16:creationId xmlns:a16="http://schemas.microsoft.com/office/drawing/2014/main" id="{BEECDD27-7FD4-4CA2-8F50-D834E1FE3639}"/>
+              </a:ext>
+            </a:extLst>
+          </p:cNvPr>
+          <p:cNvSpPr>
+            <a:spLocks noGrp="1"/>
+          </p:cNvSpPr>
+          <p:nvPr>
+            <p:ph type="title"/>
+          </p:nvPr>
+        </p:nvSpPr>
+        <p:spPr>
+          <a:xfrm>
+            <a:off x="673754" y="643467"/>
+            <a:ext cx="4203045" cy="1375608"/>
+          </a:xfrm>
+        </p:spPr>
+        <p:txBody>
+          <a:bodyPr anchor="ctr">
+            <a:normAutofit/>
+          </a:bodyPr>
+          <a:lstStyle/>
+          <a:p>
+            <a:pPr>
+              <a:lnSpc>
+                <a:spcPct val="90000"/>
+              </a:lnSpc>
+            </a:pPr>
+            <a:r>
+              <a:rPr lang="fr-FR" sz="3100">
+                <a:solidFill>
+                  <a:schemeClr val="bg1"/>
+                </a:solidFill>
+              </a:rPr>
+              <a:t>Le code : étape 2</a:t>
+            </a:r>
+            <a:br>
+              <a:rPr lang="fr-FR" sz="3100">
+                <a:solidFill>
+                  <a:schemeClr val="bg1"/>
+                </a:solidFill>
+              </a:rPr>
+            </a:br>
+            <a:r>
+              <a:rPr lang="fr-FR" sz="3100">
+                <a:solidFill>
+                  <a:schemeClr val="bg1"/>
+                </a:solidFill>
+              </a:rPr>
+              <a:t>passage de l’image en noir et blanc</a:t>
+            </a:r>
+          </a:p>
+        </p:txBody>
+      </p:sp>
+      <p:sp>
+        <p:nvSpPr>
+          <p:cNvPr id="3" name="Espace réservé du contenu 2">
+            <a:extLst>
+              <a:ext uri="{FF2B5EF4-FFF2-40B4-BE49-F238E27FC236}">
+                <a16:creationId xmlns:a16="http://schemas.microsoft.com/office/drawing/2014/main" id="{9A5DD69D-59C8-42F4-BA39-81076830DB46}"/>
+              </a:ext>
+            </a:extLst>
+          </p:cNvPr>
+          <p:cNvSpPr>
+            <a:spLocks noGrp="1"/>
+          </p:cNvSpPr>
+          <p:nvPr>
+            <p:ph idx="1"/>
+          </p:nvPr>
+        </p:nvSpPr>
+        <p:spPr>
+          <a:xfrm>
+            <a:off x="673754" y="2160590"/>
+            <a:ext cx="3973943" cy="3440110"/>
+          </a:xfrm>
+        </p:spPr>
+        <p:txBody>
+          <a:bodyPr>
+            <a:normAutofit/>
+          </a:bodyPr>
+          <a:lstStyle/>
+          <a:p>
+            <a:r>
+              <a:rPr lang="fr-FR">
+                <a:solidFill>
+                  <a:schemeClr val="bg1"/>
+                </a:solidFill>
+              </a:rPr>
+              <a:t>Barthélémy</a:t>
+            </a:r>
+          </a:p>
+        </p:txBody>
+      </p:sp>
+      <p:sp>
+        <p:nvSpPr>
+          <p:cNvPr id="19" name="Isosceles Triangle 18">
+            <a:extLst>
+              <a:ext uri="{FF2B5EF4-FFF2-40B4-BE49-F238E27FC236}">
+                <a16:creationId xmlns:a16="http://schemas.microsoft.com/office/drawing/2014/main" id="{B2205F6E-03C6-4E92-877C-E2482F6599AA}"/>
+              </a:ext>
+              <a:ext uri="{C183D7F6-B498-43B3-948B-1728B52AA6E4}">
+                <adec:decorative xmlns:adec="http://schemas.microsoft.com/office/drawing/2017/decorative" val="1"/>
+              </a:ext>
+            </a:extLst>
+          </p:cNvPr>
+          <p:cNvSpPr>
+            <a:spLocks noGrp="1" noRot="1" noChangeAspect="1" noMove="1" noResize="1" noEditPoints="1" noAdjustHandles="1" noChangeArrowheads="1" noChangeShapeType="1" noTextEdit="1"/>
+          </p:cNvSpPr>
+          <p:nvPr>
+            <p:extLst>
+              <p:ext uri="{386F3935-93C4-4BCD-93E2-E3B085C9AB24}">
+                <p16:designElem xmlns:p16="http://schemas.microsoft.com/office/powerpoint/2015/main" val="1"/>
+              </p:ext>
+            </p:extLst>
+          </p:nvPr>
+        </p:nvSpPr>
+        <p:spPr>
+          <a:xfrm flipH="1">
+            <a:off x="11755696" y="4013200"/>
+            <a:ext cx="448733" cy="2844800"/>
+          </a:xfrm>
+          <a:prstGeom prst="triangle">
+            <a:avLst>
+              <a:gd name="adj" fmla="val 0"/>
+            </a:avLst>
+          </a:prstGeom>
+          <a:solidFill>
+            <a:schemeClr val="accent1">
+              <a:alpha val="85000"/>
+            </a:schemeClr>
+          </a:solidFill>
+          <a:ln>
+            <a:noFill/>
+          </a:ln>
+          <a:effectLst/>
+        </p:spPr>
+        <p:style>
+          <a:lnRef idx="1">
+            <a:schemeClr val="accent1"/>
+          </a:lnRef>
+          <a:fillRef idx="3">
+            <a:schemeClr val="accent1"/>
+          </a:fillRef>
+          <a:effectRef idx="2">
+            <a:schemeClr val="accent1"/>
+          </a:effectRef>
+          <a:fontRef idx="minor">
+            <a:schemeClr val="lt1"/>
+          </a:fontRef>
+        </p:style>
+        <p:txBody>
+          <a:bodyPr/>
+          <a:lstStyle/>
+          <a:p>
+            <a:endParaRPr lang="en-US" dirty="0"/>
+          </a:p>
+        </p:txBody>
+      </p:sp>
+      <p:pic>
+        <p:nvPicPr>
+          <p:cNvPr id="24" name="Image 23" descr="Une image contenant texte&#10;&#10;Description générée automatiquement">
+            <a:extLst>
+              <a:ext uri="{FF2B5EF4-FFF2-40B4-BE49-F238E27FC236}">
+                <a16:creationId xmlns:a16="http://schemas.microsoft.com/office/drawing/2014/main" id="{BE31BE43-305D-401D-AC7C-7F7688CE0926}"/>
+              </a:ext>
+            </a:extLst>
+          </p:cNvPr>
+          <p:cNvPicPr>
+            <a:picLocks noChangeAspect="1"/>
+          </p:cNvPicPr>
+          <p:nvPr/>
+        </p:nvPicPr>
+        <p:blipFill>
+          <a:blip r:embed="rId2">
+            <a:extLst>
+              <a:ext uri="{28A0092B-C50C-407E-A947-70E740481C1C}">
+                <a14:useLocalDpi xmlns:a14="http://schemas.microsoft.com/office/drawing/2010/main" val="0"/>
+              </a:ext>
+            </a:extLst>
+          </a:blip>
+          <a:stretch>
+            <a:fillRect/>
+          </a:stretch>
+        </p:blipFill>
+        <p:spPr>
+          <a:xfrm>
+            <a:off x="6224537" y="383533"/>
+            <a:ext cx="2494597" cy="2654942"/>
+          </a:xfrm>
+          <a:prstGeom prst="rect">
+            <a:avLst/>
+          </a:prstGeom>
+        </p:spPr>
+      </p:pic>
+      <p:pic>
+        <p:nvPicPr>
+          <p:cNvPr id="25" name="Image 24" descr="Une image contenant équipement électronique&#10;&#10;Description générée automatiquement">
+            <a:extLst>
+              <a:ext uri="{FF2B5EF4-FFF2-40B4-BE49-F238E27FC236}">
+                <a16:creationId xmlns:a16="http://schemas.microsoft.com/office/drawing/2014/main" id="{F497AC1C-252E-4ECF-B615-E3DEAFBA7312}"/>
+              </a:ext>
+            </a:extLst>
+          </p:cNvPr>
+          <p:cNvPicPr>
+            <a:picLocks noChangeAspect="1"/>
+          </p:cNvPicPr>
+          <p:nvPr/>
+        </p:nvPicPr>
+        <p:blipFill rotWithShape="1">
+          <a:blip r:embed="rId3">
+            <a:extLst>
+              <a:ext uri="{28A0092B-C50C-407E-A947-70E740481C1C}">
+                <a14:useLocalDpi xmlns:a14="http://schemas.microsoft.com/office/drawing/2010/main" val="0"/>
+              </a:ext>
+            </a:extLst>
+          </a:blip>
+          <a:srcRect l="7427" t="3887" r="40292" b="3890"/>
+          <a:stretch/>
+        </p:blipFill>
+        <p:spPr>
+          <a:xfrm>
+            <a:off x="9070999" y="2253221"/>
+            <a:ext cx="2539976" cy="2520225"/>
+          </a:xfrm>
+          <a:prstGeom prst="rect">
+            <a:avLst/>
+          </a:prstGeom>
+        </p:spPr>
+      </p:pic>
+      <p:pic>
+        <p:nvPicPr>
+          <p:cNvPr id="26" name="Image 25" descr="Une image contenant noir, photo, intérieur&#10;&#10;Description générée automatiquement">
+            <a:extLst>
+              <a:ext uri="{FF2B5EF4-FFF2-40B4-BE49-F238E27FC236}">
+                <a16:creationId xmlns:a16="http://schemas.microsoft.com/office/drawing/2014/main" id="{2BBB0C19-AF96-49C0-936D-E5E6CE3D85E7}"/>
+              </a:ext>
+            </a:extLst>
+          </p:cNvPr>
+          <p:cNvPicPr>
+            <a:picLocks noChangeAspect="1"/>
+          </p:cNvPicPr>
+          <p:nvPr/>
+        </p:nvPicPr>
+        <p:blipFill rotWithShape="1">
+          <a:blip r:embed="rId4">
+            <a:extLst>
+              <a:ext uri="{28A0092B-C50C-407E-A947-70E740481C1C}">
+                <a14:useLocalDpi xmlns:a14="http://schemas.microsoft.com/office/drawing/2010/main" val="0"/>
+              </a:ext>
+            </a:extLst>
+          </a:blip>
+          <a:srcRect l="2549" t="3889" r="45173" b="5927"/>
+          <a:stretch/>
+        </p:blipFill>
+        <p:spPr>
+          <a:xfrm>
+            <a:off x="6232948" y="3898011"/>
+            <a:ext cx="2539975" cy="2464689"/>
+          </a:xfrm>
+          <a:prstGeom prst="rect">
+            <a:avLst/>
+          </a:prstGeom>
+        </p:spPr>
+      </p:pic>
+    </p:spTree>
+    <p:extLst>
+      <p:ext uri="{BB962C8B-B14F-4D97-AF65-F5344CB8AC3E}">
+        <p14:creationId xmlns:p14="http://schemas.microsoft.com/office/powerpoint/2010/main" val="1973673637"/>
+      </p:ext>
+    </p:extLst>
+  </p:cSld>
+  <p:clrMapOvr>
+    <a:masterClrMapping/>
+  </p:clrMapOvr>
+</p:sld>
+</file>
+
+<file path=ppt/slides/slide6.xml><?xml version="1.0" encoding="utf-8"?>
+<p:sld xmlns:a="http://schemas.openxmlformats.org/drawingml/2006/main" xmlns:r="http://schemas.openxmlformats.org/officeDocument/2006/relationships" xmlns:p="http://schemas.openxmlformats.org/presentationml/2006/main">
+  <p:cSld>
+    <p:bg>
+      <p:bgPr>
+        <a:solidFill>
+          <a:schemeClr val="bg1"/>
+        </a:solidFill>
+        <a:effectLst/>
+      </p:bgPr>
+    </p:bg>
+    <p:spTree>
+      <p:nvGrpSpPr>
+        <p:cNvPr id="1" name=""/>
+        <p:cNvGrpSpPr/>
+        <p:nvPr/>
+      </p:nvGrpSpPr>
+      <p:grpSpPr>
+        <a:xfrm>
+          <a:off x="0" y="0"/>
+          <a:ext cx="0" cy="0"/>
+          <a:chOff x="0" y="0"/>
+          <a:chExt cx="0" cy="0"/>
+        </a:xfrm>
+      </p:grpSpPr>
+      <p:sp useBgFill="1">
+        <p:nvSpPr>
+          <p:cNvPr id="11" name="Rectangle 11">
+            <a:extLst>
+              <a:ext uri="{FF2B5EF4-FFF2-40B4-BE49-F238E27FC236}">
+                <a16:creationId xmlns:a16="http://schemas.microsoft.com/office/drawing/2014/main" id="{9F4444CE-BC8D-4D61-B303-4C05614E62AB}"/>
+              </a:ext>
+              <a:ext uri="{C183D7F6-B498-43B3-948B-1728B52AA6E4}">
+                <adec:decorative xmlns:adec="http://schemas.microsoft.com/office/drawing/2017/decorative" val="1"/>
+              </a:ext>
+            </a:extLst>
+          </p:cNvPr>
+          <p:cNvSpPr>
+            <a:spLocks noGrp="1" noRot="1" noChangeAspect="1" noMove="1" noResize="1" noEditPoints="1" noAdjustHandles="1" noChangeArrowheads="1" noChangeShapeType="1" noTextEdit="1"/>
+          </p:cNvSpPr>
+          <p:nvPr>
+            <p:extLst>
+              <p:ext uri="{386F3935-93C4-4BCD-93E2-E3B085C9AB24}">
+                <p16:designElem xmlns:p16="http://schemas.microsoft.com/office/powerpoint/2015/main" val="1"/>
+              </p:ext>
+            </p:extLst>
+          </p:nvPr>
+        </p:nvSpPr>
+        <p:spPr>
+          <a:xfrm>
+            <a:off x="0" y="0"/>
+            <a:ext cx="12192000" cy="6858000"/>
+          </a:xfrm>
+          <a:prstGeom prst="rect">
+            <a:avLst/>
+          </a:prstGeom>
+          <a:ln>
+            <a:noFill/>
+          </a:ln>
+        </p:spPr>
+        <p:style>
+          <a:lnRef idx="2">
+            <a:schemeClr val="accent1">
+              <a:shade val="50000"/>
+            </a:schemeClr>
+          </a:lnRef>
+          <a:fillRef idx="1">
+            <a:schemeClr val="accent1"/>
+          </a:fillRef>
+          <a:effectRef idx="0">
+            <a:schemeClr val="accent1"/>
+          </a:effectRef>
+          <a:fontRef idx="minor">
+            <a:schemeClr val="lt1"/>
+          </a:fontRef>
+        </p:style>
+        <p:txBody>
+          <a:bodyPr rtlCol="0" anchor="ctr"/>
+          <a:lstStyle/>
+          <a:p>
+            <a:pPr algn="ctr"/>
+            <a:endParaRPr lang="en-US"/>
+          </a:p>
+        </p:txBody>
+      </p:sp>
+      <p:sp>
+        <p:nvSpPr>
+          <p:cNvPr id="14" name="Rectangle 13">
+            <a:extLst>
+              <a:ext uri="{FF2B5EF4-FFF2-40B4-BE49-F238E27FC236}">
+                <a16:creationId xmlns:a16="http://schemas.microsoft.com/office/drawing/2014/main" id="{62423CA5-E2E1-4789-B759-9906C1C94063}"/>
+              </a:ext>
+              <a:ext uri="{C183D7F6-B498-43B3-948B-1728B52AA6E4}">
+                <adec:decorative xmlns:adec="http://schemas.microsoft.com/office/drawing/2017/decorative" val="1"/>
+              </a:ext>
+            </a:extLst>
+          </p:cNvPr>
+          <p:cNvSpPr>
+            <a:spLocks noGrp="1" noRot="1" noChangeAspect="1" noMove="1" noResize="1" noEditPoints="1" noAdjustHandles="1" noChangeArrowheads="1" noChangeShapeType="1" noTextEdit="1"/>
+          </p:cNvSpPr>
+          <p:nvPr>
+            <p:extLst>
+              <p:ext uri="{386F3935-93C4-4BCD-93E2-E3B085C9AB24}">
+                <p16:designElem xmlns:p16="http://schemas.microsoft.com/office/powerpoint/2015/main" val="1"/>
+              </p:ext>
+            </p:extLst>
+          </p:nvPr>
+        </p:nvSpPr>
+        <p:spPr>
+          <a:xfrm>
+            <a:off x="0" y="-3"/>
+            <a:ext cx="4660126" cy="6858000"/>
+          </a:xfrm>
+          <a:prstGeom prst="rect">
+            <a:avLst/>
+          </a:prstGeom>
+          <a:solidFill>
+            <a:schemeClr val="tx2"/>
+          </a:solidFill>
+          <a:ln>
+            <a:noFill/>
+          </a:ln>
+          <a:effectLst/>
+        </p:spPr>
+        <p:style>
+          <a:lnRef idx="1">
+            <a:schemeClr val="accent1"/>
+          </a:lnRef>
+          <a:fillRef idx="3">
+            <a:schemeClr val="accent1"/>
+          </a:fillRef>
+          <a:effectRef idx="2">
+            <a:schemeClr val="accent1"/>
+          </a:effectRef>
+          <a:fontRef idx="minor">
+            <a:schemeClr val="lt1"/>
+          </a:fontRef>
+        </p:style>
+        <p:txBody>
+          <a:bodyPr/>
+          <a:lstStyle/>
+          <a:p>
+            <a:endParaRPr lang="en-US"/>
+          </a:p>
+        </p:txBody>
+      </p:sp>
+      <p:sp>
+        <p:nvSpPr>
+          <p:cNvPr id="16" name="Isosceles Triangle 15">
+            <a:extLst>
+              <a:ext uri="{FF2B5EF4-FFF2-40B4-BE49-F238E27FC236}">
+                <a16:creationId xmlns:a16="http://schemas.microsoft.com/office/drawing/2014/main" id="{73772B81-181F-48B7-8826-4D9686D15DF5}"/>
+              </a:ext>
+              <a:ext uri="{C183D7F6-B498-43B3-948B-1728B52AA6E4}">
+                <adec:decorative xmlns:adec="http://schemas.microsoft.com/office/drawing/2017/decorative" val="1"/>
+              </a:ext>
+            </a:extLst>
+          </p:cNvPr>
+          <p:cNvSpPr>
+            <a:spLocks noGrp="1" noRot="1" noChangeAspect="1" noMove="1" noResize="1" noEditPoints="1" noAdjustHandles="1" noChangeArrowheads="1" noChangeShapeType="1" noTextEdit="1"/>
+          </p:cNvSpPr>
+          <p:nvPr>
+            <p:extLst>
+              <p:ext uri="{386F3935-93C4-4BCD-93E2-E3B085C9AB24}">
+                <p16:designElem xmlns:p16="http://schemas.microsoft.com/office/powerpoint/2015/main" val="1"/>
+              </p:ext>
+            </p:extLst>
+          </p:nvPr>
+        </p:nvSpPr>
+        <p:spPr>
+          <a:xfrm rot="10800000">
+            <a:off x="4660127" y="-3"/>
+            <a:ext cx="1056745" cy="6858001"/>
+          </a:xfrm>
+          <a:prstGeom prst="triangle">
+            <a:avLst>
+              <a:gd name="adj" fmla="val 100000"/>
+            </a:avLst>
+          </a:prstGeom>
+          <a:solidFill>
+            <a:schemeClr val="tx2"/>
+          </a:solidFill>
+          <a:ln>
+            <a:noFill/>
+          </a:ln>
+          <a:effectLst/>
+        </p:spPr>
+        <p:style>
+          <a:lnRef idx="1">
+            <a:schemeClr val="accent1"/>
+          </a:lnRef>
+          <a:fillRef idx="3">
+            <a:schemeClr val="accent1"/>
+          </a:fillRef>
+          <a:effectRef idx="2">
+            <a:schemeClr val="accent1"/>
+          </a:effectRef>
+          <a:fontRef idx="minor">
+            <a:schemeClr val="lt1"/>
+          </a:fontRef>
+        </p:style>
+        <p:txBody>
+          <a:bodyPr/>
+          <a:lstStyle/>
+          <a:p>
+            <a:endParaRPr lang="en-US" dirty="0"/>
+          </a:p>
+        </p:txBody>
+      </p:sp>
+      <p:sp>
+        <p:nvSpPr>
+          <p:cNvPr id="5" name="Titre 1">
+            <a:extLst>
+              <a:ext uri="{FF2B5EF4-FFF2-40B4-BE49-F238E27FC236}">
+                <a16:creationId xmlns:a16="http://schemas.microsoft.com/office/drawing/2014/main" id="{1B652E8B-50A0-429F-AC11-CE0F63919C4F}"/>
+              </a:ext>
+            </a:extLst>
+          </p:cNvPr>
+          <p:cNvSpPr>
+            <a:spLocks noGrp="1"/>
+          </p:cNvSpPr>
+          <p:nvPr>
+            <p:ph type="title"/>
+          </p:nvPr>
+        </p:nvSpPr>
+        <p:spPr>
+          <a:xfrm>
+            <a:off x="673754" y="643467"/>
+            <a:ext cx="4203045" cy="1375608"/>
+          </a:xfrm>
+        </p:spPr>
+        <p:txBody>
+          <a:bodyPr anchor="ctr">
+            <a:normAutofit/>
+          </a:bodyPr>
+          <a:lstStyle/>
+          <a:p>
+            <a:pPr>
+              <a:lnSpc>
+                <a:spcPct val="90000"/>
+              </a:lnSpc>
+            </a:pPr>
+            <a:r>
+              <a:rPr lang="fr-FR" sz="2800">
+                <a:solidFill>
+                  <a:schemeClr val="bg1"/>
+                </a:solidFill>
+              </a:rPr>
+              <a:t>Le code : étape 3</a:t>
+            </a:r>
+            <a:br>
+              <a:rPr lang="fr-FR" sz="2800">
+                <a:solidFill>
+                  <a:schemeClr val="bg1"/>
+                </a:solidFill>
+              </a:rPr>
+            </a:br>
+            <a:r>
+              <a:rPr lang="fr-FR" sz="2800">
+                <a:solidFill>
+                  <a:schemeClr val="bg1"/>
+                </a:solidFill>
+              </a:rPr>
+              <a:t>détection de la grille et redressage de la photo</a:t>
+            </a:r>
+          </a:p>
+        </p:txBody>
+      </p:sp>
+      <p:sp>
+        <p:nvSpPr>
+          <p:cNvPr id="3" name="Espace réservé du contenu 2">
+            <a:extLst>
+              <a:ext uri="{FF2B5EF4-FFF2-40B4-BE49-F238E27FC236}">
+                <a16:creationId xmlns:a16="http://schemas.microsoft.com/office/drawing/2014/main" id="{8F9F1B74-FC58-4489-BB60-A2C51D0686FB}"/>
+              </a:ext>
+            </a:extLst>
+          </p:cNvPr>
+          <p:cNvSpPr>
+            <a:spLocks noGrp="1"/>
+          </p:cNvSpPr>
+          <p:nvPr>
+            <p:ph idx="1"/>
+          </p:nvPr>
+        </p:nvSpPr>
+        <p:spPr>
+          <a:xfrm>
+            <a:off x="673754" y="2160590"/>
+            <a:ext cx="3973943" cy="3440110"/>
+          </a:xfrm>
+        </p:spPr>
+        <p:txBody>
+          <a:bodyPr>
+            <a:normAutofit/>
+          </a:bodyPr>
+          <a:lstStyle/>
+          <a:p>
+            <a:r>
+              <a:rPr lang="fr-FR">
+                <a:solidFill>
+                  <a:schemeClr val="bg1"/>
+                </a:solidFill>
+              </a:rPr>
+              <a:t>Thomas</a:t>
+            </a:r>
+          </a:p>
+        </p:txBody>
+      </p:sp>
+      <p:sp>
+        <p:nvSpPr>
+          <p:cNvPr id="17" name="Isosceles Triangle 17">
+            <a:extLst>
+              <a:ext uri="{FF2B5EF4-FFF2-40B4-BE49-F238E27FC236}">
+                <a16:creationId xmlns:a16="http://schemas.microsoft.com/office/drawing/2014/main" id="{B2205F6E-03C6-4E92-877C-E2482F6599AA}"/>
+              </a:ext>
+              <a:ext uri="{C183D7F6-B498-43B3-948B-1728B52AA6E4}">
+                <adec:decorative xmlns:adec="http://schemas.microsoft.com/office/drawing/2017/decorative" val="1"/>
+              </a:ext>
+            </a:extLst>
+          </p:cNvPr>
+          <p:cNvSpPr>
+            <a:spLocks noGrp="1" noRot="1" noChangeAspect="1" noMove="1" noResize="1" noEditPoints="1" noAdjustHandles="1" noChangeArrowheads="1" noChangeShapeType="1" noTextEdit="1"/>
+          </p:cNvSpPr>
+          <p:nvPr>
+            <p:extLst>
+              <p:ext uri="{386F3935-93C4-4BCD-93E2-E3B085C9AB24}">
+                <p16:designElem xmlns:p16="http://schemas.microsoft.com/office/powerpoint/2015/main" val="1"/>
+              </p:ext>
+            </p:extLst>
+          </p:nvPr>
+        </p:nvSpPr>
+        <p:spPr>
+          <a:xfrm flipH="1">
+            <a:off x="11755696" y="4013200"/>
+            <a:ext cx="448733" cy="2844800"/>
+          </a:xfrm>
+          <a:prstGeom prst="triangle">
+            <a:avLst>
+              <a:gd name="adj" fmla="val 0"/>
+            </a:avLst>
+          </a:prstGeom>
+          <a:solidFill>
+            <a:schemeClr val="accent1">
+              <a:alpha val="85000"/>
+            </a:schemeClr>
+          </a:solidFill>
+          <a:ln>
+            <a:noFill/>
+          </a:ln>
+          <a:effectLst/>
+        </p:spPr>
+        <p:style>
+          <a:lnRef idx="1">
+            <a:schemeClr val="accent1"/>
+          </a:lnRef>
+          <a:fillRef idx="3">
+            <a:schemeClr val="accent1"/>
+          </a:fillRef>
+          <a:effectRef idx="2">
+            <a:schemeClr val="accent1"/>
+          </a:effectRef>
+          <a:fontRef idx="minor">
+            <a:schemeClr val="lt1"/>
+          </a:fontRef>
+        </p:style>
+        <p:txBody>
+          <a:bodyPr/>
+          <a:lstStyle/>
+          <a:p>
+            <a:endParaRPr lang="en-US" dirty="0"/>
+          </a:p>
+        </p:txBody>
+      </p:sp>
+      <p:pic>
+        <p:nvPicPr>
+          <p:cNvPr id="29" name="Image 28">
+            <a:extLst>
+              <a:ext uri="{FF2B5EF4-FFF2-40B4-BE49-F238E27FC236}">
+                <a16:creationId xmlns:a16="http://schemas.microsoft.com/office/drawing/2014/main" id="{CD497FA0-BBD1-4842-A4EC-723B7BA68253}"/>
+              </a:ext>
+            </a:extLst>
+          </p:cNvPr>
+          <p:cNvPicPr>
+            <a:picLocks noChangeAspect="1"/>
+          </p:cNvPicPr>
+          <p:nvPr/>
+        </p:nvPicPr>
+        <p:blipFill>
+          <a:blip r:embed="rId2"/>
+          <a:stretch>
+            <a:fillRect/>
+          </a:stretch>
+        </p:blipFill>
+        <p:spPr>
+          <a:xfrm>
+            <a:off x="5716872" y="723900"/>
+            <a:ext cx="2787158" cy="3125785"/>
+          </a:xfrm>
+          <a:prstGeom prst="rect">
+            <a:avLst/>
+          </a:prstGeom>
+        </p:spPr>
+      </p:pic>
+      <p:pic>
+        <p:nvPicPr>
+          <p:cNvPr id="30" name="Image 29" descr="Une image contenant texte&#10;&#10;Description générée automatiquement">
+            <a:extLst>
+              <a:ext uri="{FF2B5EF4-FFF2-40B4-BE49-F238E27FC236}">
+                <a16:creationId xmlns:a16="http://schemas.microsoft.com/office/drawing/2014/main" id="{C647F96E-C0FA-479D-8D50-E952C346196E}"/>
+              </a:ext>
+            </a:extLst>
+          </p:cNvPr>
+          <p:cNvPicPr>
+            <a:picLocks noChangeAspect="1"/>
+          </p:cNvPicPr>
+          <p:nvPr/>
+        </p:nvPicPr>
+        <p:blipFill>
+          <a:blip r:embed="rId3">
+            <a:extLst>
+              <a:ext uri="{28A0092B-C50C-407E-A947-70E740481C1C}">
+                <a14:useLocalDpi xmlns:a14="http://schemas.microsoft.com/office/drawing/2010/main" val="0"/>
+              </a:ext>
+            </a:extLst>
+          </a:blip>
+          <a:stretch>
+            <a:fillRect/>
+          </a:stretch>
+        </p:blipFill>
+        <p:spPr>
+          <a:xfrm>
+            <a:off x="9129699" y="723900"/>
+            <a:ext cx="2494597" cy="2654942"/>
+          </a:xfrm>
+          <a:prstGeom prst="rect">
+            <a:avLst/>
+          </a:prstGeom>
+        </p:spPr>
+      </p:pic>
+      <p:pic>
+        <p:nvPicPr>
+          <p:cNvPr id="31" name="Image 30" descr="Une image contenant noir, mur, intérieur, assis&#10;&#10;Description générée automatiquement">
+            <a:extLst>
+              <a:ext uri="{FF2B5EF4-FFF2-40B4-BE49-F238E27FC236}">
+                <a16:creationId xmlns:a16="http://schemas.microsoft.com/office/drawing/2014/main" id="{D889C11D-6AE3-4909-8EA4-188836D66E09}"/>
+              </a:ext>
+            </a:extLst>
+          </p:cNvPr>
+          <p:cNvPicPr>
+            <a:picLocks noChangeAspect="1"/>
+          </p:cNvPicPr>
+          <p:nvPr/>
+        </p:nvPicPr>
+        <p:blipFill rotWithShape="1">
+          <a:blip r:embed="rId4">
+            <a:extLst>
+              <a:ext uri="{28A0092B-C50C-407E-A947-70E740481C1C}">
+                <a14:useLocalDpi xmlns:a14="http://schemas.microsoft.com/office/drawing/2010/main" val="0"/>
+              </a:ext>
+            </a:extLst>
+          </a:blip>
+          <a:srcRect l="35388" t="10096" r="22631" b="15341"/>
+          <a:stretch/>
+        </p:blipFill>
+        <p:spPr>
+          <a:xfrm>
+            <a:off x="7469268" y="3791102"/>
+            <a:ext cx="2695194" cy="2692738"/>
+          </a:xfrm>
+          <a:prstGeom prst="rect">
+            <a:avLst/>
+          </a:prstGeom>
+        </p:spPr>
+      </p:pic>
+    </p:spTree>
+    <p:extLst>
+      <p:ext uri="{BB962C8B-B14F-4D97-AF65-F5344CB8AC3E}">
+        <p14:creationId xmlns:p14="http://schemas.microsoft.com/office/powerpoint/2010/main" val="2497031422"/>
+      </p:ext>
+    </p:extLst>
+  </p:cSld>
+  <p:clrMapOvr>
+    <a:masterClrMapping/>
+  </p:clrMapOvr>
+</p:sld>
+</file>
+
+<file path=ppt/slides/slide7.xml><?xml version="1.0" encoding="utf-8"?>
+<p:sld xmlns:a="http://schemas.openxmlformats.org/drawingml/2006/main" xmlns:r="http://schemas.openxmlformats.org/officeDocument/2006/relationships" xmlns:p="http://schemas.openxmlformats.org/presentationml/2006/main">
+  <p:cSld>
+    <p:bg>
+      <p:bgPr>
+        <a:solidFill>
+          <a:schemeClr val="bg1"/>
+        </a:solidFill>
+        <a:effectLst/>
+      </p:bgPr>
+    </p:bg>
+    <p:spTree>
+      <p:nvGrpSpPr>
+        <p:cNvPr id="1" name=""/>
+        <p:cNvGrpSpPr/>
+        <p:nvPr/>
+      </p:nvGrpSpPr>
+      <p:grpSpPr>
+        <a:xfrm>
+          <a:off x="0" y="0"/>
+          <a:ext cx="0" cy="0"/>
+          <a:chOff x="0" y="0"/>
+          <a:chExt cx="0" cy="0"/>
+        </a:xfrm>
+      </p:grpSpPr>
+      <p:sp useBgFill="1">
+        <p:nvSpPr>
+          <p:cNvPr id="11" name="Rectangle 10">
+            <a:extLst>
+              <a:ext uri="{FF2B5EF4-FFF2-40B4-BE49-F238E27FC236}">
+                <a16:creationId xmlns:a16="http://schemas.microsoft.com/office/drawing/2014/main" id="{9F4444CE-BC8D-4D61-B303-4C05614E62AB}"/>
+              </a:ext>
+              <a:ext uri="{C183D7F6-B498-43B3-948B-1728B52AA6E4}">
+                <adec:decorative xmlns:adec="http://schemas.microsoft.com/office/drawing/2017/decorative" val="1"/>
+              </a:ext>
+            </a:extLst>
+          </p:cNvPr>
+          <p:cNvSpPr>
+            <a:spLocks noGrp="1" noRot="1" noChangeAspect="1" noMove="1" noResize="1" noEditPoints="1" noAdjustHandles="1" noChangeArrowheads="1" noChangeShapeType="1" noTextEdit="1"/>
+          </p:cNvSpPr>
+          <p:nvPr>
+            <p:extLst>
+              <p:ext uri="{386F3935-93C4-4BCD-93E2-E3B085C9AB24}">
+                <p16:designElem xmlns:p16="http://schemas.microsoft.com/office/powerpoint/2015/main" val="1"/>
+              </p:ext>
+            </p:extLst>
+          </p:nvPr>
+        </p:nvSpPr>
+        <p:spPr>
+          <a:xfrm>
+            <a:off x="0" y="0"/>
+            <a:ext cx="12192000" cy="6858000"/>
+          </a:xfrm>
+          <a:prstGeom prst="rect">
+            <a:avLst/>
+          </a:prstGeom>
+          <a:ln>
+            <a:noFill/>
+          </a:ln>
+        </p:spPr>
+        <p:style>
+          <a:lnRef idx="2">
+            <a:schemeClr val="accent1">
+              <a:shade val="50000"/>
+            </a:schemeClr>
+          </a:lnRef>
+          <a:fillRef idx="1">
+            <a:schemeClr val="accent1"/>
+          </a:fillRef>
+          <a:effectRef idx="0">
+            <a:schemeClr val="accent1"/>
+          </a:effectRef>
+          <a:fontRef idx="minor">
+            <a:schemeClr val="lt1"/>
+          </a:fontRef>
+        </p:style>
+        <p:txBody>
+          <a:bodyPr rtlCol="0" anchor="ctr"/>
+          <a:lstStyle/>
+          <a:p>
+            <a:pPr algn="ctr"/>
+            <a:endParaRPr lang="en-US"/>
+          </a:p>
+        </p:txBody>
+      </p:sp>
+      <p:sp>
+        <p:nvSpPr>
+          <p:cNvPr id="13" name="Rectangle 12">
+            <a:extLst>
+              <a:ext uri="{FF2B5EF4-FFF2-40B4-BE49-F238E27FC236}">
+                <a16:creationId xmlns:a16="http://schemas.microsoft.com/office/drawing/2014/main" id="{62423CA5-E2E1-4789-B759-9906C1C94063}"/>
+              </a:ext>
+              <a:ext uri="{C183D7F6-B498-43B3-948B-1728B52AA6E4}">
+                <adec:decorative xmlns:adec="http://schemas.microsoft.com/office/drawing/2017/decorative" val="1"/>
+              </a:ext>
+            </a:extLst>
+          </p:cNvPr>
+          <p:cNvSpPr>
+            <a:spLocks noGrp="1" noRot="1" noChangeAspect="1" noMove="1" noResize="1" noEditPoints="1" noAdjustHandles="1" noChangeArrowheads="1" noChangeShapeType="1" noTextEdit="1"/>
+          </p:cNvSpPr>
+          <p:nvPr>
+            <p:extLst>
+              <p:ext uri="{386F3935-93C4-4BCD-93E2-E3B085C9AB24}">
+                <p16:designElem xmlns:p16="http://schemas.microsoft.com/office/powerpoint/2015/main" val="1"/>
+              </p:ext>
+            </p:extLst>
+          </p:nvPr>
+        </p:nvSpPr>
+        <p:spPr>
+          <a:xfrm>
+            <a:off x="0" y="-3"/>
+            <a:ext cx="4660126" cy="6858000"/>
+          </a:xfrm>
+          <a:prstGeom prst="rect">
+            <a:avLst/>
+          </a:prstGeom>
+          <a:solidFill>
+            <a:schemeClr val="tx2"/>
+          </a:solidFill>
+          <a:ln>
+            <a:noFill/>
+          </a:ln>
+          <a:effectLst/>
+        </p:spPr>
+        <p:style>
+          <a:lnRef idx="1">
+            <a:schemeClr val="accent1"/>
+          </a:lnRef>
+          <a:fillRef idx="3">
+            <a:schemeClr val="accent1"/>
+          </a:fillRef>
+          <a:effectRef idx="2">
+            <a:schemeClr val="accent1"/>
+          </a:effectRef>
+          <a:fontRef idx="minor">
+            <a:schemeClr val="lt1"/>
+          </a:fontRef>
+        </p:style>
+        <p:txBody>
+          <a:bodyPr/>
+          <a:lstStyle/>
+          <a:p>
+            <a:endParaRPr lang="en-US"/>
+          </a:p>
+        </p:txBody>
+      </p:sp>
+      <p:sp>
+        <p:nvSpPr>
+          <p:cNvPr id="15" name="Isosceles Triangle 14">
+            <a:extLst>
+              <a:ext uri="{FF2B5EF4-FFF2-40B4-BE49-F238E27FC236}">
+                <a16:creationId xmlns:a16="http://schemas.microsoft.com/office/drawing/2014/main" id="{73772B81-181F-48B7-8826-4D9686D15DF5}"/>
+              </a:ext>
+              <a:ext uri="{C183D7F6-B498-43B3-948B-1728B52AA6E4}">
+                <adec:decorative xmlns:adec="http://schemas.microsoft.com/office/drawing/2017/decorative" val="1"/>
+              </a:ext>
+            </a:extLst>
+          </p:cNvPr>
+          <p:cNvSpPr>
+            <a:spLocks noGrp="1" noRot="1" noChangeAspect="1" noMove="1" noResize="1" noEditPoints="1" noAdjustHandles="1" noChangeArrowheads="1" noChangeShapeType="1" noTextEdit="1"/>
+          </p:cNvSpPr>
+          <p:nvPr>
+            <p:extLst>
+              <p:ext uri="{386F3935-93C4-4BCD-93E2-E3B085C9AB24}">
+                <p16:designElem xmlns:p16="http://schemas.microsoft.com/office/powerpoint/2015/main" val="1"/>
+              </p:ext>
+            </p:extLst>
+          </p:nvPr>
+        </p:nvSpPr>
+        <p:spPr>
+          <a:xfrm rot="10800000">
+            <a:off x="4660127" y="-3"/>
+            <a:ext cx="1056745" cy="6858001"/>
+          </a:xfrm>
+          <a:prstGeom prst="triangle">
+            <a:avLst>
+              <a:gd name="adj" fmla="val 100000"/>
+            </a:avLst>
+          </a:prstGeom>
+          <a:solidFill>
+            <a:schemeClr val="tx2"/>
+          </a:solidFill>
+          <a:ln>
+            <a:noFill/>
+          </a:ln>
+          <a:effectLst/>
+        </p:spPr>
+        <p:style>
+          <a:lnRef idx="1">
+            <a:schemeClr val="accent1"/>
+          </a:lnRef>
+          <a:fillRef idx="3">
+            <a:schemeClr val="accent1"/>
+          </a:fillRef>
+          <a:effectRef idx="2">
+            <a:schemeClr val="accent1"/>
+          </a:effectRef>
+          <a:fontRef idx="minor">
+            <a:schemeClr val="lt1"/>
+          </a:fontRef>
+        </p:style>
+        <p:txBody>
+          <a:bodyPr/>
+          <a:lstStyle/>
+          <a:p>
+            <a:endParaRPr lang="en-US" dirty="0"/>
+          </a:p>
+        </p:txBody>
+      </p:sp>
+      <p:sp>
+        <p:nvSpPr>
+          <p:cNvPr id="4" name="Titre 1">
+            <a:extLst>
+              <a:ext uri="{FF2B5EF4-FFF2-40B4-BE49-F238E27FC236}">
+                <a16:creationId xmlns:a16="http://schemas.microsoft.com/office/drawing/2014/main" id="{A3AFACB3-BA3C-4B7D-90E8-9A9F99990D72}"/>
+              </a:ext>
+            </a:extLst>
+          </p:cNvPr>
+          <p:cNvSpPr>
+            <a:spLocks noGrp="1"/>
+          </p:cNvSpPr>
+          <p:nvPr>
+            <p:ph type="title"/>
+          </p:nvPr>
+        </p:nvSpPr>
+        <p:spPr>
+          <a:xfrm>
+            <a:off x="673754" y="643467"/>
+            <a:ext cx="4203045" cy="1375608"/>
+          </a:xfrm>
+        </p:spPr>
+        <p:txBody>
+          <a:bodyPr anchor="ctr">
+            <a:normAutofit/>
+          </a:bodyPr>
+          <a:lstStyle/>
+          <a:p>
+            <a:pPr>
+              <a:lnSpc>
+                <a:spcPct val="90000"/>
+              </a:lnSpc>
+            </a:pPr>
+            <a:r>
+              <a:rPr lang="fr-FR" sz="2800">
+                <a:solidFill>
+                  <a:schemeClr val="bg1"/>
+                </a:solidFill>
+              </a:rPr>
+              <a:t>Le code : étape 4</a:t>
+            </a:r>
+            <a:br>
+              <a:rPr lang="fr-FR" sz="2800">
+                <a:solidFill>
+                  <a:schemeClr val="bg1"/>
+                </a:solidFill>
+              </a:rPr>
+            </a:br>
+            <a:r>
+              <a:rPr lang="fr-FR" sz="2800">
+                <a:solidFill>
+                  <a:schemeClr val="bg1"/>
+                </a:solidFill>
+              </a:rPr>
+              <a:t>détection de la grille et redressage de la photo</a:t>
+            </a:r>
+          </a:p>
+        </p:txBody>
+      </p:sp>
+      <p:sp>
+        <p:nvSpPr>
+          <p:cNvPr id="3" name="Espace réservé du contenu 2">
+            <a:extLst>
+              <a:ext uri="{FF2B5EF4-FFF2-40B4-BE49-F238E27FC236}">
+                <a16:creationId xmlns:a16="http://schemas.microsoft.com/office/drawing/2014/main" id="{442181A1-6CDD-4D52-BF21-98DBBDE08B7F}"/>
+              </a:ext>
+            </a:extLst>
+          </p:cNvPr>
+          <p:cNvSpPr>
+            <a:spLocks noGrp="1"/>
+          </p:cNvSpPr>
+          <p:nvPr>
+            <p:ph idx="1"/>
+          </p:nvPr>
+        </p:nvSpPr>
+        <p:spPr>
+          <a:xfrm>
+            <a:off x="673754" y="2160590"/>
+            <a:ext cx="3973943" cy="3440110"/>
+          </a:xfrm>
+        </p:spPr>
+        <p:txBody>
+          <a:bodyPr>
+            <a:normAutofit/>
+          </a:bodyPr>
+          <a:lstStyle/>
+          <a:p>
+            <a:r>
+              <a:rPr lang="fr-FR" dirty="0">
+                <a:solidFill>
+                  <a:schemeClr val="bg1"/>
+                </a:solidFill>
+              </a:rPr>
+              <a:t>Chloé</a:t>
+            </a:r>
+          </a:p>
+        </p:txBody>
+      </p:sp>
+      <p:pic>
+        <p:nvPicPr>
+          <p:cNvPr id="8" name="Graphic 7">
+            <a:extLst>
+              <a:ext uri="{FF2B5EF4-FFF2-40B4-BE49-F238E27FC236}">
+                <a16:creationId xmlns:a16="http://schemas.microsoft.com/office/drawing/2014/main" id="{5D2D86DE-B3E7-4394-85B8-3115ADDEBEBA}"/>
+              </a:ext>
+            </a:extLst>
+          </p:cNvPr>
+          <p:cNvPicPr>
+            <a:picLocks noChangeAspect="1"/>
+          </p:cNvPicPr>
+          <p:nvPr/>
+        </p:nvPicPr>
+        <p:blipFill>
+          <a:blip r:embed="rId2">
+            <a:extLst>
+              <a:ext uri="{28A0092B-C50C-407E-A947-70E740481C1C}">
+                <a14:useLocalDpi xmlns:a14="http://schemas.microsoft.com/office/drawing/2010/main" val="0"/>
+              </a:ext>
+              <a:ext uri="{96DAC541-7B7A-43D3-8B79-37D633B846F1}">
+                <asvg:svgBlip xmlns:asvg="http://schemas.microsoft.com/office/drawing/2016/SVG/main" r:embed="rId3"/>
+              </a:ext>
+            </a:extLst>
+          </a:blip>
+          <a:stretch>
+            <a:fillRect/>
+          </a:stretch>
+        </p:blipFill>
+        <p:spPr>
+          <a:xfrm>
+            <a:off x="6217616" y="972608"/>
+            <a:ext cx="4900269" cy="4900269"/>
+          </a:xfrm>
+          <a:prstGeom prst="rect">
+            <a:avLst/>
+          </a:prstGeom>
+        </p:spPr>
+      </p:pic>
+      <p:sp>
+        <p:nvSpPr>
+          <p:cNvPr id="17" name="Isosceles Triangle 16">
+            <a:extLst>
+              <a:ext uri="{FF2B5EF4-FFF2-40B4-BE49-F238E27FC236}">
+                <a16:creationId xmlns:a16="http://schemas.microsoft.com/office/drawing/2014/main" id="{B2205F6E-03C6-4E92-877C-E2482F6599AA}"/>
+              </a:ext>
+              <a:ext uri="{C183D7F6-B498-43B3-948B-1728B52AA6E4}">
+                <adec:decorative xmlns:adec="http://schemas.microsoft.com/office/drawing/2017/decorative" val="1"/>
+              </a:ext>
+            </a:extLst>
+          </p:cNvPr>
+          <p:cNvSpPr>
+            <a:spLocks noGrp="1" noRot="1" noChangeAspect="1" noMove="1" noResize="1" noEditPoints="1" noAdjustHandles="1" noChangeArrowheads="1" noChangeShapeType="1" noTextEdit="1"/>
+          </p:cNvSpPr>
+          <p:nvPr>
+            <p:extLst>
+              <p:ext uri="{386F3935-93C4-4BCD-93E2-E3B085C9AB24}">
+                <p16:designElem xmlns:p16="http://schemas.microsoft.com/office/powerpoint/2015/main" val="1"/>
+              </p:ext>
+            </p:extLst>
+          </p:nvPr>
+        </p:nvSpPr>
+        <p:spPr>
+          <a:xfrm flipH="1">
+            <a:off x="11755696" y="4013200"/>
+            <a:ext cx="448733" cy="2844800"/>
+          </a:xfrm>
+          <a:prstGeom prst="triangle">
+            <a:avLst>
+              <a:gd name="adj" fmla="val 0"/>
+            </a:avLst>
+          </a:prstGeom>
+          <a:solidFill>
+            <a:schemeClr val="accent1">
+              <a:alpha val="85000"/>
+            </a:schemeClr>
+          </a:solidFill>
+          <a:ln>
+            <a:noFill/>
+          </a:ln>
+          <a:effectLst/>
+        </p:spPr>
+        <p:style>
+          <a:lnRef idx="1">
+            <a:schemeClr val="accent1"/>
+          </a:lnRef>
+          <a:fillRef idx="3">
+            <a:schemeClr val="accent1"/>
+          </a:fillRef>
+          <a:effectRef idx="2">
+            <a:schemeClr val="accent1"/>
+          </a:effectRef>
+          <a:fontRef idx="minor">
+            <a:schemeClr val="lt1"/>
+          </a:fontRef>
+        </p:style>
+        <p:txBody>
+          <a:bodyPr/>
+          <a:lstStyle/>
+          <a:p>
+            <a:endParaRPr lang="en-US" dirty="0"/>
+          </a:p>
+        </p:txBody>
+      </p:sp>
+    </p:spTree>
+    <p:extLst>
+      <p:ext uri="{BB962C8B-B14F-4D97-AF65-F5344CB8AC3E}">
+        <p14:creationId xmlns:p14="http://schemas.microsoft.com/office/powerpoint/2010/main" val="547328288"/>
+      </p:ext>
+    </p:extLst>
+  </p:cSld>
+  <p:clrMapOvr>
+    <a:masterClrMapping/>
+  </p:clrMapOvr>
+</p:sld>
+</file>
+
+<file path=ppt/slides/slide8.xml><?xml version="1.0" encoding="utf-8"?>
+<p:sld xmlns:a="http://schemas.openxmlformats.org/drawingml/2006/main" xmlns:r="http://schemas.openxmlformats.org/officeDocument/2006/relationships" xmlns:p="http://schemas.openxmlformats.org/presentationml/2006/main">
+  <p:cSld>
+    <p:bg>
+      <p:bgPr>
+        <a:solidFill>
+          <a:schemeClr val="bg1"/>
+        </a:solidFill>
+        <a:effectLst/>
+      </p:bgPr>
+    </p:bg>
+    <p:spTree>
+      <p:nvGrpSpPr>
+        <p:cNvPr id="1" name=""/>
+        <p:cNvGrpSpPr/>
+        <p:nvPr/>
+      </p:nvGrpSpPr>
+      <p:grpSpPr>
+        <a:xfrm>
+          <a:off x="0" y="0"/>
+          <a:ext cx="0" cy="0"/>
+          <a:chOff x="0" y="0"/>
+          <a:chExt cx="0" cy="0"/>
+        </a:xfrm>
+      </p:grpSpPr>
+      <p:sp useBgFill="1">
+        <p:nvSpPr>
+          <p:cNvPr id="71" name="Rectangle 70">
+            <a:extLst>
+              <a:ext uri="{FF2B5EF4-FFF2-40B4-BE49-F238E27FC236}">
+                <a16:creationId xmlns:a16="http://schemas.microsoft.com/office/drawing/2014/main" id="{9F4444CE-BC8D-4D61-B303-4C05614E62AB}"/>
+              </a:ext>
+              <a:ext uri="{C183D7F6-B498-43B3-948B-1728B52AA6E4}">
+                <adec:decorative xmlns:adec="http://schemas.microsoft.com/office/drawing/2017/decorative" val="1"/>
+              </a:ext>
+            </a:extLst>
+          </p:cNvPr>
+          <p:cNvSpPr>
+            <a:spLocks noGrp="1" noRot="1" noChangeAspect="1" noMove="1" noResize="1" noEditPoints="1" noAdjustHandles="1" noChangeArrowheads="1" noChangeShapeType="1" noTextEdit="1"/>
+          </p:cNvSpPr>
+          <p:nvPr>
+            <p:extLst>
+              <p:ext uri="{386F3935-93C4-4BCD-93E2-E3B085C9AB24}">
+                <p16:designElem xmlns:p16="http://schemas.microsoft.com/office/powerpoint/2015/main" val="1"/>
+              </p:ext>
+            </p:extLst>
+          </p:nvPr>
+        </p:nvSpPr>
+        <p:spPr>
+          <a:xfrm>
+            <a:off x="0" y="0"/>
+            <a:ext cx="12192000" cy="6858000"/>
+          </a:xfrm>
+          <a:prstGeom prst="rect">
+            <a:avLst/>
+          </a:prstGeom>
+          <a:ln>
+            <a:noFill/>
+          </a:ln>
+        </p:spPr>
+        <p:style>
+          <a:lnRef idx="2">
+            <a:schemeClr val="accent1">
+              <a:shade val="50000"/>
+            </a:schemeClr>
+          </a:lnRef>
+          <a:fillRef idx="1">
+            <a:schemeClr val="accent1"/>
+          </a:fillRef>
+          <a:effectRef idx="0">
+            <a:schemeClr val="accent1"/>
+          </a:effectRef>
+          <a:fontRef idx="minor">
+            <a:schemeClr val="lt1"/>
+          </a:fontRef>
+        </p:style>
+        <p:txBody>
+          <a:bodyPr rtlCol="0" anchor="ctr"/>
+          <a:lstStyle/>
+          <a:p>
+            <a:pPr algn="ctr"/>
+            <a:endParaRPr lang="en-US"/>
+          </a:p>
+        </p:txBody>
+      </p:sp>
+      <p:sp>
+        <p:nvSpPr>
+          <p:cNvPr id="73" name="Rectangle 72">
+            <a:extLst>
+              <a:ext uri="{FF2B5EF4-FFF2-40B4-BE49-F238E27FC236}">
+                <a16:creationId xmlns:a16="http://schemas.microsoft.com/office/drawing/2014/main" id="{62423CA5-E2E1-4789-B759-9906C1C94063}"/>
+              </a:ext>
+              <a:ext uri="{C183D7F6-B498-43B3-948B-1728B52AA6E4}">
+                <adec:decorative xmlns:adec="http://schemas.microsoft.com/office/drawing/2017/decorative" val="1"/>
+              </a:ext>
+            </a:extLst>
+          </p:cNvPr>
+          <p:cNvSpPr>
+            <a:spLocks noGrp="1" noRot="1" noChangeAspect="1" noMove="1" noResize="1" noEditPoints="1" noAdjustHandles="1" noChangeArrowheads="1" noChangeShapeType="1" noTextEdit="1"/>
+          </p:cNvSpPr>
+          <p:nvPr>
+            <p:extLst>
+              <p:ext uri="{386F3935-93C4-4BCD-93E2-E3B085C9AB24}">
+                <p16:designElem xmlns:p16="http://schemas.microsoft.com/office/powerpoint/2015/main" val="1"/>
+              </p:ext>
+            </p:extLst>
+          </p:nvPr>
+        </p:nvSpPr>
+        <p:spPr>
+          <a:xfrm>
+            <a:off x="0" y="-3"/>
+            <a:ext cx="4660126" cy="6858000"/>
+          </a:xfrm>
+          <a:prstGeom prst="rect">
+            <a:avLst/>
+          </a:prstGeom>
+          <a:solidFill>
+            <a:schemeClr val="tx2"/>
+          </a:solidFill>
+          <a:ln>
+            <a:noFill/>
+          </a:ln>
+          <a:effectLst/>
+        </p:spPr>
+        <p:style>
+          <a:lnRef idx="1">
+            <a:schemeClr val="accent1"/>
+          </a:lnRef>
+          <a:fillRef idx="3">
+            <a:schemeClr val="accent1"/>
+          </a:fillRef>
+          <a:effectRef idx="2">
+            <a:schemeClr val="accent1"/>
+          </a:effectRef>
+          <a:fontRef idx="minor">
+            <a:schemeClr val="lt1"/>
+          </a:fontRef>
+        </p:style>
+        <p:txBody>
+          <a:bodyPr/>
+          <a:lstStyle/>
+          <a:p>
+            <a:endParaRPr lang="en-US"/>
+          </a:p>
+        </p:txBody>
+      </p:sp>
+      <p:sp>
+        <p:nvSpPr>
+          <p:cNvPr id="75" name="Isosceles Triangle 74">
+            <a:extLst>
+              <a:ext uri="{FF2B5EF4-FFF2-40B4-BE49-F238E27FC236}">
+                <a16:creationId xmlns:a16="http://schemas.microsoft.com/office/drawing/2014/main" id="{73772B81-181F-48B7-8826-4D9686D15DF5}"/>
+              </a:ext>
+              <a:ext uri="{C183D7F6-B498-43B3-948B-1728B52AA6E4}">
+                <adec:decorative xmlns:adec="http://schemas.microsoft.com/office/drawing/2017/decorative" val="1"/>
+              </a:ext>
+            </a:extLst>
+          </p:cNvPr>
+          <p:cNvSpPr>
+            <a:spLocks noGrp="1" noRot="1" noChangeAspect="1" noMove="1" noResize="1" noEditPoints="1" noAdjustHandles="1" noChangeArrowheads="1" noChangeShapeType="1" noTextEdit="1"/>
+          </p:cNvSpPr>
+          <p:nvPr>
+            <p:extLst>
+              <p:ext uri="{386F3935-93C4-4BCD-93E2-E3B085C9AB24}">
+                <p16:designElem xmlns:p16="http://schemas.microsoft.com/office/powerpoint/2015/main" val="1"/>
+              </p:ext>
+            </p:extLst>
+          </p:nvPr>
+        </p:nvSpPr>
+        <p:spPr>
+          <a:xfrm rot="10800000">
+            <a:off x="4660127" y="-3"/>
+            <a:ext cx="1056745" cy="6858001"/>
+          </a:xfrm>
+          <a:prstGeom prst="triangle">
+            <a:avLst>
+              <a:gd name="adj" fmla="val 100000"/>
+            </a:avLst>
+          </a:prstGeom>
+          <a:solidFill>
+            <a:schemeClr val="tx2"/>
+          </a:solidFill>
+          <a:ln>
+            <a:noFill/>
+          </a:ln>
+          <a:effectLst/>
+        </p:spPr>
+        <p:style>
+          <a:lnRef idx="1">
+            <a:schemeClr val="accent1"/>
+          </a:lnRef>
+          <a:fillRef idx="3">
+            <a:schemeClr val="accent1"/>
+          </a:fillRef>
+          <a:effectRef idx="2">
+            <a:schemeClr val="accent1"/>
+          </a:effectRef>
+          <a:fontRef idx="minor">
+            <a:schemeClr val="lt1"/>
+          </a:fontRef>
+        </p:style>
+        <p:txBody>
+          <a:bodyPr/>
+          <a:lstStyle/>
+          <a:p>
+            <a:endParaRPr lang="en-US" dirty="0"/>
+          </a:p>
+        </p:txBody>
+      </p:sp>
+      <p:sp>
+        <p:nvSpPr>
+          <p:cNvPr id="2" name="Titre 1">
+            <a:extLst>
+              <a:ext uri="{FF2B5EF4-FFF2-40B4-BE49-F238E27FC236}">
+                <a16:creationId xmlns:a16="http://schemas.microsoft.com/office/drawing/2014/main" id="{4C235DB3-6D86-406B-99E0-7150B2305091}"/>
+              </a:ext>
+            </a:extLst>
+          </p:cNvPr>
+          <p:cNvSpPr>
+            <a:spLocks noGrp="1"/>
+          </p:cNvSpPr>
+          <p:nvPr>
+            <p:ph type="title"/>
+          </p:nvPr>
+        </p:nvSpPr>
+        <p:spPr>
+          <a:xfrm>
+            <a:off x="673754" y="643467"/>
+            <a:ext cx="4203045" cy="1375608"/>
+          </a:xfrm>
+        </p:spPr>
+        <p:txBody>
+          <a:bodyPr anchor="ctr">
+            <a:normAutofit/>
+          </a:bodyPr>
+          <a:lstStyle/>
+          <a:p>
+            <a:pPr>
+              <a:lnSpc>
+                <a:spcPct val="90000"/>
+              </a:lnSpc>
+            </a:pPr>
+            <a:r>
+              <a:rPr lang="fr-FR" sz="3100">
+                <a:solidFill>
+                  <a:schemeClr val="bg1"/>
+                </a:solidFill>
+              </a:rPr>
+              <a:t>Le code : étape 5</a:t>
+            </a:r>
+            <a:br>
+              <a:rPr lang="fr-FR" sz="3100">
+                <a:solidFill>
+                  <a:schemeClr val="bg1"/>
+                </a:solidFill>
+              </a:rPr>
+            </a:br>
+            <a:r>
+              <a:rPr lang="fr-FR" sz="3100">
+                <a:solidFill>
+                  <a:schemeClr val="bg1"/>
+                </a:solidFill>
+              </a:rPr>
+              <a:t>vérification de la grille par l’utilisateur</a:t>
+            </a:r>
+          </a:p>
+        </p:txBody>
+      </p:sp>
+      <p:sp>
+        <p:nvSpPr>
+          <p:cNvPr id="14" name="Espace réservé du contenu 2">
+            <a:extLst>
+              <a:ext uri="{FF2B5EF4-FFF2-40B4-BE49-F238E27FC236}">
+                <a16:creationId xmlns:a16="http://schemas.microsoft.com/office/drawing/2014/main" id="{84311324-73D4-45E8-A66A-0726C0CA562A}"/>
+              </a:ext>
+            </a:extLst>
+          </p:cNvPr>
+          <p:cNvSpPr>
+            <a:spLocks noGrp="1"/>
+          </p:cNvSpPr>
+          <p:nvPr>
+            <p:ph idx="1"/>
+          </p:nvPr>
+        </p:nvSpPr>
+        <p:spPr>
+          <a:xfrm>
+            <a:off x="673754" y="2160590"/>
+            <a:ext cx="3973943" cy="3440110"/>
+          </a:xfrm>
+        </p:spPr>
+        <p:txBody>
+          <a:bodyPr>
+            <a:normAutofit/>
+          </a:bodyPr>
+          <a:lstStyle/>
+          <a:p>
+            <a:r>
+              <a:rPr lang="fr-FR">
+                <a:solidFill>
+                  <a:schemeClr val="bg1"/>
+                </a:solidFill>
+              </a:rPr>
+              <a:t>Raphaël et Tristan</a:t>
+            </a:r>
+          </a:p>
+        </p:txBody>
+      </p:sp>
+      <p:pic>
+        <p:nvPicPr>
+          <p:cNvPr id="1026" name="Picture 2" descr="https://scontent-cdg2-1.xx.fbcdn.net/v/t1.15752-9/78069182_714913302362821_4504875906967273472_n.png?_nc_cat=109&amp;_nc_ohc=P9EVX558macAQlaY5AOIawhM2NIrP4qEuLNpByWHhRFK3mcMmLGi2yxLw&amp;_nc_ht=scontent-cdg2-1.xx&amp;oh=5b18e0c4963af783d14a2d485b68ca14&amp;oe=5E8BAF05">
+            <a:extLst>
+              <a:ext uri="{FF2B5EF4-FFF2-40B4-BE49-F238E27FC236}">
+                <a16:creationId xmlns:a16="http://schemas.microsoft.com/office/drawing/2014/main" id="{DBDB9EDA-E8A0-4464-8597-ADA27761112C}"/>
+              </a:ext>
+            </a:extLst>
+          </p:cNvPr>
+          <p:cNvPicPr>
+            <a:picLocks noChangeAspect="1" noChangeArrowheads="1"/>
+          </p:cNvPicPr>
+          <p:nvPr/>
+        </p:nvPicPr>
+        <p:blipFill>
+          <a:blip r:embed="rId2">
+            <a:extLst>
+              <a:ext uri="{28A0092B-C50C-407E-A947-70E740481C1C}">
+                <a14:useLocalDpi xmlns:a14="http://schemas.microsoft.com/office/drawing/2010/main" val="0"/>
+              </a:ext>
+            </a:extLst>
+          </a:blip>
+          <a:stretch>
+            <a:fillRect/>
+          </a:stretch>
+        </p:blipFill>
+        <p:spPr bwMode="auto">
+          <a:xfrm>
+            <a:off x="6312673" y="857797"/>
+            <a:ext cx="4602950" cy="5357980"/>
+          </a:xfrm>
+          <a:prstGeom prst="rect">
+            <a:avLst/>
+          </a:prstGeom>
+          <a:noFill/>
+          <a:extLst>
+            <a:ext uri="{909E8E84-426E-40DD-AFC4-6F175D3DCCD1}">
+              <a14:hiddenFill xmlns:a14="http://schemas.microsoft.com/office/drawing/2010/main">
+                <a:solidFill>
+                  <a:srgbClr val="FFFFFF"/>
+                </a:solidFill>
+              </a14:hiddenFill>
+            </a:ext>
+          </a:extLst>
+        </p:spPr>
+      </p:pic>
+      <p:sp>
+        <p:nvSpPr>
+          <p:cNvPr id="77" name="Isosceles Triangle 76">
+            <a:extLst>
+              <a:ext uri="{FF2B5EF4-FFF2-40B4-BE49-F238E27FC236}">
+                <a16:creationId xmlns:a16="http://schemas.microsoft.com/office/drawing/2014/main" id="{B2205F6E-03C6-4E92-877C-E2482F6599AA}"/>
+              </a:ext>
+              <a:ext uri="{C183D7F6-B498-43B3-948B-1728B52AA6E4}">
+                <adec:decorative xmlns:adec="http://schemas.microsoft.com/office/drawing/2017/decorative" val="1"/>
+              </a:ext>
+            </a:extLst>
+          </p:cNvPr>
+          <p:cNvSpPr>
+            <a:spLocks noGrp="1" noRot="1" noChangeAspect="1" noMove="1" noResize="1" noEditPoints="1" noAdjustHandles="1" noChangeArrowheads="1" noChangeShapeType="1" noTextEdit="1"/>
+          </p:cNvSpPr>
+          <p:nvPr>
+            <p:extLst>
+              <p:ext uri="{386F3935-93C4-4BCD-93E2-E3B085C9AB24}">
+                <p16:designElem xmlns:p16="http://schemas.microsoft.com/office/powerpoint/2015/main" val="1"/>
+              </p:ext>
+            </p:extLst>
+          </p:nvPr>
+        </p:nvSpPr>
+        <p:spPr>
+          <a:xfrm flipH="1">
+            <a:off x="11755696" y="4013200"/>
+            <a:ext cx="448733" cy="2844800"/>
+          </a:xfrm>
+          <a:prstGeom prst="triangle">
+            <a:avLst>
+              <a:gd name="adj" fmla="val 0"/>
+            </a:avLst>
+          </a:prstGeom>
+          <a:solidFill>
+            <a:schemeClr val="accent1">
+              <a:alpha val="85000"/>
+            </a:schemeClr>
+          </a:solidFill>
+          <a:ln>
+            <a:noFill/>
+          </a:ln>
+          <a:effectLst/>
+        </p:spPr>
+        <p:style>
+          <a:lnRef idx="1">
+            <a:schemeClr val="accent1"/>
+          </a:lnRef>
+          <a:fillRef idx="3">
+            <a:schemeClr val="accent1"/>
+          </a:fillRef>
+          <a:effectRef idx="2">
+            <a:schemeClr val="accent1"/>
+          </a:effectRef>
+          <a:fontRef idx="minor">
+            <a:schemeClr val="lt1"/>
+          </a:fontRef>
+        </p:style>
+        <p:txBody>
+          <a:bodyPr/>
+          <a:lstStyle/>
+          <a:p>
+            <a:endParaRPr lang="en-US" dirty="0"/>
+          </a:p>
+        </p:txBody>
+      </p:sp>
+    </p:spTree>
+    <p:extLst>
+      <p:ext uri="{BB962C8B-B14F-4D97-AF65-F5344CB8AC3E}">
+        <p14:creationId xmlns:p14="http://schemas.microsoft.com/office/powerpoint/2010/main" val="4232747669"/>
+      </p:ext>
+    </p:extLst>
+  </p:cSld>
+  <p:clrMapOvr>
+    <a:masterClrMapping/>
+  </p:clrMapOvr>
+</p:sld>
+</file>
+
+<file path=ppt/slides/slide9.xml><?xml version="1.0" encoding="utf-8"?>
+<p:sld xmlns:a="http://schemas.openxmlformats.org/drawingml/2006/main" xmlns:r="http://schemas.openxmlformats.org/officeDocument/2006/relationships" xmlns:p="http://schemas.openxmlformats.org/presentationml/2006/main">
+  <p:cSld>
+    <p:bg>
+      <p:bgPr>
+        <a:solidFill>
+          <a:schemeClr val="bg1"/>
+        </a:solidFill>
+        <a:effectLst/>
+      </p:bgPr>
+    </p:bg>
+    <p:spTree>
+      <p:nvGrpSpPr>
+        <p:cNvPr id="1" name=""/>
+        <p:cNvGrpSpPr/>
+        <p:nvPr/>
+      </p:nvGrpSpPr>
+      <p:grpSpPr>
+        <a:xfrm>
+          <a:off x="0" y="0"/>
+          <a:ext cx="0" cy="0"/>
+          <a:chOff x="0" y="0"/>
+          <a:chExt cx="0" cy="0"/>
+        </a:xfrm>
+      </p:grpSpPr>
+      <p:sp useBgFill="1">
+        <p:nvSpPr>
+          <p:cNvPr id="42" name="Rectangle 41">
+            <a:extLst>
+              <a:ext uri="{FF2B5EF4-FFF2-40B4-BE49-F238E27FC236}">
+                <a16:creationId xmlns:a16="http://schemas.microsoft.com/office/drawing/2014/main" id="{9F4444CE-BC8D-4D61-B303-4C05614E62AB}"/>
+              </a:ext>
+              <a:ext uri="{C183D7F6-B498-43B3-948B-1728B52AA6E4}">
+                <adec:decorative xmlns:adec="http://schemas.microsoft.com/office/drawing/2017/decorative" val="1"/>
+              </a:ext>
+            </a:extLst>
+          </p:cNvPr>
+          <p:cNvSpPr>
+            <a:spLocks noGrp="1" noRot="1" noChangeAspect="1" noMove="1" noResize="1" noEditPoints="1" noAdjustHandles="1" noChangeArrowheads="1" noChangeShapeType="1" noTextEdit="1"/>
+          </p:cNvSpPr>
+          <p:nvPr>
+            <p:extLst>
+              <p:ext uri="{386F3935-93C4-4BCD-93E2-E3B085C9AB24}">
+                <p16:designElem xmlns:p16="http://schemas.microsoft.com/office/powerpoint/2015/main" val="1"/>
+              </p:ext>
+            </p:extLst>
+          </p:nvPr>
+        </p:nvSpPr>
+        <p:spPr>
+          <a:xfrm>
+            <a:off x="0" y="0"/>
+            <a:ext cx="12192000" cy="6858000"/>
+          </a:xfrm>
+          <a:prstGeom prst="rect">
+            <a:avLst/>
+          </a:prstGeom>
+          <a:ln>
+            <a:noFill/>
+          </a:ln>
+        </p:spPr>
+        <p:style>
+          <a:lnRef idx="2">
+            <a:schemeClr val="accent1">
+              <a:shade val="50000"/>
+            </a:schemeClr>
+          </a:lnRef>
+          <a:fillRef idx="1">
+            <a:schemeClr val="accent1"/>
+          </a:fillRef>
+          <a:effectRef idx="0">
+            <a:schemeClr val="accent1"/>
+          </a:effectRef>
+          <a:fontRef idx="minor">
+            <a:schemeClr val="lt1"/>
+          </a:fontRef>
+        </p:style>
+        <p:txBody>
+          <a:bodyPr rtlCol="0" anchor="ctr"/>
+          <a:lstStyle/>
+          <a:p>
+            <a:pPr algn="ctr"/>
+            <a:endParaRPr lang="en-US"/>
+          </a:p>
+        </p:txBody>
+      </p:sp>
+      <p:sp>
+        <p:nvSpPr>
+          <p:cNvPr id="44" name="Rectangle 43">
+            <a:extLst>
+              <a:ext uri="{FF2B5EF4-FFF2-40B4-BE49-F238E27FC236}">
+                <a16:creationId xmlns:a16="http://schemas.microsoft.com/office/drawing/2014/main" id="{62423CA5-E2E1-4789-B759-9906C1C94063}"/>
+              </a:ext>
+              <a:ext uri="{C183D7F6-B498-43B3-948B-1728B52AA6E4}">
+                <adec:decorative xmlns:adec="http://schemas.microsoft.com/office/drawing/2017/decorative" val="1"/>
+              </a:ext>
+            </a:extLst>
+          </p:cNvPr>
+          <p:cNvSpPr>
+            <a:spLocks noGrp="1" noRot="1" noChangeAspect="1" noMove="1" noResize="1" noEditPoints="1" noAdjustHandles="1" noChangeArrowheads="1" noChangeShapeType="1" noTextEdit="1"/>
+          </p:cNvSpPr>
+          <p:nvPr>
+            <p:extLst>
+              <p:ext uri="{386F3935-93C4-4BCD-93E2-E3B085C9AB24}">
+                <p16:designElem xmlns:p16="http://schemas.microsoft.com/office/powerpoint/2015/main" val="1"/>
+              </p:ext>
+            </p:extLst>
+          </p:nvPr>
+        </p:nvSpPr>
+        <p:spPr>
+          <a:xfrm>
+            <a:off x="0" y="-3"/>
+            <a:ext cx="4660126" cy="6858000"/>
+          </a:xfrm>
+          <a:prstGeom prst="rect">
+            <a:avLst/>
+          </a:prstGeom>
+          <a:solidFill>
+            <a:schemeClr val="tx2"/>
+          </a:solidFill>
+          <a:ln>
+            <a:noFill/>
+          </a:ln>
+          <a:effectLst/>
+        </p:spPr>
+        <p:style>
+          <a:lnRef idx="1">
+            <a:schemeClr val="accent1"/>
+          </a:lnRef>
+          <a:fillRef idx="3">
+            <a:schemeClr val="accent1"/>
+          </a:fillRef>
+          <a:effectRef idx="2">
+            <a:schemeClr val="accent1"/>
+          </a:effectRef>
+          <a:fontRef idx="minor">
+            <a:schemeClr val="lt1"/>
+          </a:fontRef>
+        </p:style>
+        <p:txBody>
+          <a:bodyPr/>
+          <a:lstStyle/>
+          <a:p>
+            <a:endParaRPr lang="en-US"/>
+          </a:p>
+        </p:txBody>
+      </p:sp>
+      <p:sp>
+        <p:nvSpPr>
+          <p:cNvPr id="46" name="Isosceles Triangle 45">
+            <a:extLst>
+              <a:ext uri="{FF2B5EF4-FFF2-40B4-BE49-F238E27FC236}">
+                <a16:creationId xmlns:a16="http://schemas.microsoft.com/office/drawing/2014/main" id="{73772B81-181F-48B7-8826-4D9686D15DF5}"/>
+              </a:ext>
+              <a:ext uri="{C183D7F6-B498-43B3-948B-1728B52AA6E4}">
+                <adec:decorative xmlns:adec="http://schemas.microsoft.com/office/drawing/2017/decorative" val="1"/>
+              </a:ext>
+            </a:extLst>
+          </p:cNvPr>
+          <p:cNvSpPr>
+            <a:spLocks noGrp="1" noRot="1" noChangeAspect="1" noMove="1" noResize="1" noEditPoints="1" noAdjustHandles="1" noChangeArrowheads="1" noChangeShapeType="1" noTextEdit="1"/>
+          </p:cNvSpPr>
+          <p:nvPr>
+            <p:extLst>
+              <p:ext uri="{386F3935-93C4-4BCD-93E2-E3B085C9AB24}">
+                <p16:designElem xmlns:p16="http://schemas.microsoft.com/office/powerpoint/2015/main" val="1"/>
+              </p:ext>
+            </p:extLst>
+          </p:nvPr>
+        </p:nvSpPr>
+        <p:spPr>
+          <a:xfrm rot="10800000">
+            <a:off x="4660127" y="-3"/>
+            <a:ext cx="1056745" cy="6858001"/>
+          </a:xfrm>
+          <a:prstGeom prst="triangle">
+            <a:avLst>
+              <a:gd name="adj" fmla="val 100000"/>
+            </a:avLst>
+          </a:prstGeom>
+          <a:solidFill>
+            <a:schemeClr val="tx2"/>
+          </a:solidFill>
+          <a:ln>
+            <a:noFill/>
+          </a:ln>
+          <a:effectLst/>
+        </p:spPr>
+        <p:style>
+          <a:lnRef idx="1">
+            <a:schemeClr val="accent1"/>
+          </a:lnRef>
+          <a:fillRef idx="3">
+            <a:schemeClr val="accent1"/>
+          </a:fillRef>
+          <a:effectRef idx="2">
+            <a:schemeClr val="accent1"/>
+          </a:effectRef>
+          <a:fontRef idx="minor">
+            <a:schemeClr val="lt1"/>
+          </a:fontRef>
+        </p:style>
+        <p:txBody>
+          <a:bodyPr/>
+          <a:lstStyle/>
+          <a:p>
+            <a:endParaRPr lang="en-US" dirty="0"/>
+          </a:p>
+        </p:txBody>
+      </p:sp>
+      <p:sp>
+        <p:nvSpPr>
+          <p:cNvPr id="2" name="Titre 1">
+            <a:extLst>
+              <a:ext uri="{FF2B5EF4-FFF2-40B4-BE49-F238E27FC236}">
+                <a16:creationId xmlns:a16="http://schemas.microsoft.com/office/drawing/2014/main" id="{13FACD13-5C83-490A-84E3-BB1E835DF621}"/>
+              </a:ext>
+            </a:extLst>
+          </p:cNvPr>
+          <p:cNvSpPr>
+            <a:spLocks noGrp="1"/>
+          </p:cNvSpPr>
+          <p:nvPr>
+            <p:ph type="title"/>
+          </p:nvPr>
+        </p:nvSpPr>
+        <p:spPr>
+          <a:xfrm>
+            <a:off x="673754" y="643467"/>
+            <a:ext cx="4203045" cy="1375608"/>
+          </a:xfrm>
+        </p:spPr>
+        <p:txBody>
+          <a:bodyPr vert="horz" lIns="91440" tIns="45720" rIns="91440" bIns="45720" rtlCol="0" anchor="ctr">
+            <a:normAutofit/>
+          </a:bodyPr>
+          <a:lstStyle/>
+          <a:p>
+            <a:r>
+              <a:rPr lang="en-US" sz="3300">
+                <a:solidFill>
+                  <a:schemeClr val="bg1"/>
+                </a:solidFill>
+              </a:rPr>
+              <a:t>Le code : étape 6</a:t>
+            </a:r>
+            <a:br>
+              <a:rPr lang="en-US" sz="3300">
+                <a:solidFill>
+                  <a:schemeClr val="bg1"/>
+                </a:solidFill>
+              </a:rPr>
+            </a:br>
+            <a:r>
+              <a:rPr lang="en-US" sz="3300">
+                <a:solidFill>
+                  <a:schemeClr val="bg1"/>
+                </a:solidFill>
+              </a:rPr>
+              <a:t>Résolution du sudoku</a:t>
+            </a:r>
+          </a:p>
+        </p:txBody>
+      </p:sp>
+      <p:sp>
+        <p:nvSpPr>
+          <p:cNvPr id="3" name="Espace réservé du contenu 2">
+            <a:extLst>
+              <a:ext uri="{FF2B5EF4-FFF2-40B4-BE49-F238E27FC236}">
+                <a16:creationId xmlns:a16="http://schemas.microsoft.com/office/drawing/2014/main" id="{7344185D-9E4D-4C30-9E2A-4B9ED3974235}"/>
+              </a:ext>
+            </a:extLst>
+          </p:cNvPr>
+          <p:cNvSpPr>
+            <a:spLocks noGrp="1"/>
+          </p:cNvSpPr>
+          <p:nvPr>
+            <p:ph idx="1"/>
+          </p:nvPr>
+        </p:nvSpPr>
+        <p:spPr>
+          <a:xfrm>
+            <a:off x="673754" y="2160590"/>
+            <a:ext cx="3973943" cy="3440110"/>
+          </a:xfrm>
+        </p:spPr>
+        <p:txBody>
+          <a:bodyPr vert="horz" lIns="91440" tIns="45720" rIns="91440" bIns="45720" rtlCol="0">
+            <a:normAutofit/>
+          </a:bodyPr>
+          <a:lstStyle/>
+          <a:p>
+            <a:pPr marL="0" indent="0">
+              <a:buNone/>
+            </a:pPr>
+            <a:r>
+              <a:rPr lang="en-US">
+                <a:solidFill>
+                  <a:schemeClr val="bg1"/>
+                </a:solidFill>
+              </a:rPr>
+              <a:t>Raphaël et Tristan</a:t>
+            </a:r>
+          </a:p>
+        </p:txBody>
+      </p:sp>
+      <p:pic>
+        <p:nvPicPr>
+          <p:cNvPr id="4" name="Image 3" descr="Une image contenant mur&#10;&#10;Description générée automatiquement">
+            <a:extLst>
+              <a:ext uri="{FF2B5EF4-FFF2-40B4-BE49-F238E27FC236}">
+                <a16:creationId xmlns:a16="http://schemas.microsoft.com/office/drawing/2014/main" id="{086EA87A-1CA5-4D06-97E3-64B32C99A8F2}"/>
+              </a:ext>
+            </a:extLst>
+          </p:cNvPr>
+          <p:cNvPicPr>
+            <a:picLocks noChangeAspect="1"/>
+          </p:cNvPicPr>
+          <p:nvPr/>
+        </p:nvPicPr>
+        <p:blipFill rotWithShape="1">
+          <a:blip r:embed="rId2">
+            <a:extLst>
+              <a:ext uri="{28A0092B-C50C-407E-A947-70E740481C1C}">
+                <a14:useLocalDpi xmlns:a14="http://schemas.microsoft.com/office/drawing/2010/main" val="0"/>
+              </a:ext>
+            </a:extLst>
+          </a:blip>
+          <a:srcRect l="508" t="-314" r="3169" b="2891"/>
+          <a:stretch/>
+        </p:blipFill>
+        <p:spPr>
+          <a:xfrm>
+            <a:off x="6029325" y="419100"/>
+            <a:ext cx="5334001" cy="5648326"/>
+          </a:xfrm>
+          <a:prstGeom prst="rect">
+            <a:avLst/>
+          </a:prstGeom>
+        </p:spPr>
+      </p:pic>
+      <p:sp>
+        <p:nvSpPr>
+          <p:cNvPr id="48" name="Isosceles Triangle 47">
+            <a:extLst>
+              <a:ext uri="{FF2B5EF4-FFF2-40B4-BE49-F238E27FC236}">
+                <a16:creationId xmlns:a16="http://schemas.microsoft.com/office/drawing/2014/main" id="{B2205F6E-03C6-4E92-877C-E2482F6599AA}"/>
+              </a:ext>
+              <a:ext uri="{C183D7F6-B498-43B3-948B-1728B52AA6E4}">
+                <adec:decorative xmlns:adec="http://schemas.microsoft.com/office/drawing/2017/decorative" val="1"/>
+              </a:ext>
+            </a:extLst>
+          </p:cNvPr>
+          <p:cNvSpPr>
+            <a:spLocks noGrp="1" noRot="1" noChangeAspect="1" noMove="1" noResize="1" noEditPoints="1" noAdjustHandles="1" noChangeArrowheads="1" noChangeShapeType="1" noTextEdit="1"/>
+          </p:cNvSpPr>
+          <p:nvPr>
+            <p:extLst>
+              <p:ext uri="{386F3935-93C4-4BCD-93E2-E3B085C9AB24}">
+                <p16:designElem xmlns:p16="http://schemas.microsoft.com/office/powerpoint/2015/main" val="1"/>
+              </p:ext>
+            </p:extLst>
+          </p:nvPr>
+        </p:nvSpPr>
+        <p:spPr>
+          <a:xfrm flipH="1">
+            <a:off x="11755696" y="4013200"/>
+            <a:ext cx="448733" cy="2844800"/>
+          </a:xfrm>
+          <a:prstGeom prst="triangle">
+            <a:avLst>
+              <a:gd name="adj" fmla="val 0"/>
+            </a:avLst>
+          </a:prstGeom>
+          <a:solidFill>
+            <a:schemeClr val="accent1">
+              <a:alpha val="85000"/>
+            </a:schemeClr>
+          </a:solidFill>
+          <a:ln>
+            <a:noFill/>
+          </a:ln>
+          <a:effectLst/>
+        </p:spPr>
+        <p:style>
+          <a:lnRef idx="1">
+            <a:schemeClr val="accent1"/>
+          </a:lnRef>
+          <a:fillRef idx="3">
+            <a:schemeClr val="accent1"/>
+          </a:fillRef>
+          <a:effectRef idx="2">
+            <a:schemeClr val="accent1"/>
+          </a:effectRef>
+          <a:fontRef idx="minor">
+            <a:schemeClr val="lt1"/>
+          </a:fontRef>
+        </p:style>
+        <p:txBody>
+          <a:bodyPr/>
+          <a:lstStyle/>
+          <a:p>
+            <a:endParaRPr lang="en-US" dirty="0"/>
+          </a:p>
+        </p:txBody>
+      </p:sp>
+    </p:spTree>
+    <p:extLst>
+      <p:ext uri="{BB962C8B-B14F-4D97-AF65-F5344CB8AC3E}">
+        <p14:creationId xmlns:p14="http://schemas.microsoft.com/office/powerpoint/2010/main" val="2081831426"/>
       </p:ext>
     </p:extLst>
   </p:cSld>

--- a/slide_présentation.pptx
+++ b/slide_présentation.pptx
@@ -10,10 +10,11 @@
     <p:sldId id="258" r:id="rId4"/>
     <p:sldId id="259" r:id="rId5"/>
     <p:sldId id="263" r:id="rId6"/>
-    <p:sldId id="264" r:id="rId7"/>
-    <p:sldId id="265" r:id="rId8"/>
-    <p:sldId id="260" r:id="rId9"/>
-    <p:sldId id="261" r:id="rId10"/>
+    <p:sldId id="266" r:id="rId7"/>
+    <p:sldId id="264" r:id="rId8"/>
+    <p:sldId id="268" r:id="rId9"/>
+    <p:sldId id="260" r:id="rId10"/>
+    <p:sldId id="261" r:id="rId11"/>
   </p:sldIdLst>
   <p:sldSz cx="12192000" cy="6858000"/>
   <p:notesSz cx="6858000" cy="9144000"/>
@@ -131,276 +132,6 @@
 
 <file path=ppt/changesInfos/changesInfo1.xml><?xml version="1.0" encoding="utf-8"?>
 <pc:chgInfo xmlns:a="http://schemas.openxmlformats.org/drawingml/2006/main" xmlns:r="http://schemas.openxmlformats.org/officeDocument/2006/relationships" xmlns:ac="http://schemas.microsoft.com/office/drawing/2013/main/command" xmlns:pc="http://schemas.microsoft.com/office/powerpoint/2013/main/command">
-  <pc:docChgLst>
-    <pc:chgData name="thomas carril" userId="a85f748144a020fa" providerId="LiveId" clId="{7BD5FFF9-23D2-491D-B336-C34D45D192CF}"/>
-    <pc:docChg chg="custSel mod addSld modSld sldOrd">
-      <pc:chgData name="thomas carril" userId="a85f748144a020fa" providerId="LiveId" clId="{7BD5FFF9-23D2-491D-B336-C34D45D192CF}" dt="2019-11-21T16:26:46.245" v="1607" actId="20577"/>
-      <pc:docMkLst>
-        <pc:docMk/>
-      </pc:docMkLst>
-      <pc:sldChg chg="addSp modSp mod setBg">
-        <pc:chgData name="thomas carril" userId="a85f748144a020fa" providerId="LiveId" clId="{7BD5FFF9-23D2-491D-B336-C34D45D192CF}" dt="2019-11-21T16:22:35.480" v="1599" actId="313"/>
-        <pc:sldMkLst>
-          <pc:docMk/>
-          <pc:sldMk cId="4250306025" sldId="257"/>
-        </pc:sldMkLst>
-        <pc:spChg chg="mod">
-          <ac:chgData name="thomas carril" userId="a85f748144a020fa" providerId="LiveId" clId="{7BD5FFF9-23D2-491D-B336-C34D45D192CF}" dt="2019-11-21T09:38:08.215" v="36" actId="26606"/>
-          <ac:spMkLst>
-            <pc:docMk/>
-            <pc:sldMk cId="4250306025" sldId="257"/>
-            <ac:spMk id="2" creationId="{D08E7778-B7F0-4C5A-8AC2-454BD26F354D}"/>
-          </ac:spMkLst>
-        </pc:spChg>
-        <pc:spChg chg="mod">
-          <ac:chgData name="thomas carril" userId="a85f748144a020fa" providerId="LiveId" clId="{7BD5FFF9-23D2-491D-B336-C34D45D192CF}" dt="2019-11-21T16:22:35.480" v="1599" actId="313"/>
-          <ac:spMkLst>
-            <pc:docMk/>
-            <pc:sldMk cId="4250306025" sldId="257"/>
-            <ac:spMk id="3" creationId="{BF5B2046-4A8A-459D-AA54-65A4DA4227D4}"/>
-          </ac:spMkLst>
-        </pc:spChg>
-        <pc:cxnChg chg="add">
-          <ac:chgData name="thomas carril" userId="a85f748144a020fa" providerId="LiveId" clId="{7BD5FFF9-23D2-491D-B336-C34D45D192CF}" dt="2019-11-21T09:38:08.215" v="36" actId="26606"/>
-          <ac:cxnSpMkLst>
-            <pc:docMk/>
-            <pc:sldMk cId="4250306025" sldId="257"/>
-            <ac:cxnSpMk id="8" creationId="{0B5F7E3B-C5F1-40E0-A491-558BAFBC1127}"/>
-          </ac:cxnSpMkLst>
-        </pc:cxnChg>
-      </pc:sldChg>
-      <pc:sldChg chg="addSp delSp modSp add mod ord setBg">
-        <pc:chgData name="thomas carril" userId="a85f748144a020fa" providerId="LiveId" clId="{7BD5FFF9-23D2-491D-B336-C34D45D192CF}" dt="2019-11-21T16:26:46.245" v="1607" actId="20577"/>
-        <pc:sldMkLst>
-          <pc:docMk/>
-          <pc:sldMk cId="3049107083" sldId="258"/>
-        </pc:sldMkLst>
-        <pc:spChg chg="mod">
-          <ac:chgData name="thomas carril" userId="a85f748144a020fa" providerId="LiveId" clId="{7BD5FFF9-23D2-491D-B336-C34D45D192CF}" dt="2019-11-21T16:26:46.245" v="1607" actId="20577"/>
-          <ac:spMkLst>
-            <pc:docMk/>
-            <pc:sldMk cId="3049107083" sldId="258"/>
-            <ac:spMk id="2" creationId="{4224A8EB-5B11-49E9-B859-D74C9A5CAB9C}"/>
-          </ac:spMkLst>
-        </pc:spChg>
-        <pc:spChg chg="mod">
-          <ac:chgData name="thomas carril" userId="a85f748144a020fa" providerId="LiveId" clId="{7BD5FFF9-23D2-491D-B336-C34D45D192CF}" dt="2019-11-21T10:04:06.760" v="1448" actId="20577"/>
-          <ac:spMkLst>
-            <pc:docMk/>
-            <pc:sldMk cId="3049107083" sldId="258"/>
-            <ac:spMk id="3" creationId="{3858C1CF-1159-45F6-B291-429EF5CC78AC}"/>
-          </ac:spMkLst>
-        </pc:spChg>
-        <pc:spChg chg="add mod">
-          <ac:chgData name="thomas carril" userId="a85f748144a020fa" providerId="LiveId" clId="{7BD5FFF9-23D2-491D-B336-C34D45D192CF}" dt="2019-11-21T15:49:06.705" v="1458" actId="2085"/>
-          <ac:spMkLst>
-            <pc:docMk/>
-            <pc:sldMk cId="3049107083" sldId="258"/>
-            <ac:spMk id="6" creationId="{F4F914AF-6DC2-4833-B0BC-3CFD98455461}"/>
-          </ac:spMkLst>
-        </pc:spChg>
-        <pc:spChg chg="add del">
-          <ac:chgData name="thomas carril" userId="a85f748144a020fa" providerId="LiveId" clId="{7BD5FFF9-23D2-491D-B336-C34D45D192CF}" dt="2019-11-21T09:54:33.572" v="1066" actId="26606"/>
-          <ac:spMkLst>
-            <pc:docMk/>
-            <pc:sldMk cId="3049107083" sldId="258"/>
-            <ac:spMk id="8" creationId="{603AE127-802C-459A-A612-DB85B67F0DC0}"/>
-          </ac:spMkLst>
-        </pc:spChg>
-        <pc:spChg chg="add del">
-          <ac:chgData name="thomas carril" userId="a85f748144a020fa" providerId="LiveId" clId="{7BD5FFF9-23D2-491D-B336-C34D45D192CF}" dt="2019-11-21T09:54:33.572" v="1066" actId="26606"/>
-          <ac:spMkLst>
-            <pc:docMk/>
-            <pc:sldMk cId="3049107083" sldId="258"/>
-            <ac:spMk id="10" creationId="{9323D83D-50D6-4040-A58B-FCEA340F886A}"/>
-          </ac:spMkLst>
-        </pc:spChg>
-        <pc:spChg chg="add del">
-          <ac:chgData name="thomas carril" userId="a85f748144a020fa" providerId="LiveId" clId="{7BD5FFF9-23D2-491D-B336-C34D45D192CF}" dt="2019-11-21T09:54:33.572" v="1066" actId="26606"/>
-          <ac:spMkLst>
-            <pc:docMk/>
-            <pc:sldMk cId="3049107083" sldId="258"/>
-            <ac:spMk id="14" creationId="{F10FD715-4DCE-4779-B634-EC78315EA213}"/>
-          </ac:spMkLst>
-        </pc:spChg>
-        <pc:spChg chg="add">
-          <ac:chgData name="thomas carril" userId="a85f748144a020fa" providerId="LiveId" clId="{7BD5FFF9-23D2-491D-B336-C34D45D192CF}" dt="2019-11-21T09:54:33.572" v="1066" actId="26606"/>
-          <ac:spMkLst>
-            <pc:docMk/>
-            <pc:sldMk cId="3049107083" sldId="258"/>
-            <ac:spMk id="21" creationId="{A65AC7D1-EAA9-48F5-B509-60A7F50BF703}"/>
-          </ac:spMkLst>
-        </pc:spChg>
-        <pc:spChg chg="add">
-          <ac:chgData name="thomas carril" userId="a85f748144a020fa" providerId="LiveId" clId="{7BD5FFF9-23D2-491D-B336-C34D45D192CF}" dt="2019-11-21T09:54:33.572" v="1066" actId="26606"/>
-          <ac:spMkLst>
-            <pc:docMk/>
-            <pc:sldMk cId="3049107083" sldId="258"/>
-            <ac:spMk id="23" creationId="{D6320AF9-619A-4175-865B-5663E1AEF4C5}"/>
-          </ac:spMkLst>
-        </pc:spChg>
-        <pc:spChg chg="add mod">
-          <ac:chgData name="thomas carril" userId="a85f748144a020fa" providerId="LiveId" clId="{7BD5FFF9-23D2-491D-B336-C34D45D192CF}" dt="2019-11-21T15:50:38.030" v="1480" actId="1076"/>
-          <ac:spMkLst>
-            <pc:docMk/>
-            <pc:sldMk cId="3049107083" sldId="258"/>
-            <ac:spMk id="24" creationId="{A0EEE94D-E026-4941-9103-3DC2F68C2132}"/>
-          </ac:spMkLst>
-        </pc:spChg>
-        <pc:spChg chg="add mod">
-          <ac:chgData name="thomas carril" userId="a85f748144a020fa" providerId="LiveId" clId="{7BD5FFF9-23D2-491D-B336-C34D45D192CF}" dt="2019-11-21T15:51:42.070" v="1496" actId="1076"/>
-          <ac:spMkLst>
-            <pc:docMk/>
-            <pc:sldMk cId="3049107083" sldId="258"/>
-            <ac:spMk id="28" creationId="{59296922-42B8-4D5A-9375-194916CD8DC9}"/>
-          </ac:spMkLst>
-        </pc:spChg>
-        <pc:spChg chg="add">
-          <ac:chgData name="thomas carril" userId="a85f748144a020fa" providerId="LiveId" clId="{7BD5FFF9-23D2-491D-B336-C34D45D192CF}" dt="2019-11-21T09:54:33.572" v="1066" actId="26606"/>
-          <ac:spMkLst>
-            <pc:docMk/>
-            <pc:sldMk cId="3049107083" sldId="258"/>
-            <ac:spMk id="29" creationId="{7E018740-5C2B-4A41-AC1A-7E68D1EC1954}"/>
-          </ac:spMkLst>
-        </pc:spChg>
-        <pc:spChg chg="add mod">
-          <ac:chgData name="thomas carril" userId="a85f748144a020fa" providerId="LiveId" clId="{7BD5FFF9-23D2-491D-B336-C34D45D192CF}" dt="2019-11-21T15:52:31.433" v="1513" actId="1076"/>
-          <ac:spMkLst>
-            <pc:docMk/>
-            <pc:sldMk cId="3049107083" sldId="258"/>
-            <ac:spMk id="30" creationId="{414C2E9A-053D-43A5-BE1C-86B1F5DA8A98}"/>
-          </ac:spMkLst>
-        </pc:spChg>
-        <pc:spChg chg="add">
-          <ac:chgData name="thomas carril" userId="a85f748144a020fa" providerId="LiveId" clId="{7BD5FFF9-23D2-491D-B336-C34D45D192CF}" dt="2019-11-21T09:54:33.572" v="1066" actId="26606"/>
-          <ac:spMkLst>
-            <pc:docMk/>
-            <pc:sldMk cId="3049107083" sldId="258"/>
-            <ac:spMk id="31" creationId="{166F75A4-C475-4941-8EE2-B80A06A2C1BB}"/>
-          </ac:spMkLst>
-        </pc:spChg>
-        <pc:spChg chg="add">
-          <ac:chgData name="thomas carril" userId="a85f748144a020fa" providerId="LiveId" clId="{7BD5FFF9-23D2-491D-B336-C34D45D192CF}" dt="2019-11-21T09:54:33.572" v="1066" actId="26606"/>
-          <ac:spMkLst>
-            <pc:docMk/>
-            <pc:sldMk cId="3049107083" sldId="258"/>
-            <ac:spMk id="33" creationId="{A032553A-72E8-4B0D-8405-FF9771C9AF05}"/>
-          </ac:spMkLst>
-        </pc:spChg>
-        <pc:spChg chg="add mod">
-          <ac:chgData name="thomas carril" userId="a85f748144a020fa" providerId="LiveId" clId="{7BD5FFF9-23D2-491D-B336-C34D45D192CF}" dt="2019-11-21T15:58:58.340" v="1533" actId="1076"/>
-          <ac:spMkLst>
-            <pc:docMk/>
-            <pc:sldMk cId="3049107083" sldId="258"/>
-            <ac:spMk id="34" creationId="{9262E4B2-6BE2-4871-B661-D0F0E8606F66}"/>
-          </ac:spMkLst>
-        </pc:spChg>
-        <pc:spChg chg="add">
-          <ac:chgData name="thomas carril" userId="a85f748144a020fa" providerId="LiveId" clId="{7BD5FFF9-23D2-491D-B336-C34D45D192CF}" dt="2019-11-21T09:54:33.572" v="1066" actId="26606"/>
-          <ac:spMkLst>
-            <pc:docMk/>
-            <pc:sldMk cId="3049107083" sldId="258"/>
-            <ac:spMk id="35" creationId="{765800AC-C3B9-498E-87BC-29FAE4C76B21}"/>
-          </ac:spMkLst>
-        </pc:spChg>
-        <pc:spChg chg="add">
-          <ac:chgData name="thomas carril" userId="a85f748144a020fa" providerId="LiveId" clId="{7BD5FFF9-23D2-491D-B336-C34D45D192CF}" dt="2019-11-21T09:54:33.572" v="1066" actId="26606"/>
-          <ac:spMkLst>
-            <pc:docMk/>
-            <pc:sldMk cId="3049107083" sldId="258"/>
-            <ac:spMk id="37" creationId="{1F9D6ACB-2FF4-49F9-978A-E0D5327FC635}"/>
-          </ac:spMkLst>
-        </pc:spChg>
-        <pc:spChg chg="add">
-          <ac:chgData name="thomas carril" userId="a85f748144a020fa" providerId="LiveId" clId="{7BD5FFF9-23D2-491D-B336-C34D45D192CF}" dt="2019-11-21T09:54:33.572" v="1066" actId="26606"/>
-          <ac:spMkLst>
-            <pc:docMk/>
-            <pc:sldMk cId="3049107083" sldId="258"/>
-            <ac:spMk id="39" creationId="{A5EC319D-0FEA-4B95-A3EA-01E35672C95B}"/>
-          </ac:spMkLst>
-        </pc:spChg>
-        <pc:picChg chg="add mod">
-          <ac:chgData name="thomas carril" userId="a85f748144a020fa" providerId="LiveId" clId="{7BD5FFF9-23D2-491D-B336-C34D45D192CF}" dt="2019-11-21T15:48:40.094" v="1454" actId="1076"/>
-          <ac:picMkLst>
-            <pc:docMk/>
-            <pc:sldMk cId="3049107083" sldId="258"/>
-            <ac:picMk id="5" creationId="{968CE56F-5A2B-488D-A29B-0830A25F4330}"/>
-          </ac:picMkLst>
-        </pc:picChg>
-        <pc:picChg chg="add mod modCrop">
-          <ac:chgData name="thomas carril" userId="a85f748144a020fa" providerId="LiveId" clId="{7BD5FFF9-23D2-491D-B336-C34D45D192CF}" dt="2019-11-21T15:50:24.294" v="1476" actId="1076"/>
-          <ac:picMkLst>
-            <pc:docMk/>
-            <pc:sldMk cId="3049107083" sldId="258"/>
-            <ac:picMk id="9" creationId="{717E1E3F-656C-43DE-9E4E-663918BC234D}"/>
-          </ac:picMkLst>
-        </pc:picChg>
-        <pc:picChg chg="add mod modCrop">
-          <ac:chgData name="thomas carril" userId="a85f748144a020fa" providerId="LiveId" clId="{7BD5FFF9-23D2-491D-B336-C34D45D192CF}" dt="2019-11-21T15:51:29.572" v="1491" actId="1076"/>
-          <ac:picMkLst>
-            <pc:docMk/>
-            <pc:sldMk cId="3049107083" sldId="258"/>
-            <ac:picMk id="13" creationId="{AA4214F3-F1F8-49AB-B353-19A0C473FE43}"/>
-          </ac:picMkLst>
-        </pc:picChg>
-        <pc:picChg chg="add mod modCrop">
-          <ac:chgData name="thomas carril" userId="a85f748144a020fa" providerId="LiveId" clId="{7BD5FFF9-23D2-491D-B336-C34D45D192CF}" dt="2019-11-21T15:52:20.222" v="1509" actId="1076"/>
-          <ac:picMkLst>
-            <pc:docMk/>
-            <pc:sldMk cId="3049107083" sldId="258"/>
-            <ac:picMk id="16" creationId="{9D5F4BAC-68FD-4A18-853F-0A8FF5C40791}"/>
-          </ac:picMkLst>
-        </pc:picChg>
-        <pc:picChg chg="add del">
-          <ac:chgData name="thomas carril" userId="a85f748144a020fa" providerId="LiveId" clId="{7BD5FFF9-23D2-491D-B336-C34D45D192CF}" dt="2019-11-21T15:48:16.132" v="1449" actId="478"/>
-          <ac:picMkLst>
-            <pc:docMk/>
-            <pc:sldMk cId="3049107083" sldId="258"/>
-            <ac:picMk id="18" creationId="{DC56819A-3557-4BC9-852D-C79D69679DA5}"/>
-          </ac:picMkLst>
-        </pc:picChg>
-        <pc:picChg chg="add mod modCrop">
-          <ac:chgData name="thomas carril" userId="a85f748144a020fa" providerId="LiveId" clId="{7BD5FFF9-23D2-491D-B336-C34D45D192CF}" dt="2019-11-21T15:58:50.452" v="1531" actId="1076"/>
-          <ac:picMkLst>
-            <pc:docMk/>
-            <pc:sldMk cId="3049107083" sldId="258"/>
-            <ac:picMk id="19" creationId="{A72CF18D-3799-411A-9853-98BE46787712}"/>
-          </ac:picMkLst>
-        </pc:picChg>
-        <pc:cxnChg chg="add del">
-          <ac:chgData name="thomas carril" userId="a85f748144a020fa" providerId="LiveId" clId="{7BD5FFF9-23D2-491D-B336-C34D45D192CF}" dt="2019-11-21T09:54:33.572" v="1066" actId="26606"/>
-          <ac:cxnSpMkLst>
-            <pc:docMk/>
-            <pc:sldMk cId="3049107083" sldId="258"/>
-            <ac:cxnSpMk id="12" creationId="{1A1FE6BB-DFB2-4080-9B5E-076EF5DDE67B}"/>
-          </ac:cxnSpMkLst>
-        </pc:cxnChg>
-        <pc:cxnChg chg="add">
-          <ac:chgData name="thomas carril" userId="a85f748144a020fa" providerId="LiveId" clId="{7BD5FFF9-23D2-491D-B336-C34D45D192CF}" dt="2019-11-21T09:54:33.572" v="1066" actId="26606"/>
-          <ac:cxnSpMkLst>
-            <pc:docMk/>
-            <pc:sldMk cId="3049107083" sldId="258"/>
-            <ac:cxnSpMk id="25" creationId="{063B6EC6-D752-4EE7-908B-F8F19E8C7FEA}"/>
-          </ac:cxnSpMkLst>
-        </pc:cxnChg>
-        <pc:cxnChg chg="add">
-          <ac:chgData name="thomas carril" userId="a85f748144a020fa" providerId="LiveId" clId="{7BD5FFF9-23D2-491D-B336-C34D45D192CF}" dt="2019-11-21T09:54:33.572" v="1066" actId="26606"/>
-          <ac:cxnSpMkLst>
-            <pc:docMk/>
-            <pc:sldMk cId="3049107083" sldId="258"/>
-            <ac:cxnSpMk id="27" creationId="{EFECD4E8-AD3E-4228-82A2-9461958EA94D}"/>
-          </ac:cxnSpMkLst>
-        </pc:cxnChg>
-      </pc:sldChg>
-      <pc:sldChg chg="add">
-        <pc:chgData name="thomas carril" userId="a85f748144a020fa" providerId="LiveId" clId="{7BD5FFF9-23D2-491D-B336-C34D45D192CF}" dt="2019-11-21T16:22:39.339" v="1600"/>
-        <pc:sldMkLst>
-          <pc:docMk/>
-          <pc:sldMk cId="1790091734" sldId="259"/>
-        </pc:sldMkLst>
-      </pc:sldChg>
-    </pc:docChg>
-  </pc:docChgLst>
   <pc:docChgLst>
     <pc:chgData name="thomas carril" userId="a85f748144a020fa" providerId="LiveId" clId="{739B3BA1-6B13-4CF6-93FD-C963F94EEED7}"/>
     <pc:docChg chg="undo custSel mod addSld delSld modSld sldOrd">
@@ -1273,6 +1004,276 @@
       </pc:sldChg>
     </pc:docChg>
   </pc:docChgLst>
+  <pc:docChgLst>
+    <pc:chgData name="thomas carril" userId="a85f748144a020fa" providerId="LiveId" clId="{7BD5FFF9-23D2-491D-B336-C34D45D192CF}"/>
+    <pc:docChg chg="custSel mod addSld modSld sldOrd">
+      <pc:chgData name="thomas carril" userId="a85f748144a020fa" providerId="LiveId" clId="{7BD5FFF9-23D2-491D-B336-C34D45D192CF}" dt="2019-11-21T16:26:46.245" v="1607" actId="20577"/>
+      <pc:docMkLst>
+        <pc:docMk/>
+      </pc:docMkLst>
+      <pc:sldChg chg="addSp modSp mod setBg">
+        <pc:chgData name="thomas carril" userId="a85f748144a020fa" providerId="LiveId" clId="{7BD5FFF9-23D2-491D-B336-C34D45D192CF}" dt="2019-11-21T16:22:35.480" v="1599" actId="313"/>
+        <pc:sldMkLst>
+          <pc:docMk/>
+          <pc:sldMk cId="4250306025" sldId="257"/>
+        </pc:sldMkLst>
+        <pc:spChg chg="mod">
+          <ac:chgData name="thomas carril" userId="a85f748144a020fa" providerId="LiveId" clId="{7BD5FFF9-23D2-491D-B336-C34D45D192CF}" dt="2019-11-21T09:38:08.215" v="36" actId="26606"/>
+          <ac:spMkLst>
+            <pc:docMk/>
+            <pc:sldMk cId="4250306025" sldId="257"/>
+            <ac:spMk id="2" creationId="{D08E7778-B7F0-4C5A-8AC2-454BD26F354D}"/>
+          </ac:spMkLst>
+        </pc:spChg>
+        <pc:spChg chg="mod">
+          <ac:chgData name="thomas carril" userId="a85f748144a020fa" providerId="LiveId" clId="{7BD5FFF9-23D2-491D-B336-C34D45D192CF}" dt="2019-11-21T16:22:35.480" v="1599" actId="313"/>
+          <ac:spMkLst>
+            <pc:docMk/>
+            <pc:sldMk cId="4250306025" sldId="257"/>
+            <ac:spMk id="3" creationId="{BF5B2046-4A8A-459D-AA54-65A4DA4227D4}"/>
+          </ac:spMkLst>
+        </pc:spChg>
+        <pc:cxnChg chg="add">
+          <ac:chgData name="thomas carril" userId="a85f748144a020fa" providerId="LiveId" clId="{7BD5FFF9-23D2-491D-B336-C34D45D192CF}" dt="2019-11-21T09:38:08.215" v="36" actId="26606"/>
+          <ac:cxnSpMkLst>
+            <pc:docMk/>
+            <pc:sldMk cId="4250306025" sldId="257"/>
+            <ac:cxnSpMk id="8" creationId="{0B5F7E3B-C5F1-40E0-A491-558BAFBC1127}"/>
+          </ac:cxnSpMkLst>
+        </pc:cxnChg>
+      </pc:sldChg>
+      <pc:sldChg chg="addSp delSp modSp add mod ord setBg">
+        <pc:chgData name="thomas carril" userId="a85f748144a020fa" providerId="LiveId" clId="{7BD5FFF9-23D2-491D-B336-C34D45D192CF}" dt="2019-11-21T16:26:46.245" v="1607" actId="20577"/>
+        <pc:sldMkLst>
+          <pc:docMk/>
+          <pc:sldMk cId="3049107083" sldId="258"/>
+        </pc:sldMkLst>
+        <pc:spChg chg="mod">
+          <ac:chgData name="thomas carril" userId="a85f748144a020fa" providerId="LiveId" clId="{7BD5FFF9-23D2-491D-B336-C34D45D192CF}" dt="2019-11-21T16:26:46.245" v="1607" actId="20577"/>
+          <ac:spMkLst>
+            <pc:docMk/>
+            <pc:sldMk cId="3049107083" sldId="258"/>
+            <ac:spMk id="2" creationId="{4224A8EB-5B11-49E9-B859-D74C9A5CAB9C}"/>
+          </ac:spMkLst>
+        </pc:spChg>
+        <pc:spChg chg="mod">
+          <ac:chgData name="thomas carril" userId="a85f748144a020fa" providerId="LiveId" clId="{7BD5FFF9-23D2-491D-B336-C34D45D192CF}" dt="2019-11-21T10:04:06.760" v="1448" actId="20577"/>
+          <ac:spMkLst>
+            <pc:docMk/>
+            <pc:sldMk cId="3049107083" sldId="258"/>
+            <ac:spMk id="3" creationId="{3858C1CF-1159-45F6-B291-429EF5CC78AC}"/>
+          </ac:spMkLst>
+        </pc:spChg>
+        <pc:spChg chg="add mod">
+          <ac:chgData name="thomas carril" userId="a85f748144a020fa" providerId="LiveId" clId="{7BD5FFF9-23D2-491D-B336-C34D45D192CF}" dt="2019-11-21T15:49:06.705" v="1458" actId="2085"/>
+          <ac:spMkLst>
+            <pc:docMk/>
+            <pc:sldMk cId="3049107083" sldId="258"/>
+            <ac:spMk id="6" creationId="{F4F914AF-6DC2-4833-B0BC-3CFD98455461}"/>
+          </ac:spMkLst>
+        </pc:spChg>
+        <pc:spChg chg="add del">
+          <ac:chgData name="thomas carril" userId="a85f748144a020fa" providerId="LiveId" clId="{7BD5FFF9-23D2-491D-B336-C34D45D192CF}" dt="2019-11-21T09:54:33.572" v="1066" actId="26606"/>
+          <ac:spMkLst>
+            <pc:docMk/>
+            <pc:sldMk cId="3049107083" sldId="258"/>
+            <ac:spMk id="8" creationId="{603AE127-802C-459A-A612-DB85B67F0DC0}"/>
+          </ac:spMkLst>
+        </pc:spChg>
+        <pc:spChg chg="add del">
+          <ac:chgData name="thomas carril" userId="a85f748144a020fa" providerId="LiveId" clId="{7BD5FFF9-23D2-491D-B336-C34D45D192CF}" dt="2019-11-21T09:54:33.572" v="1066" actId="26606"/>
+          <ac:spMkLst>
+            <pc:docMk/>
+            <pc:sldMk cId="3049107083" sldId="258"/>
+            <ac:spMk id="10" creationId="{9323D83D-50D6-4040-A58B-FCEA340F886A}"/>
+          </ac:spMkLst>
+        </pc:spChg>
+        <pc:spChg chg="add del">
+          <ac:chgData name="thomas carril" userId="a85f748144a020fa" providerId="LiveId" clId="{7BD5FFF9-23D2-491D-B336-C34D45D192CF}" dt="2019-11-21T09:54:33.572" v="1066" actId="26606"/>
+          <ac:spMkLst>
+            <pc:docMk/>
+            <pc:sldMk cId="3049107083" sldId="258"/>
+            <ac:spMk id="14" creationId="{F10FD715-4DCE-4779-B634-EC78315EA213}"/>
+          </ac:spMkLst>
+        </pc:spChg>
+        <pc:spChg chg="add">
+          <ac:chgData name="thomas carril" userId="a85f748144a020fa" providerId="LiveId" clId="{7BD5FFF9-23D2-491D-B336-C34D45D192CF}" dt="2019-11-21T09:54:33.572" v="1066" actId="26606"/>
+          <ac:spMkLst>
+            <pc:docMk/>
+            <pc:sldMk cId="3049107083" sldId="258"/>
+            <ac:spMk id="21" creationId="{A65AC7D1-EAA9-48F5-B509-60A7F50BF703}"/>
+          </ac:spMkLst>
+        </pc:spChg>
+        <pc:spChg chg="add">
+          <ac:chgData name="thomas carril" userId="a85f748144a020fa" providerId="LiveId" clId="{7BD5FFF9-23D2-491D-B336-C34D45D192CF}" dt="2019-11-21T09:54:33.572" v="1066" actId="26606"/>
+          <ac:spMkLst>
+            <pc:docMk/>
+            <pc:sldMk cId="3049107083" sldId="258"/>
+            <ac:spMk id="23" creationId="{D6320AF9-619A-4175-865B-5663E1AEF4C5}"/>
+          </ac:spMkLst>
+        </pc:spChg>
+        <pc:spChg chg="add mod">
+          <ac:chgData name="thomas carril" userId="a85f748144a020fa" providerId="LiveId" clId="{7BD5FFF9-23D2-491D-B336-C34D45D192CF}" dt="2019-11-21T15:50:38.030" v="1480" actId="1076"/>
+          <ac:spMkLst>
+            <pc:docMk/>
+            <pc:sldMk cId="3049107083" sldId="258"/>
+            <ac:spMk id="24" creationId="{A0EEE94D-E026-4941-9103-3DC2F68C2132}"/>
+          </ac:spMkLst>
+        </pc:spChg>
+        <pc:spChg chg="add mod">
+          <ac:chgData name="thomas carril" userId="a85f748144a020fa" providerId="LiveId" clId="{7BD5FFF9-23D2-491D-B336-C34D45D192CF}" dt="2019-11-21T15:51:42.070" v="1496" actId="1076"/>
+          <ac:spMkLst>
+            <pc:docMk/>
+            <pc:sldMk cId="3049107083" sldId="258"/>
+            <ac:spMk id="28" creationId="{59296922-42B8-4D5A-9375-194916CD8DC9}"/>
+          </ac:spMkLst>
+        </pc:spChg>
+        <pc:spChg chg="add">
+          <ac:chgData name="thomas carril" userId="a85f748144a020fa" providerId="LiveId" clId="{7BD5FFF9-23D2-491D-B336-C34D45D192CF}" dt="2019-11-21T09:54:33.572" v="1066" actId="26606"/>
+          <ac:spMkLst>
+            <pc:docMk/>
+            <pc:sldMk cId="3049107083" sldId="258"/>
+            <ac:spMk id="29" creationId="{7E018740-5C2B-4A41-AC1A-7E68D1EC1954}"/>
+          </ac:spMkLst>
+        </pc:spChg>
+        <pc:spChg chg="add mod">
+          <ac:chgData name="thomas carril" userId="a85f748144a020fa" providerId="LiveId" clId="{7BD5FFF9-23D2-491D-B336-C34D45D192CF}" dt="2019-11-21T15:52:31.433" v="1513" actId="1076"/>
+          <ac:spMkLst>
+            <pc:docMk/>
+            <pc:sldMk cId="3049107083" sldId="258"/>
+            <ac:spMk id="30" creationId="{414C2E9A-053D-43A5-BE1C-86B1F5DA8A98}"/>
+          </ac:spMkLst>
+        </pc:spChg>
+        <pc:spChg chg="add">
+          <ac:chgData name="thomas carril" userId="a85f748144a020fa" providerId="LiveId" clId="{7BD5FFF9-23D2-491D-B336-C34D45D192CF}" dt="2019-11-21T09:54:33.572" v="1066" actId="26606"/>
+          <ac:spMkLst>
+            <pc:docMk/>
+            <pc:sldMk cId="3049107083" sldId="258"/>
+            <ac:spMk id="31" creationId="{166F75A4-C475-4941-8EE2-B80A06A2C1BB}"/>
+          </ac:spMkLst>
+        </pc:spChg>
+        <pc:spChg chg="add">
+          <ac:chgData name="thomas carril" userId="a85f748144a020fa" providerId="LiveId" clId="{7BD5FFF9-23D2-491D-B336-C34D45D192CF}" dt="2019-11-21T09:54:33.572" v="1066" actId="26606"/>
+          <ac:spMkLst>
+            <pc:docMk/>
+            <pc:sldMk cId="3049107083" sldId="258"/>
+            <ac:spMk id="33" creationId="{A032553A-72E8-4B0D-8405-FF9771C9AF05}"/>
+          </ac:spMkLst>
+        </pc:spChg>
+        <pc:spChg chg="add mod">
+          <ac:chgData name="thomas carril" userId="a85f748144a020fa" providerId="LiveId" clId="{7BD5FFF9-23D2-491D-B336-C34D45D192CF}" dt="2019-11-21T15:58:58.340" v="1533" actId="1076"/>
+          <ac:spMkLst>
+            <pc:docMk/>
+            <pc:sldMk cId="3049107083" sldId="258"/>
+            <ac:spMk id="34" creationId="{9262E4B2-6BE2-4871-B661-D0F0E8606F66}"/>
+          </ac:spMkLst>
+        </pc:spChg>
+        <pc:spChg chg="add">
+          <ac:chgData name="thomas carril" userId="a85f748144a020fa" providerId="LiveId" clId="{7BD5FFF9-23D2-491D-B336-C34D45D192CF}" dt="2019-11-21T09:54:33.572" v="1066" actId="26606"/>
+          <ac:spMkLst>
+            <pc:docMk/>
+            <pc:sldMk cId="3049107083" sldId="258"/>
+            <ac:spMk id="35" creationId="{765800AC-C3B9-498E-87BC-29FAE4C76B21}"/>
+          </ac:spMkLst>
+        </pc:spChg>
+        <pc:spChg chg="add">
+          <ac:chgData name="thomas carril" userId="a85f748144a020fa" providerId="LiveId" clId="{7BD5FFF9-23D2-491D-B336-C34D45D192CF}" dt="2019-11-21T09:54:33.572" v="1066" actId="26606"/>
+          <ac:spMkLst>
+            <pc:docMk/>
+            <pc:sldMk cId="3049107083" sldId="258"/>
+            <ac:spMk id="37" creationId="{1F9D6ACB-2FF4-49F9-978A-E0D5327FC635}"/>
+          </ac:spMkLst>
+        </pc:spChg>
+        <pc:spChg chg="add">
+          <ac:chgData name="thomas carril" userId="a85f748144a020fa" providerId="LiveId" clId="{7BD5FFF9-23D2-491D-B336-C34D45D192CF}" dt="2019-11-21T09:54:33.572" v="1066" actId="26606"/>
+          <ac:spMkLst>
+            <pc:docMk/>
+            <pc:sldMk cId="3049107083" sldId="258"/>
+            <ac:spMk id="39" creationId="{A5EC319D-0FEA-4B95-A3EA-01E35672C95B}"/>
+          </ac:spMkLst>
+        </pc:spChg>
+        <pc:picChg chg="add mod">
+          <ac:chgData name="thomas carril" userId="a85f748144a020fa" providerId="LiveId" clId="{7BD5FFF9-23D2-491D-B336-C34D45D192CF}" dt="2019-11-21T15:48:40.094" v="1454" actId="1076"/>
+          <ac:picMkLst>
+            <pc:docMk/>
+            <pc:sldMk cId="3049107083" sldId="258"/>
+            <ac:picMk id="5" creationId="{968CE56F-5A2B-488D-A29B-0830A25F4330}"/>
+          </ac:picMkLst>
+        </pc:picChg>
+        <pc:picChg chg="add mod modCrop">
+          <ac:chgData name="thomas carril" userId="a85f748144a020fa" providerId="LiveId" clId="{7BD5FFF9-23D2-491D-B336-C34D45D192CF}" dt="2019-11-21T15:50:24.294" v="1476" actId="1076"/>
+          <ac:picMkLst>
+            <pc:docMk/>
+            <pc:sldMk cId="3049107083" sldId="258"/>
+            <ac:picMk id="9" creationId="{717E1E3F-656C-43DE-9E4E-663918BC234D}"/>
+          </ac:picMkLst>
+        </pc:picChg>
+        <pc:picChg chg="add mod modCrop">
+          <ac:chgData name="thomas carril" userId="a85f748144a020fa" providerId="LiveId" clId="{7BD5FFF9-23D2-491D-B336-C34D45D192CF}" dt="2019-11-21T15:51:29.572" v="1491" actId="1076"/>
+          <ac:picMkLst>
+            <pc:docMk/>
+            <pc:sldMk cId="3049107083" sldId="258"/>
+            <ac:picMk id="13" creationId="{AA4214F3-F1F8-49AB-B353-19A0C473FE43}"/>
+          </ac:picMkLst>
+        </pc:picChg>
+        <pc:picChg chg="add mod modCrop">
+          <ac:chgData name="thomas carril" userId="a85f748144a020fa" providerId="LiveId" clId="{7BD5FFF9-23D2-491D-B336-C34D45D192CF}" dt="2019-11-21T15:52:20.222" v="1509" actId="1076"/>
+          <ac:picMkLst>
+            <pc:docMk/>
+            <pc:sldMk cId="3049107083" sldId="258"/>
+            <ac:picMk id="16" creationId="{9D5F4BAC-68FD-4A18-853F-0A8FF5C40791}"/>
+          </ac:picMkLst>
+        </pc:picChg>
+        <pc:picChg chg="add del">
+          <ac:chgData name="thomas carril" userId="a85f748144a020fa" providerId="LiveId" clId="{7BD5FFF9-23D2-491D-B336-C34D45D192CF}" dt="2019-11-21T15:48:16.132" v="1449" actId="478"/>
+          <ac:picMkLst>
+            <pc:docMk/>
+            <pc:sldMk cId="3049107083" sldId="258"/>
+            <ac:picMk id="18" creationId="{DC56819A-3557-4BC9-852D-C79D69679DA5}"/>
+          </ac:picMkLst>
+        </pc:picChg>
+        <pc:picChg chg="add mod modCrop">
+          <ac:chgData name="thomas carril" userId="a85f748144a020fa" providerId="LiveId" clId="{7BD5FFF9-23D2-491D-B336-C34D45D192CF}" dt="2019-11-21T15:58:50.452" v="1531" actId="1076"/>
+          <ac:picMkLst>
+            <pc:docMk/>
+            <pc:sldMk cId="3049107083" sldId="258"/>
+            <ac:picMk id="19" creationId="{A72CF18D-3799-411A-9853-98BE46787712}"/>
+          </ac:picMkLst>
+        </pc:picChg>
+        <pc:cxnChg chg="add del">
+          <ac:chgData name="thomas carril" userId="a85f748144a020fa" providerId="LiveId" clId="{7BD5FFF9-23D2-491D-B336-C34D45D192CF}" dt="2019-11-21T09:54:33.572" v="1066" actId="26606"/>
+          <ac:cxnSpMkLst>
+            <pc:docMk/>
+            <pc:sldMk cId="3049107083" sldId="258"/>
+            <ac:cxnSpMk id="12" creationId="{1A1FE6BB-DFB2-4080-9B5E-076EF5DDE67B}"/>
+          </ac:cxnSpMkLst>
+        </pc:cxnChg>
+        <pc:cxnChg chg="add">
+          <ac:chgData name="thomas carril" userId="a85f748144a020fa" providerId="LiveId" clId="{7BD5FFF9-23D2-491D-B336-C34D45D192CF}" dt="2019-11-21T09:54:33.572" v="1066" actId="26606"/>
+          <ac:cxnSpMkLst>
+            <pc:docMk/>
+            <pc:sldMk cId="3049107083" sldId="258"/>
+            <ac:cxnSpMk id="25" creationId="{063B6EC6-D752-4EE7-908B-F8F19E8C7FEA}"/>
+          </ac:cxnSpMkLst>
+        </pc:cxnChg>
+        <pc:cxnChg chg="add">
+          <ac:chgData name="thomas carril" userId="a85f748144a020fa" providerId="LiveId" clId="{7BD5FFF9-23D2-491D-B336-C34D45D192CF}" dt="2019-11-21T09:54:33.572" v="1066" actId="26606"/>
+          <ac:cxnSpMkLst>
+            <pc:docMk/>
+            <pc:sldMk cId="3049107083" sldId="258"/>
+            <ac:cxnSpMk id="27" creationId="{EFECD4E8-AD3E-4228-82A2-9461958EA94D}"/>
+          </ac:cxnSpMkLst>
+        </pc:cxnChg>
+      </pc:sldChg>
+      <pc:sldChg chg="add">
+        <pc:chgData name="thomas carril" userId="a85f748144a020fa" providerId="LiveId" clId="{7BD5FFF9-23D2-491D-B336-C34D45D192CF}" dt="2019-11-21T16:22:39.339" v="1600"/>
+        <pc:sldMkLst>
+          <pc:docMk/>
+          <pc:sldMk cId="1790091734" sldId="259"/>
+        </pc:sldMkLst>
+      </pc:sldChg>
+    </pc:docChg>
+  </pc:docChgLst>
 </pc:chgInfo>
 </file>
 
@@ -8132,6 +8133,424 @@
 </p:sld>
 </file>
 
+<file path=ppt/slides/slide10.xml><?xml version="1.0" encoding="utf-8"?>
+<p:sld xmlns:a="http://schemas.openxmlformats.org/drawingml/2006/main" xmlns:r="http://schemas.openxmlformats.org/officeDocument/2006/relationships" xmlns:p="http://schemas.openxmlformats.org/presentationml/2006/main">
+  <p:cSld>
+    <p:bg>
+      <p:bgPr>
+        <a:solidFill>
+          <a:schemeClr val="bg1"/>
+        </a:solidFill>
+        <a:effectLst/>
+      </p:bgPr>
+    </p:bg>
+    <p:spTree>
+      <p:nvGrpSpPr>
+        <p:cNvPr id="1" name=""/>
+        <p:cNvGrpSpPr/>
+        <p:nvPr/>
+      </p:nvGrpSpPr>
+      <p:grpSpPr>
+        <a:xfrm>
+          <a:off x="0" y="0"/>
+          <a:ext cx="0" cy="0"/>
+          <a:chOff x="0" y="0"/>
+          <a:chExt cx="0" cy="0"/>
+        </a:xfrm>
+      </p:grpSpPr>
+      <p:sp useBgFill="1">
+        <p:nvSpPr>
+          <p:cNvPr id="42" name="Rectangle 41">
+            <a:extLst>
+              <a:ext uri="{FF2B5EF4-FFF2-40B4-BE49-F238E27FC236}">
+                <a16:creationId xmlns:a16="http://schemas.microsoft.com/office/drawing/2014/main" id="{9F4444CE-BC8D-4D61-B303-4C05614E62AB}"/>
+              </a:ext>
+              <a:ext uri="{C183D7F6-B498-43B3-948B-1728B52AA6E4}">
+                <adec:decorative xmlns:adec="http://schemas.microsoft.com/office/drawing/2017/decorative" val="1"/>
+              </a:ext>
+            </a:extLst>
+          </p:cNvPr>
+          <p:cNvSpPr>
+            <a:spLocks noGrp="1" noRot="1" noChangeAspect="1" noMove="1" noResize="1" noEditPoints="1" noAdjustHandles="1" noChangeArrowheads="1" noChangeShapeType="1" noTextEdit="1"/>
+          </p:cNvSpPr>
+          <p:nvPr>
+            <p:extLst>
+              <p:ext uri="{386F3935-93C4-4BCD-93E2-E3B085C9AB24}">
+                <p16:designElem xmlns:p16="http://schemas.microsoft.com/office/powerpoint/2015/main" val="1"/>
+              </p:ext>
+            </p:extLst>
+          </p:nvPr>
+        </p:nvSpPr>
+        <p:spPr>
+          <a:xfrm>
+            <a:off x="0" y="0"/>
+            <a:ext cx="12192000" cy="6858000"/>
+          </a:xfrm>
+          <a:prstGeom prst="rect">
+            <a:avLst/>
+          </a:prstGeom>
+          <a:ln>
+            <a:noFill/>
+          </a:ln>
+        </p:spPr>
+        <p:style>
+          <a:lnRef idx="2">
+            <a:schemeClr val="accent1">
+              <a:shade val="50000"/>
+            </a:schemeClr>
+          </a:lnRef>
+          <a:fillRef idx="1">
+            <a:schemeClr val="accent1"/>
+          </a:fillRef>
+          <a:effectRef idx="0">
+            <a:schemeClr val="accent1"/>
+          </a:effectRef>
+          <a:fontRef idx="minor">
+            <a:schemeClr val="lt1"/>
+          </a:fontRef>
+        </p:style>
+        <p:txBody>
+          <a:bodyPr rtlCol="0" anchor="ctr"/>
+          <a:lstStyle/>
+          <a:p>
+            <a:pPr algn="ctr"/>
+            <a:endParaRPr lang="en-US"/>
+          </a:p>
+        </p:txBody>
+      </p:sp>
+      <p:sp>
+        <p:nvSpPr>
+          <p:cNvPr id="44" name="Rectangle 43">
+            <a:extLst>
+              <a:ext uri="{FF2B5EF4-FFF2-40B4-BE49-F238E27FC236}">
+                <a16:creationId xmlns:a16="http://schemas.microsoft.com/office/drawing/2014/main" id="{62423CA5-E2E1-4789-B759-9906C1C94063}"/>
+              </a:ext>
+              <a:ext uri="{C183D7F6-B498-43B3-948B-1728B52AA6E4}">
+                <adec:decorative xmlns:adec="http://schemas.microsoft.com/office/drawing/2017/decorative" val="1"/>
+              </a:ext>
+            </a:extLst>
+          </p:cNvPr>
+          <p:cNvSpPr>
+            <a:spLocks noGrp="1" noRot="1" noChangeAspect="1" noMove="1" noResize="1" noEditPoints="1" noAdjustHandles="1" noChangeArrowheads="1" noChangeShapeType="1" noTextEdit="1"/>
+          </p:cNvSpPr>
+          <p:nvPr>
+            <p:extLst>
+              <p:ext uri="{386F3935-93C4-4BCD-93E2-E3B085C9AB24}">
+                <p16:designElem xmlns:p16="http://schemas.microsoft.com/office/powerpoint/2015/main" val="1"/>
+              </p:ext>
+            </p:extLst>
+          </p:nvPr>
+        </p:nvSpPr>
+        <p:spPr>
+          <a:xfrm>
+            <a:off x="0" y="-3"/>
+            <a:ext cx="4660126" cy="6858000"/>
+          </a:xfrm>
+          <a:prstGeom prst="rect">
+            <a:avLst/>
+          </a:prstGeom>
+          <a:solidFill>
+            <a:schemeClr val="tx2"/>
+          </a:solidFill>
+          <a:ln>
+            <a:noFill/>
+          </a:ln>
+          <a:effectLst/>
+        </p:spPr>
+        <p:style>
+          <a:lnRef idx="1">
+            <a:schemeClr val="accent1"/>
+          </a:lnRef>
+          <a:fillRef idx="3">
+            <a:schemeClr val="accent1"/>
+          </a:fillRef>
+          <a:effectRef idx="2">
+            <a:schemeClr val="accent1"/>
+          </a:effectRef>
+          <a:fontRef idx="minor">
+            <a:schemeClr val="lt1"/>
+          </a:fontRef>
+        </p:style>
+        <p:txBody>
+          <a:bodyPr/>
+          <a:lstStyle/>
+          <a:p>
+            <a:endParaRPr lang="en-US"/>
+          </a:p>
+        </p:txBody>
+      </p:sp>
+      <p:sp>
+        <p:nvSpPr>
+          <p:cNvPr id="46" name="Isosceles Triangle 45">
+            <a:extLst>
+              <a:ext uri="{FF2B5EF4-FFF2-40B4-BE49-F238E27FC236}">
+                <a16:creationId xmlns:a16="http://schemas.microsoft.com/office/drawing/2014/main" id="{73772B81-181F-48B7-8826-4D9686D15DF5}"/>
+              </a:ext>
+              <a:ext uri="{C183D7F6-B498-43B3-948B-1728B52AA6E4}">
+                <adec:decorative xmlns:adec="http://schemas.microsoft.com/office/drawing/2017/decorative" val="1"/>
+              </a:ext>
+            </a:extLst>
+          </p:cNvPr>
+          <p:cNvSpPr>
+            <a:spLocks noGrp="1" noRot="1" noChangeAspect="1" noMove="1" noResize="1" noEditPoints="1" noAdjustHandles="1" noChangeArrowheads="1" noChangeShapeType="1" noTextEdit="1"/>
+          </p:cNvSpPr>
+          <p:nvPr>
+            <p:extLst>
+              <p:ext uri="{386F3935-93C4-4BCD-93E2-E3B085C9AB24}">
+                <p16:designElem xmlns:p16="http://schemas.microsoft.com/office/powerpoint/2015/main" val="1"/>
+              </p:ext>
+            </p:extLst>
+          </p:nvPr>
+        </p:nvSpPr>
+        <p:spPr>
+          <a:xfrm rot="10800000">
+            <a:off x="4660127" y="-3"/>
+            <a:ext cx="1056745" cy="6858001"/>
+          </a:xfrm>
+          <a:prstGeom prst="triangle">
+            <a:avLst>
+              <a:gd name="adj" fmla="val 100000"/>
+            </a:avLst>
+          </a:prstGeom>
+          <a:solidFill>
+            <a:schemeClr val="tx2"/>
+          </a:solidFill>
+          <a:ln>
+            <a:noFill/>
+          </a:ln>
+          <a:effectLst/>
+        </p:spPr>
+        <p:style>
+          <a:lnRef idx="1">
+            <a:schemeClr val="accent1"/>
+          </a:lnRef>
+          <a:fillRef idx="3">
+            <a:schemeClr val="accent1"/>
+          </a:fillRef>
+          <a:effectRef idx="2">
+            <a:schemeClr val="accent1"/>
+          </a:effectRef>
+          <a:fontRef idx="minor">
+            <a:schemeClr val="lt1"/>
+          </a:fontRef>
+        </p:style>
+        <p:txBody>
+          <a:bodyPr/>
+          <a:lstStyle/>
+          <a:p>
+            <a:endParaRPr lang="en-US" dirty="0"/>
+          </a:p>
+        </p:txBody>
+      </p:sp>
+      <p:sp>
+        <p:nvSpPr>
+          <p:cNvPr id="2" name="Titre 1">
+            <a:extLst>
+              <a:ext uri="{FF2B5EF4-FFF2-40B4-BE49-F238E27FC236}">
+                <a16:creationId xmlns:a16="http://schemas.microsoft.com/office/drawing/2014/main" id="{13FACD13-5C83-490A-84E3-BB1E835DF621}"/>
+              </a:ext>
+            </a:extLst>
+          </p:cNvPr>
+          <p:cNvSpPr>
+            <a:spLocks noGrp="1"/>
+          </p:cNvSpPr>
+          <p:nvPr>
+            <p:ph type="title"/>
+          </p:nvPr>
+        </p:nvSpPr>
+        <p:spPr>
+          <a:xfrm>
+            <a:off x="673754" y="643467"/>
+            <a:ext cx="4203045" cy="1375608"/>
+          </a:xfrm>
+        </p:spPr>
+        <p:txBody>
+          <a:bodyPr vert="horz" lIns="91440" tIns="45720" rIns="91440" bIns="45720" rtlCol="0" anchor="ctr">
+            <a:normAutofit/>
+          </a:bodyPr>
+          <a:lstStyle/>
+          <a:p>
+            <a:r>
+              <a:rPr lang="en-US" sz="3300">
+                <a:solidFill>
+                  <a:schemeClr val="bg1"/>
+                </a:solidFill>
+              </a:rPr>
+              <a:t>Le code : étape 6</a:t>
+            </a:r>
+            <a:br>
+              <a:rPr lang="en-US" sz="3300">
+                <a:solidFill>
+                  <a:schemeClr val="bg1"/>
+                </a:solidFill>
+              </a:rPr>
+            </a:br>
+            <a:r>
+              <a:rPr lang="en-US" sz="3300">
+                <a:solidFill>
+                  <a:schemeClr val="bg1"/>
+                </a:solidFill>
+              </a:rPr>
+              <a:t>Résolution du sudoku</a:t>
+            </a:r>
+          </a:p>
+        </p:txBody>
+      </p:sp>
+      <p:sp>
+        <p:nvSpPr>
+          <p:cNvPr id="3" name="Espace réservé du contenu 2">
+            <a:extLst>
+              <a:ext uri="{FF2B5EF4-FFF2-40B4-BE49-F238E27FC236}">
+                <a16:creationId xmlns:a16="http://schemas.microsoft.com/office/drawing/2014/main" id="{7344185D-9E4D-4C30-9E2A-4B9ED3974235}"/>
+              </a:ext>
+            </a:extLst>
+          </p:cNvPr>
+          <p:cNvSpPr>
+            <a:spLocks noGrp="1"/>
+          </p:cNvSpPr>
+          <p:nvPr>
+            <p:ph idx="1"/>
+          </p:nvPr>
+        </p:nvSpPr>
+        <p:spPr>
+          <a:xfrm>
+            <a:off x="673754" y="2160590"/>
+            <a:ext cx="3973943" cy="3440110"/>
+          </a:xfrm>
+        </p:spPr>
+        <p:txBody>
+          <a:bodyPr vert="horz" lIns="91440" tIns="45720" rIns="91440" bIns="45720" rtlCol="0">
+            <a:normAutofit/>
+          </a:bodyPr>
+          <a:lstStyle/>
+          <a:p>
+            <a:pPr marL="0" indent="0">
+              <a:buNone/>
+            </a:pPr>
+            <a:r>
+              <a:rPr lang="en-US">
+                <a:solidFill>
+                  <a:schemeClr val="bg1"/>
+                </a:solidFill>
+              </a:rPr>
+              <a:t>Raphaël et Tristan</a:t>
+            </a:r>
+          </a:p>
+        </p:txBody>
+      </p:sp>
+      <p:pic>
+        <p:nvPicPr>
+          <p:cNvPr id="4" name="Image 3" descr="Une image contenant mur&#10;&#10;Description générée automatiquement">
+            <a:extLst>
+              <a:ext uri="{FF2B5EF4-FFF2-40B4-BE49-F238E27FC236}">
+                <a16:creationId xmlns:a16="http://schemas.microsoft.com/office/drawing/2014/main" id="{086EA87A-1CA5-4D06-97E3-64B32C99A8F2}"/>
+              </a:ext>
+            </a:extLst>
+          </p:cNvPr>
+          <p:cNvPicPr>
+            <a:picLocks noChangeAspect="1"/>
+          </p:cNvPicPr>
+          <p:nvPr/>
+        </p:nvPicPr>
+        <p:blipFill rotWithShape="1">
+          <a:blip r:embed="rId2">
+            <a:extLst>
+              <a:ext uri="{28A0092B-C50C-407E-A947-70E740481C1C}">
+                <a14:useLocalDpi xmlns:a14="http://schemas.microsoft.com/office/drawing/2010/main" val="0"/>
+              </a:ext>
+            </a:extLst>
+          </a:blip>
+          <a:srcRect l="508" t="-314" r="3169" b="2891"/>
+          <a:stretch/>
+        </p:blipFill>
+        <p:spPr>
+          <a:xfrm>
+            <a:off x="6029325" y="419100"/>
+            <a:ext cx="5334001" cy="5648326"/>
+          </a:xfrm>
+          <a:prstGeom prst="rect">
+            <a:avLst/>
+          </a:prstGeom>
+        </p:spPr>
+      </p:pic>
+      <p:sp>
+        <p:nvSpPr>
+          <p:cNvPr id="48" name="Isosceles Triangle 47">
+            <a:extLst>
+              <a:ext uri="{FF2B5EF4-FFF2-40B4-BE49-F238E27FC236}">
+                <a16:creationId xmlns:a16="http://schemas.microsoft.com/office/drawing/2014/main" id="{B2205F6E-03C6-4E92-877C-E2482F6599AA}"/>
+              </a:ext>
+              <a:ext uri="{C183D7F6-B498-43B3-948B-1728B52AA6E4}">
+                <adec:decorative xmlns:adec="http://schemas.microsoft.com/office/drawing/2017/decorative" val="1"/>
+              </a:ext>
+            </a:extLst>
+          </p:cNvPr>
+          <p:cNvSpPr>
+            <a:spLocks noGrp="1" noRot="1" noChangeAspect="1" noMove="1" noResize="1" noEditPoints="1" noAdjustHandles="1" noChangeArrowheads="1" noChangeShapeType="1" noTextEdit="1"/>
+          </p:cNvSpPr>
+          <p:nvPr>
+            <p:extLst>
+              <p:ext uri="{386F3935-93C4-4BCD-93E2-E3B085C9AB24}">
+                <p16:designElem xmlns:p16="http://schemas.microsoft.com/office/powerpoint/2015/main" val="1"/>
+              </p:ext>
+            </p:extLst>
+          </p:nvPr>
+        </p:nvSpPr>
+        <p:spPr>
+          <a:xfrm flipH="1">
+            <a:off x="11755696" y="4013200"/>
+            <a:ext cx="448733" cy="2844800"/>
+          </a:xfrm>
+          <a:prstGeom prst="triangle">
+            <a:avLst>
+              <a:gd name="adj" fmla="val 0"/>
+            </a:avLst>
+          </a:prstGeom>
+          <a:solidFill>
+            <a:schemeClr val="accent1">
+              <a:alpha val="85000"/>
+            </a:schemeClr>
+          </a:solidFill>
+          <a:ln>
+            <a:noFill/>
+          </a:ln>
+          <a:effectLst/>
+        </p:spPr>
+        <p:style>
+          <a:lnRef idx="1">
+            <a:schemeClr val="accent1"/>
+          </a:lnRef>
+          <a:fillRef idx="3">
+            <a:schemeClr val="accent1"/>
+          </a:fillRef>
+          <a:effectRef idx="2">
+            <a:schemeClr val="accent1"/>
+          </a:effectRef>
+          <a:fontRef idx="minor">
+            <a:schemeClr val="lt1"/>
+          </a:fontRef>
+        </p:style>
+        <p:txBody>
+          <a:bodyPr/>
+          <a:lstStyle/>
+          <a:p>
+            <a:endParaRPr lang="en-US" dirty="0"/>
+          </a:p>
+        </p:txBody>
+      </p:sp>
+    </p:spTree>
+    <p:extLst>
+      <p:ext uri="{BB962C8B-B14F-4D97-AF65-F5344CB8AC3E}">
+        <p14:creationId xmlns:p14="http://schemas.microsoft.com/office/powerpoint/2010/main" val="2081831426"/>
+      </p:ext>
+    </p:extLst>
+  </p:cSld>
+  <p:clrMapOvr>
+    <a:masterClrMapping/>
+  </p:clrMapOvr>
+</p:sld>
+</file>
+
 <file path=ppt/slides/slide2.xml><?xml version="1.0" encoding="utf-8"?>
 <p:sld xmlns:a="http://schemas.openxmlformats.org/drawingml/2006/main" xmlns:r="http://schemas.openxmlformats.org/officeDocument/2006/relationships" xmlns:p="http://schemas.openxmlformats.org/presentationml/2006/main">
   <p:cSld>
@@ -10352,7 +10771,7 @@
               </a:lnSpc>
             </a:pPr>
             <a:r>
-              <a:rPr lang="fr-FR" sz="3100">
+              <a:rPr lang="fr-FR" sz="3100" dirty="0">
                 <a:solidFill>
                   <a:schemeClr val="bg1"/>
                 </a:solidFill>
@@ -10360,14 +10779,14 @@
               <a:t>Le code : étape 2</a:t>
             </a:r>
             <a:br>
-              <a:rPr lang="fr-FR" sz="3100">
+              <a:rPr lang="fr-FR" sz="3100" dirty="0">
                 <a:solidFill>
                   <a:schemeClr val="bg1"/>
                 </a:solidFill>
               </a:rPr>
             </a:br>
             <a:r>
-              <a:rPr lang="fr-FR" sz="3100">
+              <a:rPr lang="fr-FR" sz="3100" dirty="0">
                 <a:solidFill>
                   <a:schemeClr val="bg1"/>
                 </a:solidFill>
@@ -10406,12 +10825,12 @@
           <a:lstStyle/>
           <a:p>
             <a:r>
-              <a:rPr lang="fr-FR">
+              <a:rPr lang="fr-FR" dirty="0">
                 <a:solidFill>
                   <a:schemeClr val="bg1"/>
                 </a:solidFill>
               </a:rPr>
-              <a:t>Barthélémy</a:t>
+              <a:t>Passage en nuance de gris</a:t>
             </a:r>
           </a:p>
         </p:txBody>
@@ -10483,10 +10902,10 @@
       </p:sp>
       <p:pic>
         <p:nvPicPr>
-          <p:cNvPr id="24" name="Image 23" descr="Une image contenant texte&#10;&#10;Description générée automatiquement">
+          <p:cNvPr id="11" name="Espace réservé du contenu 14">
             <a:extLst>
               <a:ext uri="{FF2B5EF4-FFF2-40B4-BE49-F238E27FC236}">
-                <a16:creationId xmlns:a16="http://schemas.microsoft.com/office/drawing/2014/main" id="{BE31BE43-305D-401D-AC7C-7F7688CE0926}"/>
+                <a16:creationId xmlns:a16="http://schemas.microsoft.com/office/drawing/2014/main" id="{39F6CEC6-1482-4EB8-84AC-4329DE611FFD}"/>
               </a:ext>
             </a:extLst>
           </p:cNvPr>
@@ -10496,7 +10915,7 @@
           <p:nvPr/>
         </p:nvPicPr>
         <p:blipFill>
-          <a:blip r:embed="rId2">
+          <a:blip r:embed="rId2" cstate="print">
             <a:extLst>
               <a:ext uri="{28A0092B-C50C-407E-A947-70E740481C1C}">
                 <a14:useLocalDpi xmlns:a14="http://schemas.microsoft.com/office/drawing/2010/main" val="0"/>
@@ -10509,20 +10928,66 @@
         </p:blipFill>
         <p:spPr>
           <a:xfrm>
-            <a:off x="6224537" y="383533"/>
-            <a:ext cx="2494597" cy="2654942"/>
+            <a:off x="5854740" y="417082"/>
+            <a:ext cx="2419712" cy="2574574"/>
           </a:xfrm>
           <a:prstGeom prst="rect">
             <a:avLst/>
           </a:prstGeom>
         </p:spPr>
       </p:pic>
+      <p:sp>
+        <p:nvSpPr>
+          <p:cNvPr id="12" name="Flèche droite 15">
+            <a:extLst>
+              <a:ext uri="{FF2B5EF4-FFF2-40B4-BE49-F238E27FC236}">
+                <a16:creationId xmlns:a16="http://schemas.microsoft.com/office/drawing/2014/main" id="{D107810A-5CA0-49C3-8025-6EFAB1FC08F1}"/>
+              </a:ext>
+            </a:extLst>
+          </p:cNvPr>
+          <p:cNvSpPr/>
+          <p:nvPr/>
+        </p:nvSpPr>
+        <p:spPr>
+          <a:xfrm rot="1671089">
+            <a:off x="8380357" y="2961527"/>
+            <a:ext cx="672431" cy="329479"/>
+          </a:xfrm>
+          <a:prstGeom prst="rightArrow">
+            <a:avLst/>
+          </a:prstGeom>
+        </p:spPr>
+        <p:style>
+          <a:lnRef idx="2">
+            <a:schemeClr val="accent1">
+              <a:shade val="50000"/>
+            </a:schemeClr>
+          </a:lnRef>
+          <a:fillRef idx="1">
+            <a:schemeClr val="accent1"/>
+          </a:fillRef>
+          <a:effectRef idx="0">
+            <a:schemeClr val="accent1"/>
+          </a:effectRef>
+          <a:fontRef idx="minor">
+            <a:schemeClr val="lt1"/>
+          </a:fontRef>
+        </p:style>
+        <p:txBody>
+          <a:bodyPr rtlCol="0" anchor="ctr"/>
+          <a:lstStyle/>
+          <a:p>
+            <a:pPr algn="ctr"/>
+            <a:endParaRPr lang="fr-FR" dirty="0"/>
+          </a:p>
+        </p:txBody>
+      </p:sp>
       <p:pic>
         <p:nvPicPr>
-          <p:cNvPr id="25" name="Image 24" descr="Une image contenant équipement électronique&#10;&#10;Description générée automatiquement">
+          <p:cNvPr id="13" name="Image 12">
             <a:extLst>
               <a:ext uri="{FF2B5EF4-FFF2-40B4-BE49-F238E27FC236}">
-                <a16:creationId xmlns:a16="http://schemas.microsoft.com/office/drawing/2014/main" id="{F497AC1C-252E-4ECF-B615-E3DEAFBA7312}"/>
+                <a16:creationId xmlns:a16="http://schemas.microsoft.com/office/drawing/2014/main" id="{17FFD04B-C4B7-46A3-A71D-39BC6821D983}"/>
               </a:ext>
             </a:extLst>
           </p:cNvPr>
@@ -10531,7 +10996,7 @@
           </p:cNvPicPr>
           <p:nvPr/>
         </p:nvPicPr>
-        <p:blipFill rotWithShape="1">
+        <p:blipFill>
           <a:blip r:embed="rId3">
             <a:extLst>
               <a:ext uri="{28A0092B-C50C-407E-A947-70E740481C1C}">
@@ -10539,48 +11004,14 @@
               </a:ext>
             </a:extLst>
           </a:blip>
-          <a:srcRect l="7427" t="3887" r="40292" b="3890"/>
-          <a:stretch/>
+          <a:stretch>
+            <a:fillRect/>
+          </a:stretch>
         </p:blipFill>
         <p:spPr>
           <a:xfrm>
-            <a:off x="9070999" y="2253221"/>
-            <a:ext cx="2539976" cy="2520225"/>
-          </a:xfrm>
-          <a:prstGeom prst="rect">
-            <a:avLst/>
-          </a:prstGeom>
-        </p:spPr>
-      </p:pic>
-      <p:pic>
-        <p:nvPicPr>
-          <p:cNvPr id="26" name="Image 25" descr="Une image contenant noir, photo, intérieur&#10;&#10;Description générée automatiquement">
-            <a:extLst>
-              <a:ext uri="{FF2B5EF4-FFF2-40B4-BE49-F238E27FC236}">
-                <a16:creationId xmlns:a16="http://schemas.microsoft.com/office/drawing/2014/main" id="{2BBB0C19-AF96-49C0-936D-E5E6CE3D85E7}"/>
-              </a:ext>
-            </a:extLst>
-          </p:cNvPr>
-          <p:cNvPicPr>
-            <a:picLocks noChangeAspect="1"/>
-          </p:cNvPicPr>
-          <p:nvPr/>
-        </p:nvPicPr>
-        <p:blipFill rotWithShape="1">
-          <a:blip r:embed="rId4">
-            <a:extLst>
-              <a:ext uri="{28A0092B-C50C-407E-A947-70E740481C1C}">
-                <a14:useLocalDpi xmlns:a14="http://schemas.microsoft.com/office/drawing/2010/main" val="0"/>
-              </a:ext>
-            </a:extLst>
-          </a:blip>
-          <a:srcRect l="2549" t="3889" r="45173" b="5927"/>
-          <a:stretch/>
-        </p:blipFill>
-        <p:spPr>
-          <a:xfrm>
-            <a:off x="6232948" y="3898011"/>
-            <a:ext cx="2539975" cy="2464689"/>
+            <a:off x="9090804" y="3307910"/>
+            <a:ext cx="2419713" cy="2574574"/>
           </a:xfrm>
           <a:prstGeom prst="rect">
             <a:avLst/>
@@ -10627,7 +11058,7 @@
       </p:grpSpPr>
       <p:sp useBgFill="1">
         <p:nvSpPr>
-          <p:cNvPr id="11" name="Rectangle 11">
+          <p:cNvPr id="9" name="Rectangle 8">
             <a:extLst>
               <a:ext uri="{FF2B5EF4-FFF2-40B4-BE49-F238E27FC236}">
                 <a16:creationId xmlns:a16="http://schemas.microsoft.com/office/drawing/2014/main" id="{9F4444CE-BC8D-4D61-B303-4C05614E62AB}"/>
@@ -10687,7 +11118,7 @@
       </p:sp>
       <p:sp>
         <p:nvSpPr>
-          <p:cNvPr id="14" name="Rectangle 13">
+          <p:cNvPr id="11" name="Rectangle 10">
             <a:extLst>
               <a:ext uri="{FF2B5EF4-FFF2-40B4-BE49-F238E27FC236}">
                 <a16:creationId xmlns:a16="http://schemas.microsoft.com/office/drawing/2014/main" id="{62423CA5-E2E1-4789-B759-9906C1C94063}"/>
@@ -10748,7 +11179,7 @@
       </p:sp>
       <p:sp>
         <p:nvSpPr>
-          <p:cNvPr id="16" name="Isosceles Triangle 15">
+          <p:cNvPr id="13" name="Isosceles Triangle 12">
             <a:extLst>
               <a:ext uri="{FF2B5EF4-FFF2-40B4-BE49-F238E27FC236}">
                 <a16:creationId xmlns:a16="http://schemas.microsoft.com/office/drawing/2014/main" id="{73772B81-181F-48B7-8826-4D9686D15DF5}"/>
@@ -10811,10 +11242,10 @@
       </p:sp>
       <p:sp>
         <p:nvSpPr>
-          <p:cNvPr id="5" name="Titre 1">
+          <p:cNvPr id="2" name="Titre 1">
             <a:extLst>
               <a:ext uri="{FF2B5EF4-FFF2-40B4-BE49-F238E27FC236}">
-                <a16:creationId xmlns:a16="http://schemas.microsoft.com/office/drawing/2014/main" id="{1B652E8B-50A0-429F-AC11-CE0F63919C4F}"/>
+                <a16:creationId xmlns:a16="http://schemas.microsoft.com/office/drawing/2014/main" id="{E6F233D1-F469-445B-99E5-DE94A71FD0A8}"/>
               </a:ext>
             </a:extLst>
           </p:cNvPr>
@@ -10833,37 +11264,32 @@
         </p:spPr>
         <p:txBody>
           <a:bodyPr anchor="ctr">
-            <a:normAutofit/>
+            <a:normAutofit fontScale="90000"/>
           </a:bodyPr>
           <a:lstStyle/>
           <a:p>
-            <a:pPr>
-              <a:lnSpc>
-                <a:spcPct val="90000"/>
-              </a:lnSpc>
-            </a:pPr>
             <a:r>
-              <a:rPr lang="fr-FR" sz="2800">
+              <a:rPr lang="fr-FR" dirty="0">
                 <a:solidFill>
                   <a:schemeClr val="bg1"/>
                 </a:solidFill>
               </a:rPr>
-              <a:t>Le code : étape 3</a:t>
+              <a:t>Le code : étape 2</a:t>
             </a:r>
             <a:br>
-              <a:rPr lang="fr-FR" sz="2800">
+              <a:rPr lang="fr-FR" dirty="0">
                 <a:solidFill>
                   <a:schemeClr val="bg1"/>
                 </a:solidFill>
               </a:rPr>
             </a:br>
             <a:r>
-              <a:rPr lang="fr-FR" sz="2800">
+              <a:rPr lang="fr-FR" dirty="0">
                 <a:solidFill>
                   <a:schemeClr val="bg1"/>
                 </a:solidFill>
               </a:rPr>
-              <a:t>détection de la grille et redressage de la photo</a:t>
+              <a:t>passage de l’image en noir et blanc</a:t>
             </a:r>
           </a:p>
         </p:txBody>
@@ -10873,7 +11299,7 @@
           <p:cNvPr id="3" name="Espace réservé du contenu 2">
             <a:extLst>
               <a:ext uri="{FF2B5EF4-FFF2-40B4-BE49-F238E27FC236}">
-                <a16:creationId xmlns:a16="http://schemas.microsoft.com/office/drawing/2014/main" id="{8F9F1B74-FC58-4489-BB60-A2C51D0686FB}"/>
+                <a16:creationId xmlns:a16="http://schemas.microsoft.com/office/drawing/2014/main" id="{1E8A0C3B-77CD-49C1-AB58-9D7092C36300}"/>
               </a:ext>
             </a:extLst>
           </p:cNvPr>
@@ -10897,19 +11323,65 @@
           <a:lstStyle/>
           <a:p>
             <a:r>
-              <a:rPr lang="fr-FR">
+              <a:rPr lang="fr-FR" dirty="0">
                 <a:solidFill>
                   <a:schemeClr val="bg1"/>
                 </a:solidFill>
               </a:rPr>
-              <a:t>Thomas</a:t>
+              <a:t>Moyenne globale ?</a:t>
             </a:r>
           </a:p>
-        </p:txBody>
-      </p:sp>
-      <p:sp>
-        <p:nvSpPr>
-          <p:cNvPr id="17" name="Isosceles Triangle 17">
+          <a:p>
+            <a:r>
+              <a:rPr lang="fr-FR" dirty="0">
+                <a:solidFill>
+                  <a:schemeClr val="bg1"/>
+                </a:solidFill>
+              </a:rPr>
+              <a:t>On préfère une moyenne locale</a:t>
+            </a:r>
+          </a:p>
+        </p:txBody>
+      </p:sp>
+      <p:pic>
+        <p:nvPicPr>
+          <p:cNvPr id="4" name="Espace réservé du contenu 7">
+            <a:extLst>
+              <a:ext uri="{FF2B5EF4-FFF2-40B4-BE49-F238E27FC236}">
+                <a16:creationId xmlns:a16="http://schemas.microsoft.com/office/drawing/2014/main" id="{F0B14F08-17FD-4EEF-B467-975C25F42693}"/>
+              </a:ext>
+            </a:extLst>
+          </p:cNvPr>
+          <p:cNvPicPr>
+            <a:picLocks noChangeAspect="1"/>
+          </p:cNvPicPr>
+          <p:nvPr/>
+        </p:nvPicPr>
+        <p:blipFill>
+          <a:blip r:embed="rId2">
+            <a:extLst>
+              <a:ext uri="{28A0092B-C50C-407E-A947-70E740481C1C}">
+                <a14:useLocalDpi xmlns:a14="http://schemas.microsoft.com/office/drawing/2010/main" val="0"/>
+              </a:ext>
+            </a:extLst>
+          </a:blip>
+          <a:stretch>
+            <a:fillRect/>
+          </a:stretch>
+        </p:blipFill>
+        <p:spPr>
+          <a:xfrm>
+            <a:off x="5994290" y="321909"/>
+            <a:ext cx="3986372" cy="2780494"/>
+          </a:xfrm>
+          <a:prstGeom prst="rect">
+            <a:avLst/>
+          </a:prstGeom>
+        </p:spPr>
+      </p:pic>
+      <p:sp>
+        <p:nvSpPr>
+          <p:cNvPr id="15" name="Isosceles Triangle 14">
             <a:extLst>
               <a:ext uri="{FF2B5EF4-FFF2-40B4-BE49-F238E27FC236}">
                 <a16:creationId xmlns:a16="http://schemas.microsoft.com/office/drawing/2014/main" id="{B2205F6E-03C6-4E92-877C-E2482F6599AA}"/>
@@ -10974,10 +11446,10 @@
       </p:sp>
       <p:pic>
         <p:nvPicPr>
-          <p:cNvPr id="29" name="Image 28">
+          <p:cNvPr id="10" name="Image 9">
             <a:extLst>
               <a:ext uri="{FF2B5EF4-FFF2-40B4-BE49-F238E27FC236}">
-                <a16:creationId xmlns:a16="http://schemas.microsoft.com/office/drawing/2014/main" id="{CD497FA0-BBD1-4842-A4EC-723B7BA68253}"/>
+                <a16:creationId xmlns:a16="http://schemas.microsoft.com/office/drawing/2014/main" id="{5A3EDFC4-1833-4843-8D98-95F216059397}"/>
               </a:ext>
             </a:extLst>
           </p:cNvPr>
@@ -10987,15 +11459,15 @@
           <p:nvPr/>
         </p:nvPicPr>
         <p:blipFill>
-          <a:blip r:embed="rId2"/>
+          <a:blip r:embed="rId3"/>
           <a:stretch>
             <a:fillRect/>
           </a:stretch>
         </p:blipFill>
         <p:spPr>
           <a:xfrm>
-            <a:off x="5716872" y="723900"/>
-            <a:ext cx="2787158" cy="3125785"/>
+            <a:off x="5716872" y="4145408"/>
+            <a:ext cx="2771807" cy="2390683"/>
           </a:xfrm>
           <a:prstGeom prst="rect">
             <a:avLst/>
@@ -11004,10 +11476,10 @@
       </p:pic>
       <p:pic>
         <p:nvPicPr>
-          <p:cNvPr id="30" name="Image 29" descr="Une image contenant texte&#10;&#10;Description générée automatiquement">
+          <p:cNvPr id="12" name="Image 11">
             <a:extLst>
               <a:ext uri="{FF2B5EF4-FFF2-40B4-BE49-F238E27FC236}">
-                <a16:creationId xmlns:a16="http://schemas.microsoft.com/office/drawing/2014/main" id="{C647F96E-C0FA-479D-8D50-E952C346196E}"/>
+                <a16:creationId xmlns:a16="http://schemas.microsoft.com/office/drawing/2014/main" id="{384EF9B5-1E59-448B-A189-7413452C50DA}"/>
               </a:ext>
             </a:extLst>
           </p:cNvPr>
@@ -11017,7 +11489,7 @@
           <p:nvPr/>
         </p:nvPicPr>
         <p:blipFill>
-          <a:blip r:embed="rId3">
+          <a:blip r:embed="rId4">
             <a:extLst>
               <a:ext uri="{28A0092B-C50C-407E-A947-70E740481C1C}">
                 <a14:useLocalDpi xmlns:a14="http://schemas.microsoft.com/office/drawing/2010/main" val="0"/>
@@ -11030,43 +11502,8 @@
         </p:blipFill>
         <p:spPr>
           <a:xfrm>
-            <a:off x="9129699" y="723900"/>
-            <a:ext cx="2494597" cy="2654942"/>
-          </a:xfrm>
-          <a:prstGeom prst="rect">
-            <a:avLst/>
-          </a:prstGeom>
-        </p:spPr>
-      </p:pic>
-      <p:pic>
-        <p:nvPicPr>
-          <p:cNvPr id="31" name="Image 30" descr="Une image contenant noir, mur, intérieur, assis&#10;&#10;Description générée automatiquement">
-            <a:extLst>
-              <a:ext uri="{FF2B5EF4-FFF2-40B4-BE49-F238E27FC236}">
-                <a16:creationId xmlns:a16="http://schemas.microsoft.com/office/drawing/2014/main" id="{D889C11D-6AE3-4909-8EA4-188836D66E09}"/>
-              </a:ext>
-            </a:extLst>
-          </p:cNvPr>
-          <p:cNvPicPr>
-            <a:picLocks noChangeAspect="1"/>
-          </p:cNvPicPr>
-          <p:nvPr/>
-        </p:nvPicPr>
-        <p:blipFill rotWithShape="1">
-          <a:blip r:embed="rId4">
-            <a:extLst>
-              <a:ext uri="{28A0092B-C50C-407E-A947-70E740481C1C}">
-                <a14:useLocalDpi xmlns:a14="http://schemas.microsoft.com/office/drawing/2010/main" val="0"/>
-              </a:ext>
-            </a:extLst>
-          </a:blip>
-          <a:srcRect l="35388" t="10096" r="22631" b="15341"/>
-          <a:stretch/>
-        </p:blipFill>
-        <p:spPr>
-          <a:xfrm>
-            <a:off x="7469268" y="3791102"/>
-            <a:ext cx="2695194" cy="2692738"/>
+            <a:off x="8846268" y="2431264"/>
+            <a:ext cx="2823624" cy="3004336"/>
           </a:xfrm>
           <a:prstGeom prst="rect">
             <a:avLst/>
@@ -11076,7 +11513,7 @@
     </p:spTree>
     <p:extLst>
       <p:ext uri="{BB962C8B-B14F-4D97-AF65-F5344CB8AC3E}">
-        <p14:creationId xmlns:p14="http://schemas.microsoft.com/office/powerpoint/2010/main" val="2497031422"/>
+        <p14:creationId xmlns:p14="http://schemas.microsoft.com/office/powerpoint/2010/main" val="4144401773"/>
       </p:ext>
     </p:extLst>
   </p:cSld>
@@ -11113,7 +11550,7 @@
       </p:grpSpPr>
       <p:sp useBgFill="1">
         <p:nvSpPr>
-          <p:cNvPr id="11" name="Rectangle 10">
+          <p:cNvPr id="11" name="Rectangle 11">
             <a:extLst>
               <a:ext uri="{FF2B5EF4-FFF2-40B4-BE49-F238E27FC236}">
                 <a16:creationId xmlns:a16="http://schemas.microsoft.com/office/drawing/2014/main" id="{9F4444CE-BC8D-4D61-B303-4C05614E62AB}"/>
@@ -11173,7 +11610,7 @@
       </p:sp>
       <p:sp>
         <p:nvSpPr>
-          <p:cNvPr id="13" name="Rectangle 12">
+          <p:cNvPr id="14" name="Rectangle 13">
             <a:extLst>
               <a:ext uri="{FF2B5EF4-FFF2-40B4-BE49-F238E27FC236}">
                 <a16:creationId xmlns:a16="http://schemas.microsoft.com/office/drawing/2014/main" id="{62423CA5-E2E1-4789-B759-9906C1C94063}"/>
@@ -11234,7 +11671,7 @@
       </p:sp>
       <p:sp>
         <p:nvSpPr>
-          <p:cNvPr id="15" name="Isosceles Triangle 14">
+          <p:cNvPr id="16" name="Isosceles Triangle 15">
             <a:extLst>
               <a:ext uri="{FF2B5EF4-FFF2-40B4-BE49-F238E27FC236}">
                 <a16:creationId xmlns:a16="http://schemas.microsoft.com/office/drawing/2014/main" id="{73772B81-181F-48B7-8826-4D9686D15DF5}"/>
@@ -11297,10 +11734,10 @@
       </p:sp>
       <p:sp>
         <p:nvSpPr>
-          <p:cNvPr id="4" name="Titre 1">
+          <p:cNvPr id="5" name="Titre 1">
             <a:extLst>
               <a:ext uri="{FF2B5EF4-FFF2-40B4-BE49-F238E27FC236}">
-                <a16:creationId xmlns:a16="http://schemas.microsoft.com/office/drawing/2014/main" id="{A3AFACB3-BA3C-4B7D-90E8-9A9F99990D72}"/>
+                <a16:creationId xmlns:a16="http://schemas.microsoft.com/office/drawing/2014/main" id="{1B652E8B-50A0-429F-AC11-CE0F63919C4F}"/>
               </a:ext>
             </a:extLst>
           </p:cNvPr>
@@ -11334,7 +11771,7 @@
                   <a:schemeClr val="bg1"/>
                 </a:solidFill>
               </a:rPr>
-              <a:t>Le code : étape 4</a:t>
+              <a:t>Le code : étape 3</a:t>
             </a:r>
             <a:br>
               <a:rPr lang="fr-FR" sz="2800">
@@ -11359,7 +11796,7 @@
           <p:cNvPr id="3" name="Espace réservé du contenu 2">
             <a:extLst>
               <a:ext uri="{FF2B5EF4-FFF2-40B4-BE49-F238E27FC236}">
-                <a16:creationId xmlns:a16="http://schemas.microsoft.com/office/drawing/2014/main" id="{442181A1-6CDD-4D52-BF21-98DBBDE08B7F}"/>
+                <a16:creationId xmlns:a16="http://schemas.microsoft.com/office/drawing/2014/main" id="{8F9F1B74-FC58-4489-BB60-A2C51D0686FB}"/>
               </a:ext>
             </a:extLst>
           </p:cNvPr>
@@ -11383,58 +11820,19 @@
           <a:lstStyle/>
           <a:p>
             <a:r>
-              <a:rPr lang="fr-FR" dirty="0">
+              <a:rPr lang="fr-FR">
                 <a:solidFill>
                   <a:schemeClr val="bg1"/>
                 </a:solidFill>
               </a:rPr>
-              <a:t>Chloé</a:t>
+              <a:t>Thomas</a:t>
             </a:r>
           </a:p>
         </p:txBody>
       </p:sp>
-      <p:pic>
-        <p:nvPicPr>
-          <p:cNvPr id="8" name="Graphic 7">
-            <a:extLst>
-              <a:ext uri="{FF2B5EF4-FFF2-40B4-BE49-F238E27FC236}">
-                <a16:creationId xmlns:a16="http://schemas.microsoft.com/office/drawing/2014/main" id="{5D2D86DE-B3E7-4394-85B8-3115ADDEBEBA}"/>
-              </a:ext>
-            </a:extLst>
-          </p:cNvPr>
-          <p:cNvPicPr>
-            <a:picLocks noChangeAspect="1"/>
-          </p:cNvPicPr>
-          <p:nvPr/>
-        </p:nvPicPr>
-        <p:blipFill>
-          <a:blip r:embed="rId2">
-            <a:extLst>
-              <a:ext uri="{28A0092B-C50C-407E-A947-70E740481C1C}">
-                <a14:useLocalDpi xmlns:a14="http://schemas.microsoft.com/office/drawing/2010/main" val="0"/>
-              </a:ext>
-              <a:ext uri="{96DAC541-7B7A-43D3-8B79-37D633B846F1}">
-                <asvg:svgBlip xmlns:asvg="http://schemas.microsoft.com/office/drawing/2016/SVG/main" r:embed="rId3"/>
-              </a:ext>
-            </a:extLst>
-          </a:blip>
-          <a:stretch>
-            <a:fillRect/>
-          </a:stretch>
-        </p:blipFill>
-        <p:spPr>
-          <a:xfrm>
-            <a:off x="6217616" y="972608"/>
-            <a:ext cx="4900269" cy="4900269"/>
-          </a:xfrm>
-          <a:prstGeom prst="rect">
-            <a:avLst/>
-          </a:prstGeom>
-        </p:spPr>
-      </p:pic>
-      <p:sp>
-        <p:nvSpPr>
-          <p:cNvPr id="17" name="Isosceles Triangle 16">
+      <p:sp>
+        <p:nvSpPr>
+          <p:cNvPr id="17" name="Isosceles Triangle 17">
             <a:extLst>
               <a:ext uri="{FF2B5EF4-FFF2-40B4-BE49-F238E27FC236}">
                 <a16:creationId xmlns:a16="http://schemas.microsoft.com/office/drawing/2014/main" id="{B2205F6E-03C6-4E92-877C-E2482F6599AA}"/>
@@ -11497,10 +11895,111 @@
           </a:p>
         </p:txBody>
       </p:sp>
+      <p:pic>
+        <p:nvPicPr>
+          <p:cNvPr id="29" name="Image 28">
+            <a:extLst>
+              <a:ext uri="{FF2B5EF4-FFF2-40B4-BE49-F238E27FC236}">
+                <a16:creationId xmlns:a16="http://schemas.microsoft.com/office/drawing/2014/main" id="{CD497FA0-BBD1-4842-A4EC-723B7BA68253}"/>
+              </a:ext>
+            </a:extLst>
+          </p:cNvPr>
+          <p:cNvPicPr>
+            <a:picLocks noChangeAspect="1"/>
+          </p:cNvPicPr>
+          <p:nvPr/>
+        </p:nvPicPr>
+        <p:blipFill>
+          <a:blip r:embed="rId2"/>
+          <a:stretch>
+            <a:fillRect/>
+          </a:stretch>
+        </p:blipFill>
+        <p:spPr>
+          <a:xfrm>
+            <a:off x="5716872" y="723900"/>
+            <a:ext cx="2787158" cy="3125785"/>
+          </a:xfrm>
+          <a:prstGeom prst="rect">
+            <a:avLst/>
+          </a:prstGeom>
+        </p:spPr>
+      </p:pic>
+      <p:pic>
+        <p:nvPicPr>
+          <p:cNvPr id="30" name="Image 29" descr="Une image contenant texte&#10;&#10;Description générée automatiquement">
+            <a:extLst>
+              <a:ext uri="{FF2B5EF4-FFF2-40B4-BE49-F238E27FC236}">
+                <a16:creationId xmlns:a16="http://schemas.microsoft.com/office/drawing/2014/main" id="{C647F96E-C0FA-479D-8D50-E952C346196E}"/>
+              </a:ext>
+            </a:extLst>
+          </p:cNvPr>
+          <p:cNvPicPr>
+            <a:picLocks noChangeAspect="1"/>
+          </p:cNvPicPr>
+          <p:nvPr/>
+        </p:nvPicPr>
+        <p:blipFill>
+          <a:blip r:embed="rId3">
+            <a:extLst>
+              <a:ext uri="{28A0092B-C50C-407E-A947-70E740481C1C}">
+                <a14:useLocalDpi xmlns:a14="http://schemas.microsoft.com/office/drawing/2010/main" val="0"/>
+              </a:ext>
+            </a:extLst>
+          </a:blip>
+          <a:stretch>
+            <a:fillRect/>
+          </a:stretch>
+        </p:blipFill>
+        <p:spPr>
+          <a:xfrm>
+            <a:off x="9129699" y="723900"/>
+            <a:ext cx="2494597" cy="2654942"/>
+          </a:xfrm>
+          <a:prstGeom prst="rect">
+            <a:avLst/>
+          </a:prstGeom>
+        </p:spPr>
+      </p:pic>
+      <p:pic>
+        <p:nvPicPr>
+          <p:cNvPr id="31" name="Image 30" descr="Une image contenant noir, mur, intérieur, assis&#10;&#10;Description générée automatiquement">
+            <a:extLst>
+              <a:ext uri="{FF2B5EF4-FFF2-40B4-BE49-F238E27FC236}">
+                <a16:creationId xmlns:a16="http://schemas.microsoft.com/office/drawing/2014/main" id="{D889C11D-6AE3-4909-8EA4-188836D66E09}"/>
+              </a:ext>
+            </a:extLst>
+          </p:cNvPr>
+          <p:cNvPicPr>
+            <a:picLocks noChangeAspect="1"/>
+          </p:cNvPicPr>
+          <p:nvPr/>
+        </p:nvPicPr>
+        <p:blipFill rotWithShape="1">
+          <a:blip r:embed="rId4">
+            <a:extLst>
+              <a:ext uri="{28A0092B-C50C-407E-A947-70E740481C1C}">
+                <a14:useLocalDpi xmlns:a14="http://schemas.microsoft.com/office/drawing/2010/main" val="0"/>
+              </a:ext>
+            </a:extLst>
+          </a:blip>
+          <a:srcRect l="35388" t="10096" r="22631" b="15341"/>
+          <a:stretch/>
+        </p:blipFill>
+        <p:spPr>
+          <a:xfrm>
+            <a:off x="7469268" y="3791102"/>
+            <a:ext cx="2695194" cy="2692738"/>
+          </a:xfrm>
+          <a:prstGeom prst="rect">
+            <a:avLst/>
+          </a:prstGeom>
+        </p:spPr>
+      </p:pic>
     </p:spTree>
     <p:extLst>
       <p:ext uri="{BB962C8B-B14F-4D97-AF65-F5344CB8AC3E}">
-        <p14:creationId xmlns:p14="http://schemas.microsoft.com/office/powerpoint/2010/main" val="547328288"/>
+        <p14:creationId xmlns:p14="http://schemas.microsoft.com/office/powerpoint/2010/main" val="2497031422"/>
       </p:ext>
     </p:extLst>
   </p:cSld>
@@ -11537,7 +12036,7 @@
       </p:grpSpPr>
       <p:sp useBgFill="1">
         <p:nvSpPr>
-          <p:cNvPr id="71" name="Rectangle 70">
+          <p:cNvPr id="11" name="Rectangle 10">
             <a:extLst>
               <a:ext uri="{FF2B5EF4-FFF2-40B4-BE49-F238E27FC236}">
                 <a16:creationId xmlns:a16="http://schemas.microsoft.com/office/drawing/2014/main" id="{9F4444CE-BC8D-4D61-B303-4C05614E62AB}"/>
@@ -11590,14 +12089,43 @@
           <a:bodyPr rtlCol="0" anchor="ctr"/>
           <a:lstStyle/>
           <a:p>
-            <a:pPr algn="ctr"/>
-            <a:endParaRPr lang="en-US"/>
-          </a:p>
-        </p:txBody>
-      </p:sp>
-      <p:sp>
-        <p:nvSpPr>
-          <p:cNvPr id="73" name="Rectangle 72">
+            <a:pPr marL="0" marR="0" lvl="0" indent="0" algn="ctr" defTabSz="457200" rtl="0" eaLnBrk="1" fontAlgn="auto" latinLnBrk="0" hangingPunct="1">
+              <a:lnSpc>
+                <a:spcPct val="100000"/>
+              </a:lnSpc>
+              <a:spcBef>
+                <a:spcPts val="0"/>
+              </a:spcBef>
+              <a:spcAft>
+                <a:spcPts val="0"/>
+              </a:spcAft>
+              <a:buClrTx/>
+              <a:buSzTx/>
+              <a:buFontTx/>
+              <a:buNone/>
+              <a:tabLst/>
+              <a:defRPr/>
+            </a:pPr>
+            <a:endParaRPr kumimoji="0" lang="en-US" sz="1800" b="0" i="0" u="none" strike="noStrike" kern="1200" cap="none" spc="0" normalizeH="0" baseline="0" noProof="0">
+              <a:ln>
+                <a:noFill/>
+              </a:ln>
+              <a:solidFill>
+                <a:prstClr val="white"/>
+              </a:solidFill>
+              <a:effectLst/>
+              <a:uLnTx/>
+              <a:uFillTx/>
+              <a:latin typeface="Trebuchet MS" panose="020B0603020202020204"/>
+              <a:ea typeface="+mn-ea"/>
+              <a:cs typeface="+mn-cs"/>
+            </a:endParaRPr>
+          </a:p>
+        </p:txBody>
+      </p:sp>
+      <p:sp>
+        <p:nvSpPr>
+          <p:cNvPr id="13" name="Rectangle 12">
             <a:extLst>
               <a:ext uri="{FF2B5EF4-FFF2-40B4-BE49-F238E27FC236}">
                 <a16:creationId xmlns:a16="http://schemas.microsoft.com/office/drawing/2014/main" id="{62423CA5-E2E1-4789-B759-9906C1C94063}"/>
@@ -11652,13 +12180,43 @@
           <a:bodyPr/>
           <a:lstStyle/>
           <a:p>
-            <a:endParaRPr lang="en-US"/>
-          </a:p>
-        </p:txBody>
-      </p:sp>
-      <p:sp>
-        <p:nvSpPr>
-          <p:cNvPr id="75" name="Isosceles Triangle 74">
+            <a:pPr marL="0" marR="0" lvl="0" indent="0" algn="l" defTabSz="457200" rtl="0" eaLnBrk="1" fontAlgn="auto" latinLnBrk="0" hangingPunct="1">
+              <a:lnSpc>
+                <a:spcPct val="100000"/>
+              </a:lnSpc>
+              <a:spcBef>
+                <a:spcPts val="0"/>
+              </a:spcBef>
+              <a:spcAft>
+                <a:spcPts val="0"/>
+              </a:spcAft>
+              <a:buClrTx/>
+              <a:buSzTx/>
+              <a:buFontTx/>
+              <a:buNone/>
+              <a:tabLst/>
+              <a:defRPr/>
+            </a:pPr>
+            <a:endParaRPr kumimoji="0" lang="en-US" sz="1800" b="0" i="0" u="none" strike="noStrike" kern="1200" cap="none" spc="0" normalizeH="0" baseline="0" noProof="0">
+              <a:ln>
+                <a:noFill/>
+              </a:ln>
+              <a:solidFill>
+                <a:prstClr val="white"/>
+              </a:solidFill>
+              <a:effectLst/>
+              <a:uLnTx/>
+              <a:uFillTx/>
+              <a:latin typeface="Trebuchet MS" panose="020B0603020202020204"/>
+              <a:ea typeface="+mn-ea"/>
+              <a:cs typeface="+mn-cs"/>
+            </a:endParaRPr>
+          </a:p>
+        </p:txBody>
+      </p:sp>
+      <p:sp>
+        <p:nvSpPr>
+          <p:cNvPr id="15" name="Isosceles Triangle 14">
             <a:extLst>
               <a:ext uri="{FF2B5EF4-FFF2-40B4-BE49-F238E27FC236}">
                 <a16:creationId xmlns:a16="http://schemas.microsoft.com/office/drawing/2014/main" id="{73772B81-181F-48B7-8826-4D9686D15DF5}"/>
@@ -11715,16 +12273,46 @@
           <a:bodyPr/>
           <a:lstStyle/>
           <a:p>
-            <a:endParaRPr lang="en-US" dirty="0"/>
-          </a:p>
-        </p:txBody>
-      </p:sp>
-      <p:sp>
-        <p:nvSpPr>
-          <p:cNvPr id="2" name="Titre 1">
+            <a:pPr marL="0" marR="0" lvl="0" indent="0" algn="l" defTabSz="457200" rtl="0" eaLnBrk="1" fontAlgn="auto" latinLnBrk="0" hangingPunct="1">
+              <a:lnSpc>
+                <a:spcPct val="100000"/>
+              </a:lnSpc>
+              <a:spcBef>
+                <a:spcPts val="0"/>
+              </a:spcBef>
+              <a:spcAft>
+                <a:spcPts val="0"/>
+              </a:spcAft>
+              <a:buClrTx/>
+              <a:buSzTx/>
+              <a:buFontTx/>
+              <a:buNone/>
+              <a:tabLst/>
+              <a:defRPr/>
+            </a:pPr>
+            <a:endParaRPr kumimoji="0" lang="en-US" sz="1800" b="0" i="0" u="none" strike="noStrike" kern="1200" cap="none" spc="0" normalizeH="0" baseline="0" noProof="0" dirty="0">
+              <a:ln>
+                <a:noFill/>
+              </a:ln>
+              <a:solidFill>
+                <a:prstClr val="white"/>
+              </a:solidFill>
+              <a:effectLst/>
+              <a:uLnTx/>
+              <a:uFillTx/>
+              <a:latin typeface="Trebuchet MS" panose="020B0603020202020204"/>
+              <a:ea typeface="+mn-ea"/>
+              <a:cs typeface="+mn-cs"/>
+            </a:endParaRPr>
+          </a:p>
+        </p:txBody>
+      </p:sp>
+      <p:sp>
+        <p:nvSpPr>
+          <p:cNvPr id="4" name="Titre 1">
             <a:extLst>
               <a:ext uri="{FF2B5EF4-FFF2-40B4-BE49-F238E27FC236}">
-                <a16:creationId xmlns:a16="http://schemas.microsoft.com/office/drawing/2014/main" id="{4C235DB3-6D86-406B-99E0-7150B2305091}"/>
+                <a16:creationId xmlns:a16="http://schemas.microsoft.com/office/drawing/2014/main" id="{A3AFACB3-BA3C-4B7D-90E8-9A9F99990D72}"/>
               </a:ext>
             </a:extLst>
           </p:cNvPr>
@@ -11753,37 +12341,37 @@
               </a:lnSpc>
             </a:pPr>
             <a:r>
-              <a:rPr lang="fr-FR" sz="3100">
+              <a:rPr lang="fr-FR" sz="2800" dirty="0">
                 <a:solidFill>
                   <a:schemeClr val="bg1"/>
                 </a:solidFill>
               </a:rPr>
-              <a:t>Le code : étape 5</a:t>
+              <a:t>Le code : étape 4</a:t>
             </a:r>
             <a:br>
-              <a:rPr lang="fr-FR" sz="3100">
+              <a:rPr lang="fr-FR" sz="2800" dirty="0">
                 <a:solidFill>
                   <a:schemeClr val="bg1"/>
                 </a:solidFill>
               </a:rPr>
             </a:br>
             <a:r>
-              <a:rPr lang="fr-FR" sz="3100">
+              <a:rPr lang="fr-FR" sz="2800" dirty="0">
                 <a:solidFill>
                   <a:schemeClr val="bg1"/>
                 </a:solidFill>
               </a:rPr>
-              <a:t>vérification de la grille par l’utilisateur</a:t>
+              <a:t>lecture de la grille</a:t>
             </a:r>
           </a:p>
         </p:txBody>
       </p:sp>
       <p:sp>
         <p:nvSpPr>
-          <p:cNvPr id="14" name="Espace réservé du contenu 2">
+          <p:cNvPr id="3" name="Espace réservé du contenu 2">
             <a:extLst>
               <a:ext uri="{FF2B5EF4-FFF2-40B4-BE49-F238E27FC236}">
-                <a16:creationId xmlns:a16="http://schemas.microsoft.com/office/drawing/2014/main" id="{84311324-73D4-45E8-A66A-0726C0CA562A}"/>
+                <a16:creationId xmlns:a16="http://schemas.microsoft.com/office/drawing/2014/main" id="{442181A1-6CDD-4D52-BF21-98DBBDE08B7F}"/>
               </a:ext>
             </a:extLst>
           </p:cNvPr>
@@ -11807,65 +12395,19 @@
           <a:lstStyle/>
           <a:p>
             <a:r>
-              <a:rPr lang="fr-FR">
+              <a:rPr lang="fr-FR" dirty="0">
                 <a:solidFill>
                   <a:schemeClr val="bg1"/>
                 </a:solidFill>
               </a:rPr>
-              <a:t>Raphaël et Tristan</a:t>
+              <a:t>Chloé</a:t>
             </a:r>
           </a:p>
         </p:txBody>
       </p:sp>
-      <p:pic>
-        <p:nvPicPr>
-          <p:cNvPr id="1026" name="Picture 2" descr="https://scontent-cdg2-1.xx.fbcdn.net/v/t1.15752-9/78069182_714913302362821_4504875906967273472_n.png?_nc_cat=109&amp;_nc_ohc=P9EVX558macAQlaY5AOIawhM2NIrP4qEuLNpByWHhRFK3mcMmLGi2yxLw&amp;_nc_ht=scontent-cdg2-1.xx&amp;oh=5b18e0c4963af783d14a2d485b68ca14&amp;oe=5E8BAF05">
-            <a:extLst>
-              <a:ext uri="{FF2B5EF4-FFF2-40B4-BE49-F238E27FC236}">
-                <a16:creationId xmlns:a16="http://schemas.microsoft.com/office/drawing/2014/main" id="{DBDB9EDA-E8A0-4464-8597-ADA27761112C}"/>
-              </a:ext>
-            </a:extLst>
-          </p:cNvPr>
-          <p:cNvPicPr>
-            <a:picLocks noChangeAspect="1" noChangeArrowheads="1"/>
-          </p:cNvPicPr>
-          <p:nvPr/>
-        </p:nvPicPr>
-        <p:blipFill>
-          <a:blip r:embed="rId2">
-            <a:extLst>
-              <a:ext uri="{28A0092B-C50C-407E-A947-70E740481C1C}">
-                <a14:useLocalDpi xmlns:a14="http://schemas.microsoft.com/office/drawing/2010/main" val="0"/>
-              </a:ext>
-            </a:extLst>
-          </a:blip>
-          <a:stretch>
-            <a:fillRect/>
-          </a:stretch>
-        </p:blipFill>
-        <p:spPr bwMode="auto">
-          <a:xfrm>
-            <a:off x="6312673" y="857797"/>
-            <a:ext cx="4602950" cy="5357980"/>
-          </a:xfrm>
-          <a:prstGeom prst="rect">
-            <a:avLst/>
-          </a:prstGeom>
-          <a:noFill/>
-          <a:extLst>
-            <a:ext uri="{909E8E84-426E-40DD-AFC4-6F175D3DCCD1}">
-              <a14:hiddenFill xmlns:a14="http://schemas.microsoft.com/office/drawing/2010/main">
-                <a:solidFill>
-                  <a:srgbClr val="FFFFFF"/>
-                </a:solidFill>
-              </a14:hiddenFill>
-            </a:ext>
-          </a:extLst>
-        </p:spPr>
-      </p:pic>
-      <p:sp>
-        <p:nvSpPr>
-          <p:cNvPr id="77" name="Isosceles Triangle 76">
+      <p:sp>
+        <p:nvSpPr>
+          <p:cNvPr id="17" name="Isosceles Triangle 16">
             <a:extLst>
               <a:ext uri="{FF2B5EF4-FFF2-40B4-BE49-F238E27FC236}">
                 <a16:creationId xmlns:a16="http://schemas.microsoft.com/office/drawing/2014/main" id="{B2205F6E-03C6-4E92-877C-E2482F6599AA}"/>
@@ -11924,14 +12466,2012 @@
           <a:bodyPr/>
           <a:lstStyle/>
           <a:p>
-            <a:endParaRPr lang="en-US" dirty="0"/>
-          </a:p>
-        </p:txBody>
-      </p:sp>
+            <a:pPr marL="0" marR="0" lvl="0" indent="0" algn="l" defTabSz="457200" rtl="0" eaLnBrk="1" fontAlgn="auto" latinLnBrk="0" hangingPunct="1">
+              <a:lnSpc>
+                <a:spcPct val="100000"/>
+              </a:lnSpc>
+              <a:spcBef>
+                <a:spcPts val="0"/>
+              </a:spcBef>
+              <a:spcAft>
+                <a:spcPts val="0"/>
+              </a:spcAft>
+              <a:buClrTx/>
+              <a:buSzTx/>
+              <a:buFontTx/>
+              <a:buNone/>
+              <a:tabLst/>
+              <a:defRPr/>
+            </a:pPr>
+            <a:endParaRPr kumimoji="0" lang="en-US" sz="1800" b="0" i="0" u="none" strike="noStrike" kern="1200" cap="none" spc="0" normalizeH="0" baseline="0" noProof="0" dirty="0">
+              <a:ln>
+                <a:noFill/>
+              </a:ln>
+              <a:solidFill>
+                <a:prstClr val="white"/>
+              </a:solidFill>
+              <a:effectLst/>
+              <a:uLnTx/>
+              <a:uFillTx/>
+              <a:latin typeface="Trebuchet MS" panose="020B0603020202020204"/>
+              <a:ea typeface="+mn-ea"/>
+              <a:cs typeface="+mn-cs"/>
+            </a:endParaRPr>
+          </a:p>
+        </p:txBody>
+      </p:sp>
+      <p:grpSp>
+        <p:nvGrpSpPr>
+          <p:cNvPr id="7" name="Group 6">
+            <a:extLst>
+              <a:ext uri="{FF2B5EF4-FFF2-40B4-BE49-F238E27FC236}">
+                <a16:creationId xmlns:a16="http://schemas.microsoft.com/office/drawing/2014/main" id="{4308FACF-3DCA-1A42-9C53-BC444ADFE02C}"/>
+              </a:ext>
+            </a:extLst>
+          </p:cNvPr>
+          <p:cNvGrpSpPr/>
+          <p:nvPr/>
+        </p:nvGrpSpPr>
+        <p:grpSpPr>
+          <a:xfrm>
+            <a:off x="1250402" y="2662542"/>
+            <a:ext cx="9691195" cy="3686404"/>
+            <a:chOff x="720665" y="2376793"/>
+            <a:chExt cx="10840240" cy="4123486"/>
+          </a:xfrm>
+        </p:grpSpPr>
+        <p:pic>
+          <p:nvPicPr>
+            <p:cNvPr id="9" name="Picture 8" descr="A picture containing clock&#10;&#10;Description automatically generated">
+              <a:extLst>
+                <a:ext uri="{FF2B5EF4-FFF2-40B4-BE49-F238E27FC236}">
+                  <a16:creationId xmlns:a16="http://schemas.microsoft.com/office/drawing/2014/main" id="{350C0F2F-B4B7-7543-9DB9-FBC5D3443B87}"/>
+                </a:ext>
+              </a:extLst>
+            </p:cNvPr>
+            <p:cNvPicPr>
+              <a:picLocks noChangeAspect="1"/>
+            </p:cNvPicPr>
+            <p:nvPr/>
+          </p:nvPicPr>
+          <p:blipFill rotWithShape="1">
+            <a:blip r:embed="rId2">
+              <a:extLst>
+                <a:ext uri="{28A0092B-C50C-407E-A947-70E740481C1C}">
+                  <a14:useLocalDpi xmlns:a14="http://schemas.microsoft.com/office/drawing/2010/main" val="0"/>
+                </a:ext>
+              </a:extLst>
+            </a:blip>
+            <a:srcRect l="22913" t="11844" r="19861" b="10854"/>
+            <a:stretch/>
+          </p:blipFill>
+          <p:spPr>
+            <a:xfrm>
+              <a:off x="4027316" y="2403086"/>
+              <a:ext cx="1875029" cy="1899611"/>
+            </a:xfrm>
+            <a:custGeom>
+              <a:avLst/>
+              <a:gdLst>
+                <a:gd name="connsiteX0" fmla="*/ 0 w 2736000"/>
+                <a:gd name="connsiteY0" fmla="*/ 0 h 2736000"/>
+                <a:gd name="connsiteX1" fmla="*/ 2736000 w 2736000"/>
+                <a:gd name="connsiteY1" fmla="*/ 0 h 2736000"/>
+                <a:gd name="connsiteX2" fmla="*/ 2736000 w 2736000"/>
+                <a:gd name="connsiteY2" fmla="*/ 2736000 h 2736000"/>
+                <a:gd name="connsiteX3" fmla="*/ 0 w 2736000"/>
+                <a:gd name="connsiteY3" fmla="*/ 2736000 h 2736000"/>
+              </a:gdLst>
+              <a:ahLst/>
+              <a:cxnLst>
+                <a:cxn ang="0">
+                  <a:pos x="connsiteX0" y="connsiteY0"/>
+                </a:cxn>
+                <a:cxn ang="0">
+                  <a:pos x="connsiteX1" y="connsiteY1"/>
+                </a:cxn>
+                <a:cxn ang="0">
+                  <a:pos x="connsiteX2" y="connsiteY2"/>
+                </a:cxn>
+                <a:cxn ang="0">
+                  <a:pos x="connsiteX3" y="connsiteY3"/>
+                </a:cxn>
+              </a:cxnLst>
+              <a:rect l="l" t="t" r="r" b="b"/>
+              <a:pathLst>
+                <a:path w="2736000" h="2736000">
+                  <a:moveTo>
+                    <a:pt x="0" y="0"/>
+                  </a:moveTo>
+                  <a:lnTo>
+                    <a:pt x="2736000" y="0"/>
+                  </a:lnTo>
+                  <a:lnTo>
+                    <a:pt x="2736000" y="2736000"/>
+                  </a:lnTo>
+                  <a:lnTo>
+                    <a:pt x="0" y="2736000"/>
+                  </a:lnTo>
+                  <a:close/>
+                </a:path>
+              </a:pathLst>
+            </a:custGeom>
+            <a:ln w="28575">
+              <a:solidFill>
+                <a:schemeClr val="accent1"/>
+              </a:solidFill>
+            </a:ln>
+            <a:effectLst>
+              <a:outerShdw blurRad="190500" algn="ctr" rotWithShape="0">
+                <a:srgbClr val="000000">
+                  <a:alpha val="70000"/>
+                </a:srgbClr>
+              </a:outerShdw>
+            </a:effectLst>
+          </p:spPr>
+        </p:pic>
+        <p:pic>
+          <p:nvPicPr>
+            <p:cNvPr id="10" name="Picture 9" descr="A picture containing drawing&#10;&#10;Description automatically generated">
+              <a:extLst>
+                <a:ext uri="{FF2B5EF4-FFF2-40B4-BE49-F238E27FC236}">
+                  <a16:creationId xmlns:a16="http://schemas.microsoft.com/office/drawing/2014/main" id="{CE072EC5-A211-1540-83B4-01987EBE3DEF}"/>
+                </a:ext>
+              </a:extLst>
+            </p:cNvPr>
+            <p:cNvPicPr>
+              <a:picLocks noChangeAspect="1"/>
+            </p:cNvPicPr>
+            <p:nvPr/>
+          </p:nvPicPr>
+          <p:blipFill rotWithShape="1">
+            <a:blip r:embed="rId3">
+              <a:extLst>
+                <a:ext uri="{28A0092B-C50C-407E-A947-70E740481C1C}">
+                  <a14:useLocalDpi xmlns:a14="http://schemas.microsoft.com/office/drawing/2010/main" val="0"/>
+                </a:ext>
+              </a:extLst>
+            </a:blip>
+            <a:srcRect l="22306" t="12682" r="19365" b="11070"/>
+            <a:stretch/>
+          </p:blipFill>
+          <p:spPr>
+            <a:xfrm>
+              <a:off x="4027316" y="4637869"/>
+              <a:ext cx="1875029" cy="1838284"/>
+            </a:xfrm>
+            <a:prstGeom prst="rect">
+              <a:avLst/>
+            </a:prstGeom>
+            <a:ln w="28575">
+              <a:solidFill>
+                <a:schemeClr val="accent6"/>
+              </a:solidFill>
+            </a:ln>
+            <a:effectLst>
+              <a:outerShdw blurRad="190500" algn="ctr" rotWithShape="0">
+                <a:srgbClr val="000000">
+                  <a:alpha val="70000"/>
+                </a:srgbClr>
+              </a:outerShdw>
+            </a:effectLst>
+          </p:spPr>
+        </p:pic>
+        <p:grpSp>
+          <p:nvGrpSpPr>
+            <p:cNvPr id="12" name="Group 11">
+              <a:extLst>
+                <a:ext uri="{FF2B5EF4-FFF2-40B4-BE49-F238E27FC236}">
+                  <a16:creationId xmlns:a16="http://schemas.microsoft.com/office/drawing/2014/main" id="{FE42D264-795F-CA40-B4EF-BD2D106FC26B}"/>
+                </a:ext>
+              </a:extLst>
+            </p:cNvPr>
+            <p:cNvGrpSpPr/>
+            <p:nvPr/>
+          </p:nvGrpSpPr>
+          <p:grpSpPr>
+            <a:xfrm>
+              <a:off x="720665" y="3065920"/>
+              <a:ext cx="2683990" cy="2688989"/>
+              <a:chOff x="960895" y="2556621"/>
+              <a:chExt cx="3117701" cy="3123508"/>
+            </a:xfrm>
+          </p:grpSpPr>
+          <p:pic>
+            <p:nvPicPr>
+              <p:cNvPr id="14" name="Picture 13" descr="A screenshot of a cell phone&#10;&#10;Description automatically generated">
+                <a:extLst>
+                  <a:ext uri="{FF2B5EF4-FFF2-40B4-BE49-F238E27FC236}">
+                    <a16:creationId xmlns:a16="http://schemas.microsoft.com/office/drawing/2014/main" id="{3C3326C4-6B72-B74F-83FE-EC8D41F482CF}"/>
+                  </a:ext>
+                </a:extLst>
+              </p:cNvPr>
+              <p:cNvPicPr>
+                <a:picLocks noChangeAspect="1"/>
+              </p:cNvPicPr>
+              <p:nvPr/>
+            </p:nvPicPr>
+            <p:blipFill rotWithShape="1">
+              <a:blip r:embed="rId4">
+                <a:extLst>
+                  <a:ext uri="{28A0092B-C50C-407E-A947-70E740481C1C}">
+                    <a14:useLocalDpi xmlns:a14="http://schemas.microsoft.com/office/drawing/2010/main" val="0"/>
+                  </a:ext>
+                </a:extLst>
+              </a:blip>
+              <a:srcRect l="22303" t="11817" r="19780" b="10682"/>
+              <a:stretch/>
+            </p:blipFill>
+            <p:spPr>
+              <a:xfrm>
+                <a:off x="960895" y="2556621"/>
+                <a:ext cx="3112208" cy="3123508"/>
+              </a:xfrm>
+              <a:prstGeom prst="rect">
+                <a:avLst/>
+              </a:prstGeom>
+              <a:ln w="28575">
+                <a:noFill/>
+              </a:ln>
+              <a:effectLst>
+                <a:outerShdw blurRad="190500" algn="ctr" rotWithShape="0">
+                  <a:srgbClr val="000000">
+                    <a:alpha val="70000"/>
+                  </a:srgbClr>
+                </a:outerShdw>
+              </a:effectLst>
+            </p:spPr>
+          </p:pic>
+          <p:sp>
+            <p:nvSpPr>
+              <p:cNvPr id="16" name="Rectangle 15">
+                <a:extLst>
+                  <a:ext uri="{FF2B5EF4-FFF2-40B4-BE49-F238E27FC236}">
+                    <a16:creationId xmlns:a16="http://schemas.microsoft.com/office/drawing/2014/main" id="{A2C466EB-AB05-4B48-874F-FC08C9103249}"/>
+                  </a:ext>
+                </a:extLst>
+              </p:cNvPr>
+              <p:cNvSpPr>
+                <a:spLocks noChangeAspect="1"/>
+              </p:cNvSpPr>
+              <p:nvPr/>
+            </p:nvSpPr>
+            <p:spPr>
+              <a:xfrm>
+                <a:off x="3732996" y="2556621"/>
+                <a:ext cx="345600" cy="345600"/>
+              </a:xfrm>
+              <a:prstGeom prst="rect">
+                <a:avLst/>
+              </a:prstGeom>
+              <a:noFill/>
+              <a:ln>
+                <a:solidFill>
+                  <a:schemeClr val="accent1"/>
+                </a:solidFill>
+              </a:ln>
+            </p:spPr>
+            <p:style>
+              <a:lnRef idx="2">
+                <a:schemeClr val="accent1">
+                  <a:shade val="50000"/>
+                </a:schemeClr>
+              </a:lnRef>
+              <a:fillRef idx="1">
+                <a:schemeClr val="accent1"/>
+              </a:fillRef>
+              <a:effectRef idx="0">
+                <a:schemeClr val="accent1"/>
+              </a:effectRef>
+              <a:fontRef idx="minor">
+                <a:schemeClr val="lt1"/>
+              </a:fontRef>
+            </p:style>
+            <p:txBody>
+              <a:bodyPr rtlCol="0" anchor="ctr"/>
+              <a:lstStyle/>
+              <a:p>
+                <a:pPr marL="0" marR="0" lvl="0" indent="0" algn="ctr" defTabSz="457200" rtl="0" eaLnBrk="1" fontAlgn="auto" latinLnBrk="0" hangingPunct="1">
+                  <a:lnSpc>
+                    <a:spcPct val="100000"/>
+                  </a:lnSpc>
+                  <a:spcBef>
+                    <a:spcPts val="0"/>
+                  </a:spcBef>
+                  <a:spcAft>
+                    <a:spcPts val="0"/>
+                  </a:spcAft>
+                  <a:buClrTx/>
+                  <a:buSzTx/>
+                  <a:buFontTx/>
+                  <a:buNone/>
+                  <a:tabLst/>
+                  <a:defRPr/>
+                </a:pPr>
+                <a:endParaRPr kumimoji="0" lang="fr-FR" sz="1800" b="0" i="0" u="none" strike="noStrike" kern="1200" cap="none" spc="0" normalizeH="0" baseline="0" noProof="0" dirty="0">
+                  <a:ln>
+                    <a:noFill/>
+                  </a:ln>
+                  <a:solidFill>
+                    <a:prstClr val="white"/>
+                  </a:solidFill>
+                  <a:effectLst/>
+                  <a:uLnTx/>
+                  <a:uFillTx/>
+                  <a:latin typeface="Trebuchet MS" panose="020B0603020202020204"/>
+                  <a:ea typeface="+mn-ea"/>
+                  <a:cs typeface="+mn-cs"/>
+                </a:endParaRPr>
+              </a:p>
+            </p:txBody>
+          </p:sp>
+          <p:sp>
+            <p:nvSpPr>
+              <p:cNvPr id="18" name="Rectangle 17">
+                <a:extLst>
+                  <a:ext uri="{FF2B5EF4-FFF2-40B4-BE49-F238E27FC236}">
+                    <a16:creationId xmlns:a16="http://schemas.microsoft.com/office/drawing/2014/main" id="{831F63E2-3362-E348-8847-7A1141570147}"/>
+                  </a:ext>
+                </a:extLst>
+              </p:cNvPr>
+              <p:cNvSpPr>
+                <a:spLocks noChangeAspect="1"/>
+              </p:cNvSpPr>
+              <p:nvPr/>
+            </p:nvSpPr>
+            <p:spPr>
+              <a:xfrm>
+                <a:off x="3732996" y="3244270"/>
+                <a:ext cx="345600" cy="345600"/>
+              </a:xfrm>
+              <a:prstGeom prst="rect">
+                <a:avLst/>
+              </a:prstGeom>
+              <a:noFill/>
+              <a:ln>
+                <a:solidFill>
+                  <a:schemeClr val="accent6"/>
+                </a:solidFill>
+              </a:ln>
+            </p:spPr>
+            <p:style>
+              <a:lnRef idx="2">
+                <a:schemeClr val="accent1">
+                  <a:shade val="50000"/>
+                </a:schemeClr>
+              </a:lnRef>
+              <a:fillRef idx="1">
+                <a:schemeClr val="accent1"/>
+              </a:fillRef>
+              <a:effectRef idx="0">
+                <a:schemeClr val="accent1"/>
+              </a:effectRef>
+              <a:fontRef idx="minor">
+                <a:schemeClr val="lt1"/>
+              </a:fontRef>
+            </p:style>
+            <p:txBody>
+              <a:bodyPr rtlCol="0" anchor="ctr"/>
+              <a:lstStyle/>
+              <a:p>
+                <a:pPr marL="0" marR="0" lvl="0" indent="0" algn="ctr" defTabSz="457200" rtl="0" eaLnBrk="1" fontAlgn="auto" latinLnBrk="0" hangingPunct="1">
+                  <a:lnSpc>
+                    <a:spcPct val="100000"/>
+                  </a:lnSpc>
+                  <a:spcBef>
+                    <a:spcPts val="0"/>
+                  </a:spcBef>
+                  <a:spcAft>
+                    <a:spcPts val="0"/>
+                  </a:spcAft>
+                  <a:buClrTx/>
+                  <a:buSzTx/>
+                  <a:buFontTx/>
+                  <a:buNone/>
+                  <a:tabLst/>
+                  <a:defRPr/>
+                </a:pPr>
+                <a:endParaRPr kumimoji="0" lang="fr-FR" sz="1800" b="0" i="0" u="none" strike="noStrike" kern="1200" cap="none" spc="0" normalizeH="0" baseline="0" noProof="0" dirty="0">
+                  <a:ln>
+                    <a:noFill/>
+                  </a:ln>
+                  <a:solidFill>
+                    <a:srgbClr val="96D141"/>
+                  </a:solidFill>
+                  <a:effectLst/>
+                  <a:uLnTx/>
+                  <a:uFillTx/>
+                  <a:latin typeface="Trebuchet MS" panose="020B0603020202020204"/>
+                  <a:ea typeface="+mn-ea"/>
+                  <a:cs typeface="+mn-cs"/>
+                </a:endParaRPr>
+              </a:p>
+            </p:txBody>
+          </p:sp>
+        </p:grpSp>
+        <p:pic>
+          <p:nvPicPr>
+            <p:cNvPr id="19" name="Picture 18" descr="A close up of a sign&#10;&#10;Description automatically generated">
+              <a:extLst>
+                <a:ext uri="{FF2B5EF4-FFF2-40B4-BE49-F238E27FC236}">
+                  <a16:creationId xmlns:a16="http://schemas.microsoft.com/office/drawing/2014/main" id="{AFFF382A-6D91-0F40-9FF4-BC57A4C36CD2}"/>
+                </a:ext>
+              </a:extLst>
+            </p:cNvPr>
+            <p:cNvPicPr>
+              <a:picLocks noChangeAspect="1"/>
+            </p:cNvPicPr>
+            <p:nvPr/>
+          </p:nvPicPr>
+          <p:blipFill>
+            <a:blip r:embed="rId5">
+              <a:duotone>
+                <a:schemeClr val="accent1">
+                  <a:shade val="45000"/>
+                  <a:satMod val="135000"/>
+                </a:schemeClr>
+                <a:prstClr val="white"/>
+              </a:duotone>
+              <a:extLst>
+                <a:ext uri="{28A0092B-C50C-407E-A947-70E740481C1C}">
+                  <a14:useLocalDpi xmlns:a14="http://schemas.microsoft.com/office/drawing/2010/main" val="0"/>
+                </a:ext>
+              </a:extLst>
+            </a:blip>
+            <a:stretch>
+              <a:fillRect/>
+            </a:stretch>
+          </p:blipFill>
+          <p:spPr>
+            <a:xfrm>
+              <a:off x="4010548" y="2389412"/>
+              <a:ext cx="1922307" cy="1947600"/>
+            </a:xfrm>
+            <a:prstGeom prst="rect">
+              <a:avLst/>
+            </a:prstGeom>
+          </p:spPr>
+        </p:pic>
+        <p:pic>
+          <p:nvPicPr>
+            <p:cNvPr id="20" name="Picture 19" descr="A picture containing bird, food, table&#10;&#10;Description automatically generated">
+              <a:extLst>
+                <a:ext uri="{FF2B5EF4-FFF2-40B4-BE49-F238E27FC236}">
+                  <a16:creationId xmlns:a16="http://schemas.microsoft.com/office/drawing/2014/main" id="{4A2F1654-852A-614E-8B1D-1523B40DEBC1}"/>
+                </a:ext>
+              </a:extLst>
+            </p:cNvPr>
+            <p:cNvPicPr>
+              <a:picLocks noChangeAspect="1"/>
+            </p:cNvPicPr>
+            <p:nvPr/>
+          </p:nvPicPr>
+          <p:blipFill>
+            <a:blip r:embed="rId6">
+              <a:duotone>
+                <a:schemeClr val="accent6">
+                  <a:shade val="45000"/>
+                  <a:satMod val="135000"/>
+                </a:schemeClr>
+                <a:prstClr val="white"/>
+              </a:duotone>
+              <a:extLst>
+                <a:ext uri="{28A0092B-C50C-407E-A947-70E740481C1C}">
+                  <a14:useLocalDpi xmlns:a14="http://schemas.microsoft.com/office/drawing/2010/main" val="0"/>
+                </a:ext>
+              </a:extLst>
+            </a:blip>
+            <a:stretch>
+              <a:fillRect/>
+            </a:stretch>
+          </p:blipFill>
+          <p:spPr>
+            <a:xfrm>
+              <a:off x="3997001" y="4619631"/>
+              <a:ext cx="1926292" cy="1875600"/>
+            </a:xfrm>
+            <a:prstGeom prst="rect">
+              <a:avLst/>
+            </a:prstGeom>
+          </p:spPr>
+        </p:pic>
+        <p:sp>
+          <p:nvSpPr>
+            <p:cNvPr id="21" name="Freeform 20">
+              <a:extLst>
+                <a:ext uri="{FF2B5EF4-FFF2-40B4-BE49-F238E27FC236}">
+                  <a16:creationId xmlns:a16="http://schemas.microsoft.com/office/drawing/2014/main" id="{3FFA8DBB-5329-C340-A2CF-35F8F594CE5A}"/>
+                </a:ext>
+              </a:extLst>
+            </p:cNvPr>
+            <p:cNvSpPr/>
+            <p:nvPr/>
+          </p:nvSpPr>
+          <p:spPr>
+            <a:xfrm>
+              <a:off x="3388697" y="2376793"/>
+              <a:ext cx="624468" cy="1955180"/>
+            </a:xfrm>
+            <a:custGeom>
+              <a:avLst/>
+              <a:gdLst>
+                <a:gd name="connsiteX0" fmla="*/ 0 w 624468"/>
+                <a:gd name="connsiteY0" fmla="*/ 691375 h 1955180"/>
+                <a:gd name="connsiteX1" fmla="*/ 624468 w 624468"/>
+                <a:gd name="connsiteY1" fmla="*/ 0 h 1955180"/>
+                <a:gd name="connsiteX2" fmla="*/ 624468 w 624468"/>
+                <a:gd name="connsiteY2" fmla="*/ 1955180 h 1955180"/>
+                <a:gd name="connsiteX3" fmla="*/ 22302 w 624468"/>
+                <a:gd name="connsiteY3" fmla="*/ 1011044 h 1955180"/>
+                <a:gd name="connsiteX4" fmla="*/ 0 w 624468"/>
+                <a:gd name="connsiteY4" fmla="*/ 691375 h 1955180"/>
+                <a:gd name="connsiteX0" fmla="*/ 0 w 624468"/>
+                <a:gd name="connsiteY0" fmla="*/ 691375 h 1955180"/>
+                <a:gd name="connsiteX1" fmla="*/ 624468 w 624468"/>
+                <a:gd name="connsiteY1" fmla="*/ 0 h 1955180"/>
+                <a:gd name="connsiteX2" fmla="*/ 624468 w 624468"/>
+                <a:gd name="connsiteY2" fmla="*/ 1955180 h 1955180"/>
+                <a:gd name="connsiteX3" fmla="*/ 4718 w 624468"/>
+                <a:gd name="connsiteY3" fmla="*/ 989943 h 1955180"/>
+                <a:gd name="connsiteX4" fmla="*/ 0 w 624468"/>
+                <a:gd name="connsiteY4" fmla="*/ 691375 h 1955180"/>
+              </a:gdLst>
+              <a:ahLst/>
+              <a:cxnLst>
+                <a:cxn ang="0">
+                  <a:pos x="connsiteX0" y="connsiteY0"/>
+                </a:cxn>
+                <a:cxn ang="0">
+                  <a:pos x="connsiteX1" y="connsiteY1"/>
+                </a:cxn>
+                <a:cxn ang="0">
+                  <a:pos x="connsiteX2" y="connsiteY2"/>
+                </a:cxn>
+                <a:cxn ang="0">
+                  <a:pos x="connsiteX3" y="connsiteY3"/>
+                </a:cxn>
+                <a:cxn ang="0">
+                  <a:pos x="connsiteX4" y="connsiteY4"/>
+                </a:cxn>
+              </a:cxnLst>
+              <a:rect l="l" t="t" r="r" b="b"/>
+              <a:pathLst>
+                <a:path w="624468" h="1955180">
+                  <a:moveTo>
+                    <a:pt x="0" y="691375"/>
+                  </a:moveTo>
+                  <a:lnTo>
+                    <a:pt x="624468" y="0"/>
+                  </a:lnTo>
+                  <a:lnTo>
+                    <a:pt x="624468" y="1955180"/>
+                  </a:lnTo>
+                  <a:lnTo>
+                    <a:pt x="4718" y="989943"/>
+                  </a:lnTo>
+                  <a:cubicBezTo>
+                    <a:pt x="3145" y="890420"/>
+                    <a:pt x="1573" y="790898"/>
+                    <a:pt x="0" y="691375"/>
+                  </a:cubicBezTo>
+                  <a:close/>
+                </a:path>
+              </a:pathLst>
+            </a:custGeom>
+            <a:solidFill>
+              <a:srgbClr val="5FCBEF">
+                <a:alpha val="50196"/>
+              </a:srgbClr>
+            </a:solidFill>
+            <a:ln>
+              <a:noFill/>
+            </a:ln>
+          </p:spPr>
+          <p:style>
+            <a:lnRef idx="2">
+              <a:schemeClr val="accent1">
+                <a:shade val="50000"/>
+              </a:schemeClr>
+            </a:lnRef>
+            <a:fillRef idx="1">
+              <a:schemeClr val="accent1"/>
+            </a:fillRef>
+            <a:effectRef idx="0">
+              <a:schemeClr val="accent1"/>
+            </a:effectRef>
+            <a:fontRef idx="minor">
+              <a:schemeClr val="lt1"/>
+            </a:fontRef>
+          </p:style>
+          <p:txBody>
+            <a:bodyPr rtlCol="0" anchor="ctr"/>
+            <a:lstStyle/>
+            <a:p>
+              <a:pPr marL="0" marR="0" lvl="0" indent="0" algn="ctr" defTabSz="457200" rtl="0" eaLnBrk="1" fontAlgn="auto" latinLnBrk="0" hangingPunct="1">
+                <a:lnSpc>
+                  <a:spcPct val="100000"/>
+                </a:lnSpc>
+                <a:spcBef>
+                  <a:spcPts val="0"/>
+                </a:spcBef>
+                <a:spcAft>
+                  <a:spcPts val="0"/>
+                </a:spcAft>
+                <a:buClrTx/>
+                <a:buSzTx/>
+                <a:buFontTx/>
+                <a:buNone/>
+                <a:tabLst/>
+                <a:defRPr/>
+              </a:pPr>
+              <a:endParaRPr kumimoji="0" lang="fr-FR" sz="1800" b="0" i="0" u="none" strike="noStrike" kern="1200" cap="none" spc="0" normalizeH="0" baseline="0" noProof="0">
+                <a:ln>
+                  <a:noFill/>
+                </a:ln>
+                <a:solidFill>
+                  <a:prstClr val="white"/>
+                </a:solidFill>
+                <a:effectLst/>
+                <a:uLnTx/>
+                <a:uFillTx/>
+                <a:latin typeface="Trebuchet MS" panose="020B0603020202020204"/>
+                <a:ea typeface="+mn-ea"/>
+                <a:cs typeface="+mn-cs"/>
+              </a:endParaRPr>
+            </a:p>
+          </p:txBody>
+        </p:sp>
+        <p:sp>
+          <p:nvSpPr>
+            <p:cNvPr id="22" name="Freeform 21">
+              <a:extLst>
+                <a:ext uri="{FF2B5EF4-FFF2-40B4-BE49-F238E27FC236}">
+                  <a16:creationId xmlns:a16="http://schemas.microsoft.com/office/drawing/2014/main" id="{A3B353AF-542F-9546-8CA2-928E56F49899}"/>
+                </a:ext>
+              </a:extLst>
+            </p:cNvPr>
+            <p:cNvSpPr/>
+            <p:nvPr/>
+          </p:nvSpPr>
+          <p:spPr>
+            <a:xfrm>
+              <a:off x="3402651" y="3654392"/>
+              <a:ext cx="616120" cy="2845887"/>
+            </a:xfrm>
+            <a:custGeom>
+              <a:avLst/>
+              <a:gdLst>
+                <a:gd name="connsiteX0" fmla="*/ 4890 w 616120"/>
+                <a:gd name="connsiteY0" fmla="*/ 0 h 2845887"/>
+                <a:gd name="connsiteX1" fmla="*/ 616120 w 616120"/>
+                <a:gd name="connsiteY1" fmla="*/ 973078 h 2845887"/>
+                <a:gd name="connsiteX2" fmla="*/ 611230 w 616120"/>
+                <a:gd name="connsiteY2" fmla="*/ 2845887 h 2845887"/>
+                <a:gd name="connsiteX3" fmla="*/ 0 w 616120"/>
+                <a:gd name="connsiteY3" fmla="*/ 298281 h 2845887"/>
+                <a:gd name="connsiteX4" fmla="*/ 4890 w 616120"/>
+                <a:gd name="connsiteY4" fmla="*/ 0 h 2845887"/>
+              </a:gdLst>
+              <a:ahLst/>
+              <a:cxnLst>
+                <a:cxn ang="0">
+                  <a:pos x="connsiteX0" y="connsiteY0"/>
+                </a:cxn>
+                <a:cxn ang="0">
+                  <a:pos x="connsiteX1" y="connsiteY1"/>
+                </a:cxn>
+                <a:cxn ang="0">
+                  <a:pos x="connsiteX2" y="connsiteY2"/>
+                </a:cxn>
+                <a:cxn ang="0">
+                  <a:pos x="connsiteX3" y="connsiteY3"/>
+                </a:cxn>
+                <a:cxn ang="0">
+                  <a:pos x="connsiteX4" y="connsiteY4"/>
+                </a:cxn>
+              </a:cxnLst>
+              <a:rect l="l" t="t" r="r" b="b"/>
+              <a:pathLst>
+                <a:path w="616120" h="2845887">
+                  <a:moveTo>
+                    <a:pt x="4890" y="0"/>
+                  </a:moveTo>
+                  <a:lnTo>
+                    <a:pt x="616120" y="973078"/>
+                  </a:lnTo>
+                  <a:lnTo>
+                    <a:pt x="611230" y="2845887"/>
+                  </a:lnTo>
+                  <a:lnTo>
+                    <a:pt x="0" y="298281"/>
+                  </a:lnTo>
+                  <a:lnTo>
+                    <a:pt x="4890" y="0"/>
+                  </a:lnTo>
+                  <a:close/>
+                </a:path>
+              </a:pathLst>
+            </a:custGeom>
+            <a:solidFill>
+              <a:schemeClr val="accent6">
+                <a:alpha val="50196"/>
+              </a:schemeClr>
+            </a:solidFill>
+            <a:ln>
+              <a:noFill/>
+            </a:ln>
+          </p:spPr>
+          <p:style>
+            <a:lnRef idx="2">
+              <a:schemeClr val="accent1">
+                <a:shade val="50000"/>
+              </a:schemeClr>
+            </a:lnRef>
+            <a:fillRef idx="1">
+              <a:schemeClr val="accent1"/>
+            </a:fillRef>
+            <a:effectRef idx="0">
+              <a:schemeClr val="accent1"/>
+            </a:effectRef>
+            <a:fontRef idx="minor">
+              <a:schemeClr val="lt1"/>
+            </a:fontRef>
+          </p:style>
+          <p:txBody>
+            <a:bodyPr rtlCol="0" anchor="ctr"/>
+            <a:lstStyle/>
+            <a:p>
+              <a:pPr marL="0" marR="0" lvl="0" indent="0" algn="ctr" defTabSz="457200" rtl="0" eaLnBrk="1" fontAlgn="auto" latinLnBrk="0" hangingPunct="1">
+                <a:lnSpc>
+                  <a:spcPct val="100000"/>
+                </a:lnSpc>
+                <a:spcBef>
+                  <a:spcPts val="0"/>
+                </a:spcBef>
+                <a:spcAft>
+                  <a:spcPts val="0"/>
+                </a:spcAft>
+                <a:buClrTx/>
+                <a:buSzTx/>
+                <a:buFontTx/>
+                <a:buNone/>
+                <a:tabLst/>
+                <a:defRPr/>
+              </a:pPr>
+              <a:endParaRPr kumimoji="0" lang="fr-FR" sz="1800" b="0" i="0" u="none" strike="noStrike" kern="1200" cap="none" spc="0" normalizeH="0" baseline="0" noProof="0">
+                <a:ln>
+                  <a:noFill/>
+                </a:ln>
+                <a:solidFill>
+                  <a:prstClr val="white"/>
+                </a:solidFill>
+                <a:effectLst/>
+                <a:uLnTx/>
+                <a:uFillTx/>
+                <a:latin typeface="Trebuchet MS" panose="020B0603020202020204"/>
+                <a:ea typeface="+mn-ea"/>
+                <a:cs typeface="+mn-cs"/>
+              </a:endParaRPr>
+            </a:p>
+          </p:txBody>
+        </p:sp>
+        <p:pic>
+          <p:nvPicPr>
+            <p:cNvPr id="23" name="Picture 22" descr="A screenshot of a cell phone&#10;&#10;Description automatically generated">
+              <a:extLst>
+                <a:ext uri="{FF2B5EF4-FFF2-40B4-BE49-F238E27FC236}">
+                  <a16:creationId xmlns:a16="http://schemas.microsoft.com/office/drawing/2014/main" id="{67A964D9-6D64-E34A-A423-DBBCAD9B8695}"/>
+                </a:ext>
+              </a:extLst>
+            </p:cNvPr>
+            <p:cNvPicPr>
+              <a:picLocks noChangeAspect="1"/>
+            </p:cNvPicPr>
+            <p:nvPr/>
+          </p:nvPicPr>
+          <p:blipFill rotWithShape="1">
+            <a:blip r:embed="rId7">
+              <a:extLst>
+                <a:ext uri="{28A0092B-C50C-407E-A947-70E740481C1C}">
+                  <a14:useLocalDpi xmlns:a14="http://schemas.microsoft.com/office/drawing/2010/main" val="0"/>
+                </a:ext>
+              </a:extLst>
+            </a:blip>
+            <a:srcRect l="22637" t="11810" r="19743" b="10866"/>
+            <a:stretch/>
+          </p:blipFill>
+          <p:spPr>
+            <a:xfrm>
+              <a:off x="6921529" y="2379091"/>
+              <a:ext cx="1935056" cy="1947600"/>
+            </a:xfrm>
+            <a:prstGeom prst="rect">
+              <a:avLst/>
+            </a:prstGeom>
+            <a:effectLst>
+              <a:outerShdw blurRad="190500" dist="50800" algn="ctr" rotWithShape="0">
+                <a:srgbClr val="000000">
+                  <a:alpha val="70000"/>
+                </a:srgbClr>
+              </a:outerShdw>
+            </a:effectLst>
+          </p:spPr>
+        </p:pic>
+        <p:cxnSp>
+          <p:nvCxnSpPr>
+            <p:cNvPr id="24" name="Straight Arrow Connector 23">
+              <a:extLst>
+                <a:ext uri="{FF2B5EF4-FFF2-40B4-BE49-F238E27FC236}">
+                  <a16:creationId xmlns:a16="http://schemas.microsoft.com/office/drawing/2014/main" id="{78917BD5-FFF8-0342-A5A4-309AAF3BDBE7}"/>
+                </a:ext>
+              </a:extLst>
+            </p:cNvPr>
+            <p:cNvCxnSpPr>
+              <a:cxnSpLocks/>
+            </p:cNvCxnSpPr>
+            <p:nvPr/>
+          </p:nvCxnSpPr>
+          <p:spPr>
+            <a:xfrm>
+              <a:off x="6921529" y="4410414"/>
+              <a:ext cx="1935056" cy="0"/>
+            </a:xfrm>
+            <a:prstGeom prst="straightConnector1">
+              <a:avLst/>
+            </a:prstGeom>
+            <a:ln>
+              <a:headEnd type="triangle"/>
+              <a:tailEnd type="triangle"/>
+            </a:ln>
+          </p:spPr>
+          <p:style>
+            <a:lnRef idx="1">
+              <a:schemeClr val="accent1"/>
+            </a:lnRef>
+            <a:fillRef idx="0">
+              <a:schemeClr val="accent1"/>
+            </a:fillRef>
+            <a:effectRef idx="0">
+              <a:schemeClr val="accent1"/>
+            </a:effectRef>
+            <a:fontRef idx="minor">
+              <a:schemeClr val="tx1"/>
+            </a:fontRef>
+          </p:style>
+        </p:cxnSp>
+        <p:sp>
+          <p:nvSpPr>
+            <p:cNvPr id="25" name="TextBox 24">
+              <a:extLst>
+                <a:ext uri="{FF2B5EF4-FFF2-40B4-BE49-F238E27FC236}">
+                  <a16:creationId xmlns:a16="http://schemas.microsoft.com/office/drawing/2014/main" id="{CC7535BC-A49A-4845-8265-B76A601171C3}"/>
+                </a:ext>
+              </a:extLst>
+            </p:cNvPr>
+            <p:cNvSpPr txBox="1"/>
+            <p:nvPr/>
+          </p:nvSpPr>
+          <p:spPr>
+            <a:xfrm>
+              <a:off x="7518603" y="4410414"/>
+              <a:ext cx="740908" cy="261610"/>
+            </a:xfrm>
+            <a:prstGeom prst="rect">
+              <a:avLst/>
+            </a:prstGeom>
+            <a:noFill/>
+          </p:spPr>
+          <p:txBody>
+            <a:bodyPr wrap="none" rtlCol="0">
+              <a:spAutoFit/>
+            </a:bodyPr>
+            <a:lstStyle/>
+            <a:p>
+              <a:pPr marL="0" marR="0" lvl="0" indent="0" algn="l" defTabSz="457200" rtl="0" eaLnBrk="1" fontAlgn="auto" latinLnBrk="0" hangingPunct="1">
+                <a:lnSpc>
+                  <a:spcPct val="100000"/>
+                </a:lnSpc>
+                <a:spcBef>
+                  <a:spcPts val="0"/>
+                </a:spcBef>
+                <a:spcAft>
+                  <a:spcPts val="0"/>
+                </a:spcAft>
+                <a:buClrTx/>
+                <a:buSzTx/>
+                <a:buFontTx/>
+                <a:buNone/>
+                <a:tabLst/>
+                <a:defRPr/>
+              </a:pPr>
+              <a:r>
+                <a:rPr kumimoji="0" lang="fr-FR" sz="1100" b="0" i="0" u="none" strike="noStrike" kern="1200" cap="none" spc="0" normalizeH="0" baseline="0" noProof="0" dirty="0">
+                  <a:ln>
+                    <a:noFill/>
+                  </a:ln>
+                  <a:solidFill>
+                    <a:srgbClr val="5FCBEF"/>
+                  </a:solidFill>
+                  <a:effectLst/>
+                  <a:uLnTx/>
+                  <a:uFillTx/>
+                  <a:latin typeface="Trebuchet MS" panose="020B0603020202020204"/>
+                  <a:ea typeface="+mn-ea"/>
+                  <a:cs typeface="+mn-cs"/>
+                </a:rPr>
+                <a:t>28 pixels</a:t>
+              </a:r>
+            </a:p>
+          </p:txBody>
+        </p:sp>
+        <p:sp>
+          <p:nvSpPr>
+            <p:cNvPr id="26" name="Right Arrow 25">
+              <a:extLst>
+                <a:ext uri="{FF2B5EF4-FFF2-40B4-BE49-F238E27FC236}">
+                  <a16:creationId xmlns:a16="http://schemas.microsoft.com/office/drawing/2014/main" id="{8579AF64-3E1C-DD41-86FA-B6329058CE35}"/>
+                </a:ext>
+              </a:extLst>
+            </p:cNvPr>
+            <p:cNvSpPr>
+              <a:spLocks noChangeAspect="1"/>
+            </p:cNvSpPr>
+            <p:nvPr/>
+          </p:nvSpPr>
+          <p:spPr>
+            <a:xfrm>
+              <a:off x="6151289" y="3234238"/>
+              <a:ext cx="618983" cy="338555"/>
+            </a:xfrm>
+            <a:prstGeom prst="rightArrow">
+              <a:avLst/>
+            </a:prstGeom>
+          </p:spPr>
+          <p:style>
+            <a:lnRef idx="2">
+              <a:schemeClr val="accent1">
+                <a:shade val="50000"/>
+              </a:schemeClr>
+            </a:lnRef>
+            <a:fillRef idx="1">
+              <a:schemeClr val="accent1"/>
+            </a:fillRef>
+            <a:effectRef idx="0">
+              <a:schemeClr val="accent1"/>
+            </a:effectRef>
+            <a:fontRef idx="minor">
+              <a:schemeClr val="lt1"/>
+            </a:fontRef>
+          </p:style>
+          <p:txBody>
+            <a:bodyPr rtlCol="0" anchor="ctr"/>
+            <a:lstStyle/>
+            <a:p>
+              <a:pPr marL="0" marR="0" lvl="0" indent="0" algn="ctr" defTabSz="457200" rtl="0" eaLnBrk="1" fontAlgn="auto" latinLnBrk="0" hangingPunct="1">
+                <a:lnSpc>
+                  <a:spcPct val="100000"/>
+                </a:lnSpc>
+                <a:spcBef>
+                  <a:spcPts val="0"/>
+                </a:spcBef>
+                <a:spcAft>
+                  <a:spcPts val="0"/>
+                </a:spcAft>
+                <a:buClrTx/>
+                <a:buSzTx/>
+                <a:buFontTx/>
+                <a:buNone/>
+                <a:tabLst/>
+                <a:defRPr/>
+              </a:pPr>
+              <a:endParaRPr kumimoji="0" lang="fr-FR" sz="1800" b="0" i="0" u="none" strike="noStrike" kern="1200" cap="none" spc="0" normalizeH="0" baseline="0" noProof="0">
+                <a:ln>
+                  <a:noFill/>
+                </a:ln>
+                <a:solidFill>
+                  <a:prstClr val="white"/>
+                </a:solidFill>
+                <a:effectLst/>
+                <a:uLnTx/>
+                <a:uFillTx/>
+                <a:latin typeface="Trebuchet MS" panose="020B0603020202020204"/>
+                <a:ea typeface="+mn-ea"/>
+                <a:cs typeface="+mn-cs"/>
+              </a:endParaRPr>
+            </a:p>
+          </p:txBody>
+        </p:sp>
+        <p:sp>
+          <p:nvSpPr>
+            <p:cNvPr id="29" name="Right Arrow 28">
+              <a:extLst>
+                <a:ext uri="{FF2B5EF4-FFF2-40B4-BE49-F238E27FC236}">
+                  <a16:creationId xmlns:a16="http://schemas.microsoft.com/office/drawing/2014/main" id="{6C6AD8B4-FD0D-2944-8CDA-60E83D5A2AB6}"/>
+                </a:ext>
+              </a:extLst>
+            </p:cNvPr>
+            <p:cNvSpPr>
+              <a:spLocks noChangeAspect="1"/>
+            </p:cNvSpPr>
+            <p:nvPr/>
+          </p:nvSpPr>
+          <p:spPr>
+            <a:xfrm>
+              <a:off x="6140140" y="5420610"/>
+              <a:ext cx="618983" cy="338555"/>
+            </a:xfrm>
+            <a:prstGeom prst="rightArrow">
+              <a:avLst/>
+            </a:prstGeom>
+            <a:solidFill>
+              <a:schemeClr val="accent6"/>
+            </a:solidFill>
+            <a:ln>
+              <a:solidFill>
+                <a:schemeClr val="accent6">
+                  <a:lumMod val="75000"/>
+                </a:schemeClr>
+              </a:solidFill>
+            </a:ln>
+          </p:spPr>
+          <p:style>
+            <a:lnRef idx="2">
+              <a:schemeClr val="accent1">
+                <a:shade val="50000"/>
+              </a:schemeClr>
+            </a:lnRef>
+            <a:fillRef idx="1">
+              <a:schemeClr val="accent1"/>
+            </a:fillRef>
+            <a:effectRef idx="0">
+              <a:schemeClr val="accent1"/>
+            </a:effectRef>
+            <a:fontRef idx="minor">
+              <a:schemeClr val="lt1"/>
+            </a:fontRef>
+          </p:style>
+          <p:txBody>
+            <a:bodyPr rtlCol="0" anchor="ctr"/>
+            <a:lstStyle/>
+            <a:p>
+              <a:pPr marL="0" marR="0" lvl="0" indent="0" algn="ctr" defTabSz="457200" rtl="0" eaLnBrk="1" fontAlgn="auto" latinLnBrk="0" hangingPunct="1">
+                <a:lnSpc>
+                  <a:spcPct val="100000"/>
+                </a:lnSpc>
+                <a:spcBef>
+                  <a:spcPts val="0"/>
+                </a:spcBef>
+                <a:spcAft>
+                  <a:spcPts val="0"/>
+                </a:spcAft>
+                <a:buClrTx/>
+                <a:buSzTx/>
+                <a:buFontTx/>
+                <a:buNone/>
+                <a:tabLst/>
+                <a:defRPr/>
+              </a:pPr>
+              <a:endParaRPr kumimoji="0" lang="fr-FR" sz="1800" b="0" i="0" u="none" strike="noStrike" kern="1200" cap="none" spc="0" normalizeH="0" baseline="0" noProof="0">
+                <a:ln>
+                  <a:noFill/>
+                </a:ln>
+                <a:solidFill>
+                  <a:prstClr val="white"/>
+                </a:solidFill>
+                <a:effectLst/>
+                <a:uLnTx/>
+                <a:uFillTx/>
+                <a:latin typeface="Trebuchet MS" panose="020B0603020202020204"/>
+                <a:ea typeface="+mn-ea"/>
+                <a:cs typeface="+mn-cs"/>
+              </a:endParaRPr>
+            </a:p>
+          </p:txBody>
+        </p:sp>
+        <p:sp>
+          <p:nvSpPr>
+            <p:cNvPr id="2" name="Cross 1">
+              <a:extLst>
+                <a:ext uri="{FF2B5EF4-FFF2-40B4-BE49-F238E27FC236}">
+                  <a16:creationId xmlns:a16="http://schemas.microsoft.com/office/drawing/2014/main" id="{C6268583-A434-4F4C-B447-46F28CEE2EC1}"/>
+                </a:ext>
+              </a:extLst>
+            </p:cNvPr>
+            <p:cNvSpPr/>
+            <p:nvPr/>
+          </p:nvSpPr>
+          <p:spPr>
+            <a:xfrm rot="2700000">
+              <a:off x="6155417" y="5284098"/>
+              <a:ext cx="633207" cy="633207"/>
+            </a:xfrm>
+            <a:prstGeom prst="plus">
+              <a:avLst>
+                <a:gd name="adj" fmla="val 44874"/>
+              </a:avLst>
+            </a:prstGeom>
+            <a:solidFill>
+              <a:srgbClr val="2C3C43"/>
+            </a:solidFill>
+            <a:ln>
+              <a:solidFill>
+                <a:schemeClr val="tx2">
+                  <a:lumMod val="75000"/>
+                </a:schemeClr>
+              </a:solidFill>
+            </a:ln>
+          </p:spPr>
+          <p:style>
+            <a:lnRef idx="2">
+              <a:schemeClr val="accent1">
+                <a:shade val="50000"/>
+              </a:schemeClr>
+            </a:lnRef>
+            <a:fillRef idx="1">
+              <a:schemeClr val="accent1"/>
+            </a:fillRef>
+            <a:effectRef idx="0">
+              <a:schemeClr val="accent1"/>
+            </a:effectRef>
+            <a:fontRef idx="minor">
+              <a:schemeClr val="lt1"/>
+            </a:fontRef>
+          </p:style>
+          <p:txBody>
+            <a:bodyPr rtlCol="0" anchor="ctr"/>
+            <a:lstStyle/>
+            <a:p>
+              <a:pPr marL="0" marR="0" lvl="0" indent="0" algn="ctr" defTabSz="457200" rtl="0" eaLnBrk="1" fontAlgn="auto" latinLnBrk="0" hangingPunct="1">
+                <a:lnSpc>
+                  <a:spcPct val="100000"/>
+                </a:lnSpc>
+                <a:spcBef>
+                  <a:spcPts val="0"/>
+                </a:spcBef>
+                <a:spcAft>
+                  <a:spcPts val="0"/>
+                </a:spcAft>
+                <a:buClrTx/>
+                <a:buSzTx/>
+                <a:buFontTx/>
+                <a:buNone/>
+                <a:tabLst/>
+                <a:defRPr/>
+              </a:pPr>
+              <a:endParaRPr kumimoji="0" lang="fr-FR" sz="1800" b="0" i="0" u="none" strike="noStrike" kern="1200" cap="none" spc="0" normalizeH="0" baseline="0" noProof="0">
+                <a:ln>
+                  <a:noFill/>
+                </a:ln>
+                <a:solidFill>
+                  <a:prstClr val="white"/>
+                </a:solidFill>
+                <a:effectLst/>
+                <a:uLnTx/>
+                <a:uFillTx/>
+                <a:latin typeface="Trebuchet MS" panose="020B0603020202020204"/>
+                <a:ea typeface="+mn-ea"/>
+                <a:cs typeface="+mn-cs"/>
+              </a:endParaRPr>
+            </a:p>
+          </p:txBody>
+        </p:sp>
+        <p:sp>
+          <p:nvSpPr>
+            <p:cNvPr id="30" name="Right Arrow 29">
+              <a:extLst>
+                <a:ext uri="{FF2B5EF4-FFF2-40B4-BE49-F238E27FC236}">
+                  <a16:creationId xmlns:a16="http://schemas.microsoft.com/office/drawing/2014/main" id="{913BEB20-E6F3-124F-A509-DB93E3F4D47D}"/>
+                </a:ext>
+              </a:extLst>
+            </p:cNvPr>
+            <p:cNvSpPr>
+              <a:spLocks noChangeAspect="1"/>
+            </p:cNvSpPr>
+            <p:nvPr/>
+          </p:nvSpPr>
+          <p:spPr>
+            <a:xfrm>
+              <a:off x="9092960" y="3234238"/>
+              <a:ext cx="1935056" cy="338555"/>
+            </a:xfrm>
+            <a:prstGeom prst="rightArrow">
+              <a:avLst/>
+            </a:prstGeom>
+          </p:spPr>
+          <p:style>
+            <a:lnRef idx="2">
+              <a:schemeClr val="accent1">
+                <a:shade val="50000"/>
+              </a:schemeClr>
+            </a:lnRef>
+            <a:fillRef idx="1">
+              <a:schemeClr val="accent1"/>
+            </a:fillRef>
+            <a:effectRef idx="0">
+              <a:schemeClr val="accent1"/>
+            </a:effectRef>
+            <a:fontRef idx="minor">
+              <a:schemeClr val="lt1"/>
+            </a:fontRef>
+          </p:style>
+          <p:txBody>
+            <a:bodyPr rtlCol="0" anchor="ctr"/>
+            <a:lstStyle/>
+            <a:p>
+              <a:pPr marL="0" marR="0" lvl="0" indent="0" algn="ctr" defTabSz="457200" rtl="0" eaLnBrk="1" fontAlgn="auto" latinLnBrk="0" hangingPunct="1">
+                <a:lnSpc>
+                  <a:spcPct val="100000"/>
+                </a:lnSpc>
+                <a:spcBef>
+                  <a:spcPts val="0"/>
+                </a:spcBef>
+                <a:spcAft>
+                  <a:spcPts val="0"/>
+                </a:spcAft>
+                <a:buClrTx/>
+                <a:buSzTx/>
+                <a:buFontTx/>
+                <a:buNone/>
+                <a:tabLst/>
+                <a:defRPr/>
+              </a:pPr>
+              <a:endParaRPr kumimoji="0" lang="fr-FR" sz="2000" b="0" i="0" u="none" strike="noStrike" kern="1200" cap="none" spc="0" normalizeH="0" baseline="0" noProof="0">
+                <a:ln>
+                  <a:noFill/>
+                </a:ln>
+                <a:solidFill>
+                  <a:prstClr val="white"/>
+                </a:solidFill>
+                <a:effectLst/>
+                <a:uLnTx/>
+                <a:uFillTx/>
+                <a:latin typeface="Trebuchet MS" panose="020B0603020202020204"/>
+                <a:ea typeface="+mn-ea"/>
+                <a:cs typeface="+mn-cs"/>
+              </a:endParaRPr>
+            </a:p>
+          </p:txBody>
+        </p:sp>
+        <p:sp>
+          <p:nvSpPr>
+            <p:cNvPr id="5" name="TextBox 4">
+              <a:extLst>
+                <a:ext uri="{FF2B5EF4-FFF2-40B4-BE49-F238E27FC236}">
+                  <a16:creationId xmlns:a16="http://schemas.microsoft.com/office/drawing/2014/main" id="{1F754F5B-9EC8-7C4E-A061-81A59DA8D932}"/>
+                </a:ext>
+              </a:extLst>
+            </p:cNvPr>
+            <p:cNvSpPr txBox="1"/>
+            <p:nvPr/>
+          </p:nvSpPr>
+          <p:spPr>
+            <a:xfrm>
+              <a:off x="11214335" y="3183162"/>
+              <a:ext cx="346570" cy="461665"/>
+            </a:xfrm>
+            <a:prstGeom prst="rect">
+              <a:avLst/>
+            </a:prstGeom>
+            <a:noFill/>
+          </p:spPr>
+          <p:txBody>
+            <a:bodyPr wrap="none" rtlCol="0">
+              <a:spAutoFit/>
+            </a:bodyPr>
+            <a:lstStyle/>
+            <a:p>
+              <a:pPr marL="0" marR="0" lvl="0" indent="0" algn="l" defTabSz="457200" rtl="0" eaLnBrk="1" fontAlgn="auto" latinLnBrk="0" hangingPunct="1">
+                <a:lnSpc>
+                  <a:spcPct val="100000"/>
+                </a:lnSpc>
+                <a:spcBef>
+                  <a:spcPts val="0"/>
+                </a:spcBef>
+                <a:spcAft>
+                  <a:spcPts val="0"/>
+                </a:spcAft>
+                <a:buClrTx/>
+                <a:buSzTx/>
+                <a:buFontTx/>
+                <a:buNone/>
+                <a:tabLst/>
+                <a:defRPr/>
+              </a:pPr>
+              <a:r>
+                <a:rPr kumimoji="0" lang="fr-FR" sz="2400" b="0" i="0" u="none" strike="noStrike" kern="1200" cap="none" spc="0" normalizeH="0" baseline="0" noProof="0" dirty="0">
+                  <a:ln>
+                    <a:noFill/>
+                  </a:ln>
+                  <a:solidFill>
+                    <a:prstClr val="black"/>
+                  </a:solidFill>
+                  <a:effectLst/>
+                  <a:uLnTx/>
+                  <a:uFillTx/>
+                  <a:latin typeface="Trebuchet MS" panose="020B0603020202020204"/>
+                  <a:ea typeface="+mn-ea"/>
+                  <a:cs typeface="+mn-cs"/>
+                </a:rPr>
+                <a:t>9</a:t>
+              </a:r>
+            </a:p>
+          </p:txBody>
+        </p:sp>
+        <p:sp>
+          <p:nvSpPr>
+            <p:cNvPr id="6" name="Rectangle 5">
+              <a:extLst>
+                <a:ext uri="{FF2B5EF4-FFF2-40B4-BE49-F238E27FC236}">
+                  <a16:creationId xmlns:a16="http://schemas.microsoft.com/office/drawing/2014/main" id="{B3163329-BB23-BA40-ABA6-4A52A796544D}"/>
+                </a:ext>
+              </a:extLst>
+            </p:cNvPr>
+            <p:cNvSpPr/>
+            <p:nvPr/>
+          </p:nvSpPr>
+          <p:spPr>
+            <a:xfrm>
+              <a:off x="9320252" y="3065920"/>
+              <a:ext cx="1272730" cy="699256"/>
+            </a:xfrm>
+            <a:prstGeom prst="rect">
+              <a:avLst/>
+            </a:prstGeom>
+            <a:solidFill>
+              <a:schemeClr val="accent2">
+                <a:lumMod val="75000"/>
+              </a:schemeClr>
+            </a:solidFill>
+            <a:ln>
+              <a:solidFill>
+                <a:schemeClr val="accent2">
+                  <a:lumMod val="50000"/>
+                </a:schemeClr>
+              </a:solidFill>
+            </a:ln>
+          </p:spPr>
+          <p:style>
+            <a:lnRef idx="2">
+              <a:schemeClr val="accent1">
+                <a:shade val="50000"/>
+              </a:schemeClr>
+            </a:lnRef>
+            <a:fillRef idx="1">
+              <a:schemeClr val="accent1"/>
+            </a:fillRef>
+            <a:effectRef idx="0">
+              <a:schemeClr val="accent1"/>
+            </a:effectRef>
+            <a:fontRef idx="minor">
+              <a:schemeClr val="lt1"/>
+            </a:fontRef>
+          </p:style>
+          <p:txBody>
+            <a:bodyPr rtlCol="0" anchor="ctr"/>
+            <a:lstStyle/>
+            <a:p>
+              <a:pPr marL="0" marR="0" lvl="0" indent="0" algn="ctr" defTabSz="457200" rtl="0" eaLnBrk="1" fontAlgn="auto" latinLnBrk="0" hangingPunct="1">
+                <a:lnSpc>
+                  <a:spcPct val="100000"/>
+                </a:lnSpc>
+                <a:spcBef>
+                  <a:spcPts val="0"/>
+                </a:spcBef>
+                <a:spcAft>
+                  <a:spcPts val="0"/>
+                </a:spcAft>
+                <a:buClrTx/>
+                <a:buSzTx/>
+                <a:buFontTx/>
+                <a:buNone/>
+                <a:tabLst/>
+                <a:defRPr/>
+              </a:pPr>
+              <a:r>
+                <a:rPr kumimoji="0" lang="fr-FR" sz="1100" b="0" i="1" u="none" strike="noStrike" kern="1200" cap="none" spc="0" normalizeH="0" baseline="0" noProof="0" dirty="0" err="1">
+                  <a:ln>
+                    <a:noFill/>
+                  </a:ln>
+                  <a:solidFill>
+                    <a:prstClr val="white"/>
+                  </a:solidFill>
+                  <a:effectLst/>
+                  <a:uLnTx/>
+                  <a:uFillTx/>
+                  <a:latin typeface="Trebuchet MS" panose="020B0603020202020204"/>
+                  <a:ea typeface="+mn-ea"/>
+                  <a:cs typeface="+mn-cs"/>
+                </a:rPr>
+                <a:t>Convolutional</a:t>
+              </a:r>
+              <a:r>
+                <a:rPr kumimoji="0" lang="fr-FR" sz="1100" b="0" i="1" u="none" strike="noStrike" kern="1200" cap="none" spc="0" normalizeH="0" baseline="0" noProof="0" dirty="0">
+                  <a:ln>
+                    <a:noFill/>
+                  </a:ln>
+                  <a:solidFill>
+                    <a:prstClr val="white"/>
+                  </a:solidFill>
+                  <a:effectLst/>
+                  <a:uLnTx/>
+                  <a:uFillTx/>
+                  <a:latin typeface="Trebuchet MS" panose="020B0603020202020204"/>
+                  <a:ea typeface="+mn-ea"/>
+                  <a:cs typeface="+mn-cs"/>
+                </a:rPr>
+                <a:t> Neural Networks</a:t>
+              </a:r>
+              <a:endParaRPr kumimoji="0" lang="fr-FR" sz="1100" b="0" i="0" u="none" strike="noStrike" kern="1200" cap="none" spc="0" normalizeH="0" baseline="0" noProof="0" dirty="0">
+                <a:ln>
+                  <a:noFill/>
+                </a:ln>
+                <a:solidFill>
+                  <a:prstClr val="white"/>
+                </a:solidFill>
+                <a:effectLst/>
+                <a:uLnTx/>
+                <a:uFillTx/>
+                <a:latin typeface="Trebuchet MS" panose="020B0603020202020204"/>
+                <a:ea typeface="+mn-ea"/>
+                <a:cs typeface="+mn-cs"/>
+              </a:endParaRPr>
+            </a:p>
+          </p:txBody>
+        </p:sp>
+      </p:grpSp>
+      <p:pic>
+        <p:nvPicPr>
+          <p:cNvPr id="34" name="Picture 33" descr="A screenshot of a cell phone&#10;&#10;Description automatically generated">
+            <a:extLst>
+              <a:ext uri="{FF2B5EF4-FFF2-40B4-BE49-F238E27FC236}">
+                <a16:creationId xmlns:a16="http://schemas.microsoft.com/office/drawing/2014/main" id="{86A46A11-EF8E-254B-AC1A-743E0C1F1F76}"/>
+              </a:ext>
+            </a:extLst>
+          </p:cNvPr>
+          <p:cNvPicPr>
+            <a:picLocks noChangeAspect="1"/>
+          </p:cNvPicPr>
+          <p:nvPr/>
+        </p:nvPicPr>
+        <p:blipFill rotWithShape="1">
+          <a:blip r:embed="rId8">
+            <a:extLst>
+              <a:ext uri="{28A0092B-C50C-407E-A947-70E740481C1C}">
+                <a14:useLocalDpi xmlns:a14="http://schemas.microsoft.com/office/drawing/2010/main" val="0"/>
+              </a:ext>
+            </a:extLst>
+          </a:blip>
+          <a:srcRect l="22386" t="11873" r="18419" b="11109"/>
+          <a:stretch/>
+        </p:blipFill>
+        <p:spPr>
+          <a:xfrm>
+            <a:off x="6763887" y="375663"/>
+            <a:ext cx="1479499" cy="1443714"/>
+          </a:xfrm>
+          <a:prstGeom prst="rect">
+            <a:avLst/>
+          </a:prstGeom>
+        </p:spPr>
+      </p:pic>
+      <p:sp>
+        <p:nvSpPr>
+          <p:cNvPr id="35" name="TextBox 34">
+            <a:extLst>
+              <a:ext uri="{FF2B5EF4-FFF2-40B4-BE49-F238E27FC236}">
+                <a16:creationId xmlns:a16="http://schemas.microsoft.com/office/drawing/2014/main" id="{890F8958-8618-A24C-9FFF-2B8FA316588D}"/>
+              </a:ext>
+            </a:extLst>
+          </p:cNvPr>
+          <p:cNvSpPr txBox="1"/>
+          <p:nvPr/>
+        </p:nvSpPr>
+        <p:spPr>
+          <a:xfrm>
+            <a:off x="9396196" y="307334"/>
+            <a:ext cx="2683482" cy="1708160"/>
+          </a:xfrm>
+          <a:prstGeom prst="rect">
+            <a:avLst/>
+          </a:prstGeom>
+          <a:noFill/>
+        </p:spPr>
+        <p:txBody>
+          <a:bodyPr wrap="square" rtlCol="0">
+            <a:spAutoFit/>
+          </a:bodyPr>
+          <a:lstStyle/>
+          <a:p>
+            <a:pPr marL="0" marR="0" lvl="0" indent="0" algn="l" defTabSz="457200" rtl="0" eaLnBrk="1" fontAlgn="auto" latinLnBrk="0" hangingPunct="1">
+              <a:lnSpc>
+                <a:spcPct val="100000"/>
+              </a:lnSpc>
+              <a:spcBef>
+                <a:spcPts val="0"/>
+              </a:spcBef>
+              <a:spcAft>
+                <a:spcPts val="0"/>
+              </a:spcAft>
+              <a:buClrTx/>
+              <a:buSzTx/>
+              <a:buFontTx/>
+              <a:buNone/>
+              <a:tabLst/>
+              <a:defRPr/>
+            </a:pPr>
+            <a:r>
+              <a:rPr kumimoji="0" lang="fr-FR" sz="1050" b="0" i="0" u="none" strike="noStrike" kern="1200" cap="none" spc="0" normalizeH="0" baseline="0" noProof="0" dirty="0">
+                <a:ln>
+                  <a:noFill/>
+                </a:ln>
+                <a:solidFill>
+                  <a:prstClr val="black"/>
+                </a:solidFill>
+                <a:effectLst/>
+                <a:uLnTx/>
+                <a:uFillTx/>
+                <a:latin typeface="DejaVu Sans Mono" panose="020B0709030604020204" pitchFamily="49" charset="0"/>
+                <a:ea typeface="DejaVu Sans Mono" panose="020B0709030604020204" pitchFamily="49" charset="0"/>
+                <a:cs typeface="DejaVu Sans Mono" panose="020B0709030604020204" pitchFamily="49" charset="0"/>
+              </a:rPr>
+              <a:t>[[8 0 0 0 1 0 0 0 9]</a:t>
+            </a:r>
+          </a:p>
+          <a:p>
+            <a:pPr marL="0" marR="0" lvl="0" indent="0" algn="l" defTabSz="457200" rtl="0" eaLnBrk="1" fontAlgn="auto" latinLnBrk="0" hangingPunct="1">
+              <a:lnSpc>
+                <a:spcPct val="100000"/>
+              </a:lnSpc>
+              <a:spcBef>
+                <a:spcPts val="0"/>
+              </a:spcBef>
+              <a:spcAft>
+                <a:spcPts val="0"/>
+              </a:spcAft>
+              <a:buClrTx/>
+              <a:buSzTx/>
+              <a:buFontTx/>
+              <a:buNone/>
+              <a:tabLst/>
+              <a:defRPr/>
+            </a:pPr>
+            <a:r>
+              <a:rPr kumimoji="0" lang="fr-FR" sz="1050" b="0" i="0" u="none" strike="noStrike" kern="1200" cap="none" spc="0" normalizeH="0" baseline="0" noProof="0" dirty="0">
+                <a:ln>
+                  <a:noFill/>
+                </a:ln>
+                <a:solidFill>
+                  <a:prstClr val="black"/>
+                </a:solidFill>
+                <a:effectLst/>
+                <a:uLnTx/>
+                <a:uFillTx/>
+                <a:latin typeface="DejaVu Sans Mono" panose="020B0709030604020204" pitchFamily="49" charset="0"/>
+                <a:ea typeface="DejaVu Sans Mono" panose="020B0709030604020204" pitchFamily="49" charset="0"/>
+                <a:cs typeface="DejaVu Sans Mono" panose="020B0709030604020204" pitchFamily="49" charset="0"/>
+              </a:rPr>
+              <a:t> [0 5 0 8 0 7 0 8 0]</a:t>
+            </a:r>
+          </a:p>
+          <a:p>
+            <a:pPr marL="0" marR="0" lvl="0" indent="0" algn="l" defTabSz="457200" rtl="0" eaLnBrk="1" fontAlgn="auto" latinLnBrk="0" hangingPunct="1">
+              <a:lnSpc>
+                <a:spcPct val="100000"/>
+              </a:lnSpc>
+              <a:spcBef>
+                <a:spcPts val="0"/>
+              </a:spcBef>
+              <a:spcAft>
+                <a:spcPts val="0"/>
+              </a:spcAft>
+              <a:buClrTx/>
+              <a:buSzTx/>
+              <a:buFontTx/>
+              <a:buNone/>
+              <a:tabLst/>
+              <a:defRPr/>
+            </a:pPr>
+            <a:r>
+              <a:rPr kumimoji="0" lang="fr-FR" sz="1050" b="0" i="0" u="none" strike="noStrike" kern="1200" cap="none" spc="0" normalizeH="0" baseline="0" noProof="0" dirty="0">
+                <a:ln>
+                  <a:noFill/>
+                </a:ln>
+                <a:solidFill>
+                  <a:prstClr val="black"/>
+                </a:solidFill>
+                <a:effectLst/>
+                <a:uLnTx/>
+                <a:uFillTx/>
+                <a:latin typeface="DejaVu Sans Mono" panose="020B0709030604020204" pitchFamily="49" charset="0"/>
+                <a:ea typeface="DejaVu Sans Mono" panose="020B0709030604020204" pitchFamily="49" charset="0"/>
+                <a:cs typeface="DejaVu Sans Mono" panose="020B0709030604020204" pitchFamily="49" charset="0"/>
+              </a:rPr>
+              <a:t> [0 0 4 0 9 0 7 0 0]</a:t>
+            </a:r>
+          </a:p>
+          <a:p>
+            <a:pPr marL="0" marR="0" lvl="0" indent="0" algn="l" defTabSz="457200" rtl="0" eaLnBrk="1" fontAlgn="auto" latinLnBrk="0" hangingPunct="1">
+              <a:lnSpc>
+                <a:spcPct val="100000"/>
+              </a:lnSpc>
+              <a:spcBef>
+                <a:spcPts val="0"/>
+              </a:spcBef>
+              <a:spcAft>
+                <a:spcPts val="0"/>
+              </a:spcAft>
+              <a:buClrTx/>
+              <a:buSzTx/>
+              <a:buFontTx/>
+              <a:buNone/>
+              <a:tabLst/>
+              <a:defRPr/>
+            </a:pPr>
+            <a:r>
+              <a:rPr kumimoji="0" lang="fr-FR" sz="1050" b="0" i="0" u="none" strike="noStrike" kern="1200" cap="none" spc="0" normalizeH="0" baseline="0" noProof="0" dirty="0">
+                <a:ln>
+                  <a:noFill/>
+                </a:ln>
+                <a:solidFill>
+                  <a:prstClr val="black"/>
+                </a:solidFill>
+                <a:effectLst/>
+                <a:uLnTx/>
+                <a:uFillTx/>
+                <a:latin typeface="DejaVu Sans Mono" panose="020B0709030604020204" pitchFamily="49" charset="0"/>
+                <a:ea typeface="DejaVu Sans Mono" panose="020B0709030604020204" pitchFamily="49" charset="0"/>
+                <a:cs typeface="DejaVu Sans Mono" panose="020B0709030604020204" pitchFamily="49" charset="0"/>
+              </a:rPr>
+              <a:t> [0 6 0 7 0 7 0 2 0]</a:t>
+            </a:r>
+          </a:p>
+          <a:p>
+            <a:pPr marL="0" marR="0" lvl="0" indent="0" algn="l" defTabSz="457200" rtl="0" eaLnBrk="1" fontAlgn="auto" latinLnBrk="0" hangingPunct="1">
+              <a:lnSpc>
+                <a:spcPct val="100000"/>
+              </a:lnSpc>
+              <a:spcBef>
+                <a:spcPts val="0"/>
+              </a:spcBef>
+              <a:spcAft>
+                <a:spcPts val="0"/>
+              </a:spcAft>
+              <a:buClrTx/>
+              <a:buSzTx/>
+              <a:buFontTx/>
+              <a:buNone/>
+              <a:tabLst/>
+              <a:defRPr/>
+            </a:pPr>
+            <a:r>
+              <a:rPr kumimoji="0" lang="fr-FR" sz="1050" b="0" i="0" u="none" strike="noStrike" kern="1200" cap="none" spc="0" normalizeH="0" baseline="0" noProof="0" dirty="0">
+                <a:ln>
+                  <a:noFill/>
+                </a:ln>
+                <a:solidFill>
+                  <a:prstClr val="black"/>
+                </a:solidFill>
+                <a:effectLst/>
+                <a:uLnTx/>
+                <a:uFillTx/>
+                <a:latin typeface="DejaVu Sans Mono" panose="020B0709030604020204" pitchFamily="49" charset="0"/>
+                <a:ea typeface="DejaVu Sans Mono" panose="020B0709030604020204" pitchFamily="49" charset="0"/>
+                <a:cs typeface="DejaVu Sans Mono" panose="020B0709030604020204" pitchFamily="49" charset="0"/>
+              </a:rPr>
+              <a:t> [5 0 8 0 6 0 7 0 7]</a:t>
+            </a:r>
+          </a:p>
+          <a:p>
+            <a:pPr marL="0" marR="0" lvl="0" indent="0" algn="l" defTabSz="457200" rtl="0" eaLnBrk="1" fontAlgn="auto" latinLnBrk="0" hangingPunct="1">
+              <a:lnSpc>
+                <a:spcPct val="100000"/>
+              </a:lnSpc>
+              <a:spcBef>
+                <a:spcPts val="0"/>
+              </a:spcBef>
+              <a:spcAft>
+                <a:spcPts val="0"/>
+              </a:spcAft>
+              <a:buClrTx/>
+              <a:buSzTx/>
+              <a:buFontTx/>
+              <a:buNone/>
+              <a:tabLst/>
+              <a:defRPr/>
+            </a:pPr>
+            <a:r>
+              <a:rPr kumimoji="0" lang="fr-FR" sz="1050" b="0" i="0" u="none" strike="noStrike" kern="1200" cap="none" spc="0" normalizeH="0" baseline="0" noProof="0" dirty="0">
+                <a:ln>
+                  <a:noFill/>
+                </a:ln>
+                <a:solidFill>
+                  <a:prstClr val="black"/>
+                </a:solidFill>
+                <a:effectLst/>
+                <a:uLnTx/>
+                <a:uFillTx/>
+                <a:latin typeface="DejaVu Sans Mono" panose="020B0709030604020204" pitchFamily="49" charset="0"/>
+                <a:ea typeface="DejaVu Sans Mono" panose="020B0709030604020204" pitchFamily="49" charset="0"/>
+                <a:cs typeface="DejaVu Sans Mono" panose="020B0709030604020204" pitchFamily="49" charset="0"/>
+              </a:rPr>
+              <a:t> [0 7 0 5 0 2 0 9 0]</a:t>
+            </a:r>
+          </a:p>
+          <a:p>
+            <a:pPr marL="0" marR="0" lvl="0" indent="0" algn="l" defTabSz="457200" rtl="0" eaLnBrk="1" fontAlgn="auto" latinLnBrk="0" hangingPunct="1">
+              <a:lnSpc>
+                <a:spcPct val="100000"/>
+              </a:lnSpc>
+              <a:spcBef>
+                <a:spcPts val="0"/>
+              </a:spcBef>
+              <a:spcAft>
+                <a:spcPts val="0"/>
+              </a:spcAft>
+              <a:buClrTx/>
+              <a:buSzTx/>
+              <a:buFontTx/>
+              <a:buNone/>
+              <a:tabLst/>
+              <a:defRPr/>
+            </a:pPr>
+            <a:r>
+              <a:rPr kumimoji="0" lang="fr-FR" sz="1050" b="0" i="0" u="none" strike="noStrike" kern="1200" cap="none" spc="0" normalizeH="0" baseline="0" noProof="0" dirty="0">
+                <a:ln>
+                  <a:noFill/>
+                </a:ln>
+                <a:solidFill>
+                  <a:prstClr val="black"/>
+                </a:solidFill>
+                <a:effectLst/>
+                <a:uLnTx/>
+                <a:uFillTx/>
+                <a:latin typeface="DejaVu Sans Mono" panose="020B0709030604020204" pitchFamily="49" charset="0"/>
+                <a:ea typeface="DejaVu Sans Mono" panose="020B0709030604020204" pitchFamily="49" charset="0"/>
+                <a:cs typeface="DejaVu Sans Mono" panose="020B0709030604020204" pitchFamily="49" charset="0"/>
+              </a:rPr>
+              <a:t> [0 0 7 8 4 0 5 0 0]</a:t>
+            </a:r>
+          </a:p>
+          <a:p>
+            <a:pPr marL="0" marR="0" lvl="0" indent="0" algn="l" defTabSz="457200" rtl="0" eaLnBrk="1" fontAlgn="auto" latinLnBrk="0" hangingPunct="1">
+              <a:lnSpc>
+                <a:spcPct val="100000"/>
+              </a:lnSpc>
+              <a:spcBef>
+                <a:spcPts val="0"/>
+              </a:spcBef>
+              <a:spcAft>
+                <a:spcPts val="0"/>
+              </a:spcAft>
+              <a:buClrTx/>
+              <a:buSzTx/>
+              <a:buFontTx/>
+              <a:buNone/>
+              <a:tabLst/>
+              <a:defRPr/>
+            </a:pPr>
+            <a:r>
+              <a:rPr kumimoji="0" lang="fr-FR" sz="1050" b="0" i="0" u="none" strike="noStrike" kern="1200" cap="none" spc="0" normalizeH="0" baseline="0" noProof="0" dirty="0">
+                <a:ln>
+                  <a:noFill/>
+                </a:ln>
+                <a:solidFill>
+                  <a:prstClr val="black"/>
+                </a:solidFill>
+                <a:effectLst/>
+                <a:uLnTx/>
+                <a:uFillTx/>
+                <a:latin typeface="DejaVu Sans Mono" panose="020B0709030604020204" pitchFamily="49" charset="0"/>
+                <a:ea typeface="DejaVu Sans Mono" panose="020B0709030604020204" pitchFamily="49" charset="0"/>
+                <a:cs typeface="DejaVu Sans Mono" panose="020B0709030604020204" pitchFamily="49" charset="0"/>
+              </a:rPr>
+              <a:t> [0 8 0 3 0 9 0 4 0]</a:t>
+            </a:r>
+          </a:p>
+          <a:p>
+            <a:pPr marL="0" marR="0" lvl="0" indent="0" algn="l" defTabSz="457200" rtl="0" eaLnBrk="1" fontAlgn="auto" latinLnBrk="0" hangingPunct="1">
+              <a:lnSpc>
+                <a:spcPct val="100000"/>
+              </a:lnSpc>
+              <a:spcBef>
+                <a:spcPts val="0"/>
+              </a:spcBef>
+              <a:spcAft>
+                <a:spcPts val="0"/>
+              </a:spcAft>
+              <a:buClrTx/>
+              <a:buSzTx/>
+              <a:buFontTx/>
+              <a:buNone/>
+              <a:tabLst/>
+              <a:defRPr/>
+            </a:pPr>
+            <a:r>
+              <a:rPr kumimoji="0" lang="fr-FR" sz="1050" b="0" i="0" u="none" strike="noStrike" kern="1200" cap="none" spc="0" normalizeH="0" baseline="0" noProof="0" dirty="0">
+                <a:ln>
+                  <a:noFill/>
+                </a:ln>
+                <a:solidFill>
+                  <a:prstClr val="black"/>
+                </a:solidFill>
+                <a:effectLst/>
+                <a:uLnTx/>
+                <a:uFillTx/>
+                <a:latin typeface="DejaVu Sans Mono" panose="020B0709030604020204" pitchFamily="49" charset="0"/>
+                <a:ea typeface="DejaVu Sans Mono" panose="020B0709030604020204" pitchFamily="49" charset="0"/>
+                <a:cs typeface="DejaVu Sans Mono" panose="020B0709030604020204" pitchFamily="49" charset="0"/>
+              </a:rPr>
+              <a:t> [3 0 0 0 5 0 0 0 8]]</a:t>
+            </a:r>
+          </a:p>
+          <a:p>
+            <a:pPr marL="0" marR="0" lvl="0" indent="0" algn="l" defTabSz="457200" rtl="0" eaLnBrk="1" fontAlgn="auto" latinLnBrk="0" hangingPunct="1">
+              <a:lnSpc>
+                <a:spcPct val="100000"/>
+              </a:lnSpc>
+              <a:spcBef>
+                <a:spcPts val="0"/>
+              </a:spcBef>
+              <a:spcAft>
+                <a:spcPts val="0"/>
+              </a:spcAft>
+              <a:buClrTx/>
+              <a:buSzTx/>
+              <a:buFontTx/>
+              <a:buNone/>
+              <a:tabLst/>
+              <a:defRPr/>
+            </a:pPr>
+            <a:endParaRPr kumimoji="0" lang="fr-FR" sz="1050" b="0" i="0" u="none" strike="noStrike" kern="1200" cap="none" spc="0" normalizeH="0" baseline="0" noProof="0" dirty="0">
+              <a:ln>
+                <a:noFill/>
+              </a:ln>
+              <a:solidFill>
+                <a:prstClr val="black"/>
+              </a:solidFill>
+              <a:effectLst/>
+              <a:uLnTx/>
+              <a:uFillTx/>
+              <a:latin typeface="DejaVu Sans Mono" panose="020B0709030604020204" pitchFamily="49" charset="0"/>
+              <a:ea typeface="DejaVu Sans Mono" panose="020B0709030604020204" pitchFamily="49" charset="0"/>
+              <a:cs typeface="DejaVu Sans Mono" panose="020B0709030604020204" pitchFamily="49" charset="0"/>
+            </a:endParaRPr>
+          </a:p>
+        </p:txBody>
+      </p:sp>
+      <p:sp>
+        <p:nvSpPr>
+          <p:cNvPr id="31" name="Right Arrow 30">
+            <a:extLst>
+              <a:ext uri="{FF2B5EF4-FFF2-40B4-BE49-F238E27FC236}">
+                <a16:creationId xmlns:a16="http://schemas.microsoft.com/office/drawing/2014/main" id="{0D04F936-6011-3F4A-BC27-E204B8277897}"/>
+              </a:ext>
+            </a:extLst>
+          </p:cNvPr>
+          <p:cNvSpPr>
+            <a:spLocks noChangeAspect="1"/>
+          </p:cNvSpPr>
+          <p:nvPr/>
+        </p:nvSpPr>
+        <p:spPr>
+          <a:xfrm>
+            <a:off x="8586485" y="886099"/>
+            <a:ext cx="553372" cy="302669"/>
+          </a:xfrm>
+          <a:prstGeom prst="rightArrow">
+            <a:avLst/>
+          </a:prstGeom>
+          <a:solidFill>
+            <a:srgbClr val="2C3C43"/>
+          </a:solidFill>
+          <a:ln>
+            <a:solidFill>
+              <a:srgbClr val="222D34"/>
+            </a:solidFill>
+          </a:ln>
+        </p:spPr>
+        <p:style>
+          <a:lnRef idx="2">
+            <a:schemeClr val="accent1">
+              <a:shade val="50000"/>
+            </a:schemeClr>
+          </a:lnRef>
+          <a:fillRef idx="1">
+            <a:schemeClr val="accent1"/>
+          </a:fillRef>
+          <a:effectRef idx="0">
+            <a:schemeClr val="accent1"/>
+          </a:effectRef>
+          <a:fontRef idx="minor">
+            <a:schemeClr val="lt1"/>
+          </a:fontRef>
+        </p:style>
+        <p:txBody>
+          <a:bodyPr rtlCol="0" anchor="ctr"/>
+          <a:lstStyle/>
+          <a:p>
+            <a:pPr marL="0" marR="0" lvl="0" indent="0" algn="ctr" defTabSz="457200" rtl="0" eaLnBrk="1" fontAlgn="auto" latinLnBrk="0" hangingPunct="1">
+              <a:lnSpc>
+                <a:spcPct val="100000"/>
+              </a:lnSpc>
+              <a:spcBef>
+                <a:spcPts val="0"/>
+              </a:spcBef>
+              <a:spcAft>
+                <a:spcPts val="0"/>
+              </a:spcAft>
+              <a:buClrTx/>
+              <a:buSzTx/>
+              <a:buFontTx/>
+              <a:buNone/>
+              <a:tabLst/>
+              <a:defRPr/>
+            </a:pPr>
+            <a:endParaRPr kumimoji="0" lang="fr-FR" sz="1800" b="0" i="0" u="none" strike="noStrike" kern="1200" cap="none" spc="0" normalizeH="0" baseline="0" noProof="0">
+              <a:ln>
+                <a:noFill/>
+              </a:ln>
+              <a:solidFill>
+                <a:prstClr val="white"/>
+              </a:solidFill>
+              <a:effectLst/>
+              <a:uLnTx/>
+              <a:uFillTx/>
+              <a:latin typeface="Trebuchet MS" panose="020B0603020202020204"/>
+              <a:ea typeface="+mn-ea"/>
+              <a:cs typeface="+mn-cs"/>
+            </a:endParaRPr>
+          </a:p>
+        </p:txBody>
+      </p:sp>
+      <p:cxnSp>
+        <p:nvCxnSpPr>
+          <p:cNvPr id="27" name="Straight Connector 26">
+            <a:extLst>
+              <a:ext uri="{FF2B5EF4-FFF2-40B4-BE49-F238E27FC236}">
+                <a16:creationId xmlns:a16="http://schemas.microsoft.com/office/drawing/2014/main" id="{EAC02540-A6BD-7047-A9DB-3BF3FC26308A}"/>
+              </a:ext>
+            </a:extLst>
+          </p:cNvPr>
+          <p:cNvCxnSpPr>
+            <a:cxnSpLocks/>
+          </p:cNvCxnSpPr>
+          <p:nvPr/>
+        </p:nvCxnSpPr>
+        <p:spPr>
+          <a:xfrm>
+            <a:off x="5814720" y="2160590"/>
+            <a:ext cx="5670698" cy="0"/>
+          </a:xfrm>
+          <a:prstGeom prst="line">
+            <a:avLst/>
+          </a:prstGeom>
+          <a:ln>
+            <a:solidFill>
+              <a:srgbClr val="222D34"/>
+            </a:solidFill>
+          </a:ln>
+        </p:spPr>
+        <p:style>
+          <a:lnRef idx="1">
+            <a:schemeClr val="accent1"/>
+          </a:lnRef>
+          <a:fillRef idx="0">
+            <a:schemeClr val="accent1"/>
+          </a:fillRef>
+          <a:effectRef idx="0">
+            <a:schemeClr val="accent1"/>
+          </a:effectRef>
+          <a:fontRef idx="minor">
+            <a:schemeClr val="tx1"/>
+          </a:fontRef>
+        </p:style>
+      </p:cxnSp>
     </p:spTree>
     <p:extLst>
       <p:ext uri="{BB962C8B-B14F-4D97-AF65-F5344CB8AC3E}">
-        <p14:creationId xmlns:p14="http://schemas.microsoft.com/office/powerpoint/2010/main" val="4232747669"/>
+        <p14:creationId xmlns:p14="http://schemas.microsoft.com/office/powerpoint/2010/main" val="3671209492"/>
       </p:ext>
     </p:extLst>
   </p:cSld>
@@ -11968,7 +14508,7 @@
       </p:grpSpPr>
       <p:sp useBgFill="1">
         <p:nvSpPr>
-          <p:cNvPr id="42" name="Rectangle 41">
+          <p:cNvPr id="71" name="Rectangle 70">
             <a:extLst>
               <a:ext uri="{FF2B5EF4-FFF2-40B4-BE49-F238E27FC236}">
                 <a16:creationId xmlns:a16="http://schemas.microsoft.com/office/drawing/2014/main" id="{9F4444CE-BC8D-4D61-B303-4C05614E62AB}"/>
@@ -12028,7 +14568,7 @@
       </p:sp>
       <p:sp>
         <p:nvSpPr>
-          <p:cNvPr id="44" name="Rectangle 43">
+          <p:cNvPr id="73" name="Rectangle 72">
             <a:extLst>
               <a:ext uri="{FF2B5EF4-FFF2-40B4-BE49-F238E27FC236}">
                 <a16:creationId xmlns:a16="http://schemas.microsoft.com/office/drawing/2014/main" id="{62423CA5-E2E1-4789-B759-9906C1C94063}"/>
@@ -12089,7 +14629,7 @@
       </p:sp>
       <p:sp>
         <p:nvSpPr>
-          <p:cNvPr id="46" name="Isosceles Triangle 45">
+          <p:cNvPr id="75" name="Isosceles Triangle 74">
             <a:extLst>
               <a:ext uri="{FF2B5EF4-FFF2-40B4-BE49-F238E27FC236}">
                 <a16:creationId xmlns:a16="http://schemas.microsoft.com/office/drawing/2014/main" id="{73772B81-181F-48B7-8826-4D9686D15DF5}"/>
@@ -12155,7 +14695,7 @@
           <p:cNvPr id="2" name="Titre 1">
             <a:extLst>
               <a:ext uri="{FF2B5EF4-FFF2-40B4-BE49-F238E27FC236}">
-                <a16:creationId xmlns:a16="http://schemas.microsoft.com/office/drawing/2014/main" id="{13FACD13-5C83-490A-84E3-BB1E835DF621}"/>
+                <a16:creationId xmlns:a16="http://schemas.microsoft.com/office/drawing/2014/main" id="{4C235DB3-6D86-406B-99E0-7150B2305091}"/>
               </a:ext>
             </a:extLst>
           </p:cNvPr>
@@ -12173,43 +14713,48 @@
           </a:xfrm>
         </p:spPr>
         <p:txBody>
-          <a:bodyPr vert="horz" lIns="91440" tIns="45720" rIns="91440" bIns="45720" rtlCol="0" anchor="ctr">
+          <a:bodyPr anchor="ctr">
             <a:normAutofit/>
           </a:bodyPr>
           <a:lstStyle/>
           <a:p>
+            <a:pPr>
+              <a:lnSpc>
+                <a:spcPct val="90000"/>
+              </a:lnSpc>
+            </a:pPr>
             <a:r>
-              <a:rPr lang="en-US" sz="3300">
+              <a:rPr lang="fr-FR" sz="3100">
                 <a:solidFill>
                   <a:schemeClr val="bg1"/>
                 </a:solidFill>
               </a:rPr>
-              <a:t>Le code : étape 6</a:t>
+              <a:t>Le code : étape 5</a:t>
             </a:r>
             <a:br>
-              <a:rPr lang="en-US" sz="3300">
+              <a:rPr lang="fr-FR" sz="3100">
                 <a:solidFill>
                   <a:schemeClr val="bg1"/>
                 </a:solidFill>
               </a:rPr>
             </a:br>
             <a:r>
-              <a:rPr lang="en-US" sz="3300">
+              <a:rPr lang="fr-FR" sz="3100">
                 <a:solidFill>
                   <a:schemeClr val="bg1"/>
                 </a:solidFill>
               </a:rPr>
-              <a:t>Résolution du sudoku</a:t>
+              <a:t>vérification de la grille par l’utilisateur</a:t>
             </a:r>
           </a:p>
         </p:txBody>
       </p:sp>
       <p:sp>
         <p:nvSpPr>
-          <p:cNvPr id="3" name="Espace réservé du contenu 2">
+          <p:cNvPr id="14" name="Espace réservé du contenu 2">
             <a:extLst>
               <a:ext uri="{FF2B5EF4-FFF2-40B4-BE49-F238E27FC236}">
-                <a16:creationId xmlns:a16="http://schemas.microsoft.com/office/drawing/2014/main" id="{7344185D-9E4D-4C30-9E2A-4B9ED3974235}"/>
+                <a16:creationId xmlns:a16="http://schemas.microsoft.com/office/drawing/2014/main" id="{84311324-73D4-45E8-A66A-0726C0CA562A}"/>
               </a:ext>
             </a:extLst>
           </p:cNvPr>
@@ -12227,16 +14772,13 @@
           </a:xfrm>
         </p:spPr>
         <p:txBody>
-          <a:bodyPr vert="horz" lIns="91440" tIns="45720" rIns="91440" bIns="45720" rtlCol="0">
+          <a:bodyPr>
             <a:normAutofit/>
           </a:bodyPr>
           <a:lstStyle/>
           <a:p>
-            <a:pPr marL="0" indent="0">
-              <a:buNone/>
-            </a:pPr>
             <a:r>
-              <a:rPr lang="en-US">
+              <a:rPr lang="fr-FR">
                 <a:solidFill>
                   <a:schemeClr val="bg1"/>
                 </a:solidFill>
@@ -12248,19 +14790,19 @@
       </p:sp>
       <p:pic>
         <p:nvPicPr>
-          <p:cNvPr id="4" name="Image 3" descr="Une image contenant mur&#10;&#10;Description générée automatiquement">
+          <p:cNvPr id="1026" name="Picture 2" descr="https://scontent-cdg2-1.xx.fbcdn.net/v/t1.15752-9/78069182_714913302362821_4504875906967273472_n.png?_nc_cat=109&amp;_nc_ohc=P9EVX558macAQlaY5AOIawhM2NIrP4qEuLNpByWHhRFK3mcMmLGi2yxLw&amp;_nc_ht=scontent-cdg2-1.xx&amp;oh=5b18e0c4963af783d14a2d485b68ca14&amp;oe=5E8BAF05">
             <a:extLst>
               <a:ext uri="{FF2B5EF4-FFF2-40B4-BE49-F238E27FC236}">
-                <a16:creationId xmlns:a16="http://schemas.microsoft.com/office/drawing/2014/main" id="{086EA87A-1CA5-4D06-97E3-64B32C99A8F2}"/>
+                <a16:creationId xmlns:a16="http://schemas.microsoft.com/office/drawing/2014/main" id="{DBDB9EDA-E8A0-4464-8597-ADA27761112C}"/>
               </a:ext>
             </a:extLst>
           </p:cNvPr>
           <p:cNvPicPr>
-            <a:picLocks noChangeAspect="1"/>
+            <a:picLocks noChangeAspect="1" noChangeArrowheads="1"/>
           </p:cNvPicPr>
           <p:nvPr/>
         </p:nvPicPr>
-        <p:blipFill rotWithShape="1">
+        <p:blipFill>
           <a:blip r:embed="rId2">
             <a:extLst>
               <a:ext uri="{28A0092B-C50C-407E-A947-70E740481C1C}">
@@ -12268,22 +14810,33 @@
               </a:ext>
             </a:extLst>
           </a:blip>
-          <a:srcRect l="508" t="-314" r="3169" b="2891"/>
-          <a:stretch/>
+          <a:stretch>
+            <a:fillRect/>
+          </a:stretch>
         </p:blipFill>
-        <p:spPr>
+        <p:spPr bwMode="auto">
           <a:xfrm>
-            <a:off x="6029325" y="419100"/>
-            <a:ext cx="5334001" cy="5648326"/>
+            <a:off x="6312673" y="857797"/>
+            <a:ext cx="4602950" cy="5357980"/>
           </a:xfrm>
           <a:prstGeom prst="rect">
             <a:avLst/>
           </a:prstGeom>
+          <a:noFill/>
+          <a:extLst>
+            <a:ext uri="{909E8E84-426E-40DD-AFC4-6F175D3DCCD1}">
+              <a14:hiddenFill xmlns:a14="http://schemas.microsoft.com/office/drawing/2010/main">
+                <a:solidFill>
+                  <a:srgbClr val="FFFFFF"/>
+                </a:solidFill>
+              </a14:hiddenFill>
+            </a:ext>
+          </a:extLst>
         </p:spPr>
       </p:pic>
       <p:sp>
         <p:nvSpPr>
-          <p:cNvPr id="48" name="Isosceles Triangle 47">
+          <p:cNvPr id="77" name="Isosceles Triangle 76">
             <a:extLst>
               <a:ext uri="{FF2B5EF4-FFF2-40B4-BE49-F238E27FC236}">
                 <a16:creationId xmlns:a16="http://schemas.microsoft.com/office/drawing/2014/main" id="{B2205F6E-03C6-4E92-877C-E2482F6599AA}"/>
@@ -12349,7 +14902,7 @@
     </p:spTree>
     <p:extLst>
       <p:ext uri="{BB962C8B-B14F-4D97-AF65-F5344CB8AC3E}">
-        <p14:creationId xmlns:p14="http://schemas.microsoft.com/office/powerpoint/2010/main" val="2081831426"/>
+        <p14:creationId xmlns:p14="http://schemas.microsoft.com/office/powerpoint/2010/main" val="4232747669"/>
       </p:ext>
     </p:extLst>
   </p:cSld>
